--- a/in_class_slides/geog4300_W08-1 Hypotheses and one sample tests.pptx
+++ b/in_class_slides/geog4300_W08-1 Hypotheses and one sample tests.pptx
@@ -211,7 +211,7 @@
           <a:p>
             <a:fld id="{F1C23026-85D4-48E8-9219-18000F688023}" type="datetimeFigureOut">
               <a:rPr lang="en-US" smtClean="0"/>
-              <a:t>10/7/2022</a:t>
+              <a:t>10/11/2022</a:t>
             </a:fld>
             <a:endParaRPr lang="en-US"/>
           </a:p>
@@ -3124,7 +3124,7 @@
           <a:p>
             <a:fld id="{93C8B963-0F36-48FC-991E-AA63861DA924}" type="datetimeFigureOut">
               <a:rPr lang="en-US" smtClean="0"/>
-              <a:t>10/7/2022</a:t>
+              <a:t>10/11/2022</a:t>
             </a:fld>
             <a:endParaRPr lang="en-US"/>
           </a:p>
@@ -3422,7 +3422,7 @@
           <a:p>
             <a:fld id="{93C8B963-0F36-48FC-991E-AA63861DA924}" type="datetimeFigureOut">
               <a:rPr lang="en-US" smtClean="0"/>
-              <a:t>10/7/2022</a:t>
+              <a:t>10/11/2022</a:t>
             </a:fld>
             <a:endParaRPr lang="en-US"/>
           </a:p>
@@ -3614,7 +3614,7 @@
           <a:p>
             <a:fld id="{93C8B963-0F36-48FC-991E-AA63861DA924}" type="datetimeFigureOut">
               <a:rPr lang="en-US" smtClean="0"/>
-              <a:t>10/7/2022</a:t>
+              <a:t>10/11/2022</a:t>
             </a:fld>
             <a:endParaRPr lang="en-US"/>
           </a:p>
@@ -3875,7 +3875,7 @@
           <a:p>
             <a:fld id="{93C8B963-0F36-48FC-991E-AA63861DA924}" type="datetimeFigureOut">
               <a:rPr lang="en-US" smtClean="0"/>
-              <a:t>10/7/2022</a:t>
+              <a:t>10/11/2022</a:t>
             </a:fld>
             <a:endParaRPr lang="en-US"/>
           </a:p>
@@ -4299,7 +4299,7 @@
           <a:p>
             <a:fld id="{93C8B963-0F36-48FC-991E-AA63861DA924}" type="datetimeFigureOut">
               <a:rPr lang="en-US" smtClean="0"/>
-              <a:t>10/7/2022</a:t>
+              <a:t>10/11/2022</a:t>
             </a:fld>
             <a:endParaRPr lang="en-US"/>
           </a:p>
@@ -4836,7 +4836,7 @@
           <a:p>
             <a:fld id="{93C8B963-0F36-48FC-991E-AA63861DA924}" type="datetimeFigureOut">
               <a:rPr lang="en-US" smtClean="0"/>
-              <a:t>10/7/2022</a:t>
+              <a:t>10/11/2022</a:t>
             </a:fld>
             <a:endParaRPr lang="en-US"/>
           </a:p>
@@ -5700,7 +5700,7 @@
           <a:p>
             <a:fld id="{93C8B963-0F36-48FC-991E-AA63861DA924}" type="datetimeFigureOut">
               <a:rPr lang="en-US" smtClean="0"/>
-              <a:t>10/7/2022</a:t>
+              <a:t>10/11/2022</a:t>
             </a:fld>
             <a:endParaRPr lang="en-US"/>
           </a:p>
@@ -5870,7 +5870,7 @@
           <a:p>
             <a:fld id="{93C8B963-0F36-48FC-991E-AA63861DA924}" type="datetimeFigureOut">
               <a:rPr lang="en-US" smtClean="0"/>
-              <a:t>10/7/2022</a:t>
+              <a:t>10/11/2022</a:t>
             </a:fld>
             <a:endParaRPr lang="en-US"/>
           </a:p>
@@ -6054,7 +6054,7 @@
           <a:p>
             <a:fld id="{93C8B963-0F36-48FC-991E-AA63861DA924}" type="datetimeFigureOut">
               <a:rPr lang="en-US" smtClean="0"/>
-              <a:t>10/7/2022</a:t>
+              <a:t>10/11/2022</a:t>
             </a:fld>
             <a:endParaRPr lang="en-US"/>
           </a:p>
@@ -6224,7 +6224,7 @@
           <a:p>
             <a:fld id="{93C8B963-0F36-48FC-991E-AA63861DA924}" type="datetimeFigureOut">
               <a:rPr lang="en-US" smtClean="0"/>
-              <a:t>10/7/2022</a:t>
+              <a:t>10/11/2022</a:t>
             </a:fld>
             <a:endParaRPr lang="en-US"/>
           </a:p>
@@ -6468,7 +6468,7 @@
           <a:p>
             <a:fld id="{93C8B963-0F36-48FC-991E-AA63861DA924}" type="datetimeFigureOut">
               <a:rPr lang="en-US" smtClean="0"/>
-              <a:t>10/7/2022</a:t>
+              <a:t>10/11/2022</a:t>
             </a:fld>
             <a:endParaRPr lang="en-US"/>
           </a:p>
@@ -6704,7 +6704,7 @@
           <a:p>
             <a:fld id="{93C8B963-0F36-48FC-991E-AA63861DA924}" type="datetimeFigureOut">
               <a:rPr lang="en-US" smtClean="0"/>
-              <a:t>10/7/2022</a:t>
+              <a:t>10/11/2022</a:t>
             </a:fld>
             <a:endParaRPr lang="en-US"/>
           </a:p>
@@ -7170,7 +7170,7 @@
           <a:p>
             <a:fld id="{93C8B963-0F36-48FC-991E-AA63861DA924}" type="datetimeFigureOut">
               <a:rPr lang="en-US" smtClean="0"/>
-              <a:t>10/7/2022</a:t>
+              <a:t>10/11/2022</a:t>
             </a:fld>
             <a:endParaRPr lang="en-US"/>
           </a:p>
@@ -7288,7 +7288,7 @@
           <a:p>
             <a:fld id="{93C8B963-0F36-48FC-991E-AA63861DA924}" type="datetimeFigureOut">
               <a:rPr lang="en-US" smtClean="0"/>
-              <a:t>10/7/2022</a:t>
+              <a:t>10/11/2022</a:t>
             </a:fld>
             <a:endParaRPr lang="en-US"/>
           </a:p>
@@ -7383,7 +7383,7 @@
           <a:p>
             <a:fld id="{93C8B963-0F36-48FC-991E-AA63861DA924}" type="datetimeFigureOut">
               <a:rPr lang="en-US" smtClean="0"/>
-              <a:t>10/7/2022</a:t>
+              <a:t>10/11/2022</a:t>
             </a:fld>
             <a:endParaRPr lang="en-US"/>
           </a:p>
@@ -7638,7 +7638,7 @@
           <a:p>
             <a:fld id="{93C8B963-0F36-48FC-991E-AA63861DA924}" type="datetimeFigureOut">
               <a:rPr lang="en-US" smtClean="0"/>
-              <a:t>10/7/2022</a:t>
+              <a:t>10/11/2022</a:t>
             </a:fld>
             <a:endParaRPr lang="en-US"/>
           </a:p>
@@ -7938,7 +7938,7 @@
           <a:p>
             <a:fld id="{93C8B963-0F36-48FC-991E-AA63861DA924}" type="datetimeFigureOut">
               <a:rPr lang="en-US" smtClean="0"/>
-              <a:t>10/7/2022</a:t>
+              <a:t>10/11/2022</a:t>
             </a:fld>
             <a:endParaRPr lang="en-US"/>
           </a:p>
@@ -8172,7 +8172,7 @@
           <a:p>
             <a:fld id="{93C8B963-0F36-48FC-991E-AA63861DA924}" type="datetimeFigureOut">
               <a:rPr lang="en-US" smtClean="0"/>
-              <a:t>10/7/2022</a:t>
+              <a:t>10/11/2022</a:t>
             </a:fld>
             <a:endParaRPr lang="en-US"/>
           </a:p>
@@ -10059,8 +10059,8 @@
           </a:p>
         </p:txBody>
       </p:sp>
-      <mc:AlternateContent xmlns:mc="http://schemas.openxmlformats.org/markup-compatibility/2006">
-        <mc:Choice xmlns:a14="http://schemas.microsoft.com/office/drawing/2010/main" Requires="a14">
+      <mc:AlternateContent xmlns:mc="http://schemas.openxmlformats.org/markup-compatibility/2006" xmlns:a14="http://schemas.microsoft.com/office/drawing/2010/main">
+        <mc:Choice Requires="a14">
           <p:sp>
             <p:nvSpPr>
               <p:cNvPr id="5" name="TextBox 4">
@@ -10199,7 +10199,7 @@
             </p:txBody>
           </p:sp>
         </mc:Choice>
-        <mc:Fallback>
+        <mc:Fallback xmlns="">
           <p:sp>
             <p:nvSpPr>
               <p:cNvPr id="5" name="TextBox 4">
@@ -10244,8 +10244,8 @@
           </p:sp>
         </mc:Fallback>
       </mc:AlternateContent>
-      <mc:AlternateContent xmlns:mc="http://schemas.openxmlformats.org/markup-compatibility/2006">
-        <mc:Choice xmlns:a14="http://schemas.microsoft.com/office/drawing/2010/main" Requires="a14">
+      <mc:AlternateContent xmlns:mc="http://schemas.openxmlformats.org/markup-compatibility/2006" xmlns:a14="http://schemas.microsoft.com/office/drawing/2010/main">
+        <mc:Choice Requires="a14">
           <p:sp>
             <p:nvSpPr>
               <p:cNvPr id="6" name="TextBox 5">
@@ -10409,7 +10409,7 @@
             </p:txBody>
           </p:sp>
         </mc:Choice>
-        <mc:Fallback>
+        <mc:Fallback xmlns="">
           <p:sp>
             <p:nvSpPr>
               <p:cNvPr id="6" name="TextBox 5">
@@ -11620,7 +11620,7 @@
         <p:spPr>
           <a:xfrm>
             <a:off x="552257" y="861861"/>
-            <a:ext cx="10164169" cy="3539430"/>
+            <a:ext cx="10164169" cy="3970318"/>
           </a:xfrm>
           <a:prstGeom prst="rect">
             <a:avLst/>
@@ -11678,6 +11678,16 @@
             <a:r>
               <a:rPr lang="en-US" sz="2800" dirty="0"/>
               <a:t>Two sample paired t-test</a:t>
+            </a:r>
+          </a:p>
+          <a:p>
+            <a:pPr marL="457200" indent="-457200">
+              <a:buFont typeface="Arial" panose="020B0604020202020204" pitchFamily="34" charset="0"/>
+              <a:buChar char="•"/>
+            </a:pPr>
+            <a:r>
+              <a:rPr lang="en-US" sz="2800" dirty="0"/>
+              <a:t>Non-parametric (Wilcoxon) t-test</a:t>
             </a:r>
           </a:p>
           <a:p>

--- a/in_class_slides/geog4300_W08-1 Hypotheses and one sample tests.pptx
+++ b/in_class_slides/geog4300_W08-1 Hypotheses and one sample tests.pptx
@@ -5,7 +5,7 @@
     <p:sldMasterId id="2147483660" r:id="rId1"/>
   </p:sldMasterIdLst>
   <p:notesMasterIdLst>
-    <p:notesMasterId r:id="rId17"/>
+    <p:notesMasterId r:id="rId23"/>
   </p:notesMasterIdLst>
   <p:sldIdLst>
     <p:sldId id="256" r:id="rId2"/>
@@ -22,7 +22,13 @@
     <p:sldId id="304" r:id="rId13"/>
     <p:sldId id="307" r:id="rId14"/>
     <p:sldId id="308" r:id="rId15"/>
-    <p:sldId id="302" r:id="rId16"/>
+    <p:sldId id="309" r:id="rId16"/>
+    <p:sldId id="310" r:id="rId17"/>
+    <p:sldId id="311" r:id="rId18"/>
+    <p:sldId id="312" r:id="rId19"/>
+    <p:sldId id="313" r:id="rId20"/>
+    <p:sldId id="300" r:id="rId21"/>
+    <p:sldId id="302" r:id="rId22"/>
   </p:sldIdLst>
   <p:sldSz cx="12192000" cy="6858000"/>
   <p:notesSz cx="6858000" cy="9144000"/>
@@ -211,7 +217,7 @@
           <a:p>
             <a:fld id="{F1C23026-85D4-48E8-9219-18000F688023}" type="datetimeFigureOut">
               <a:rPr lang="en-US" smtClean="0"/>
-              <a:t>10/11/2022</a:t>
+              <a:t>10/10/2023</a:t>
             </a:fld>
             <a:endParaRPr lang="en-US"/>
           </a:p>
@@ -1242,7 +1248,7 @@
   <p:cSld>
     <p:spTree>
       <p:nvGrpSpPr>
-        <p:cNvPr id="1" name="Shape 126"/>
+        <p:cNvPr id="1" name="Shape 96"/>
         <p:cNvGrpSpPr/>
         <p:nvPr/>
       </p:nvGrpSpPr>
@@ -1256,7 +1262,7 @@
       </p:grpSpPr>
       <p:sp>
         <p:nvSpPr>
-          <p:cNvPr id="127" name="Shape 127"/>
+          <p:cNvPr id="97" name="Shape 97"/>
           <p:cNvSpPr>
             <a:spLocks noGrp="1" noRot="1" noChangeAspect="1"/>
           </p:cNvSpPr>
@@ -1307,7 +1313,7 @@
       </p:sp>
       <p:sp>
         <p:nvSpPr>
-          <p:cNvPr id="128" name="Shape 128"/>
+          <p:cNvPr id="98" name="Shape 98"/>
           <p:cNvSpPr txBox="1">
             <a:spLocks noGrp="1"/>
           </p:cNvSpPr>
@@ -1318,7 +1324,7 @@
         <p:spPr>
           <a:xfrm>
             <a:off x="685800" y="4343400"/>
-            <a:ext cx="5486400" cy="4114800"/>
+            <a:ext cx="5486399" cy="4114800"/>
           </a:xfrm>
           <a:prstGeom prst="rect">
             <a:avLst/>
@@ -1341,21 +1347,24 @@
               <a:buSzPct val="25000"/>
               <a:buNone/>
             </a:pPr>
-            <a:endParaRPr sz="1200" b="0" i="0" u="none" strike="noStrike" cap="none">
-              <a:solidFill>
-                <a:schemeClr val="dk1"/>
-              </a:solidFill>
-              <a:latin typeface="Calibri"/>
-              <a:ea typeface="Calibri"/>
-              <a:cs typeface="Calibri"/>
-              <a:sym typeface="Calibri"/>
-            </a:endParaRPr>
-          </a:p>
-        </p:txBody>
-      </p:sp>
-      <p:sp>
-        <p:nvSpPr>
-          <p:cNvPr id="129" name="Shape 129"/>
+            <a:r>
+              <a:rPr lang="en-US" sz="1200" b="0" i="0" u="none" strike="noStrike" cap="none">
+                <a:solidFill>
+                  <a:schemeClr val="dk1"/>
+                </a:solidFill>
+                <a:latin typeface="Calibri"/>
+                <a:ea typeface="Calibri"/>
+                <a:cs typeface="Calibri"/>
+                <a:sym typeface="Calibri"/>
+              </a:rPr>
+              <a:t>Alternative hypothesis is usually what you’re trying to prove.</a:t>
+            </a:r>
+          </a:p>
+        </p:txBody>
+      </p:sp>
+      <p:sp>
+        <p:nvSpPr>
+          <p:cNvPr id="99" name="Shape 99"/>
           <p:cNvSpPr txBox="1">
             <a:spLocks noGrp="1"/>
           </p:cNvSpPr>
@@ -1366,7 +1375,7 @@
         <p:spPr>
           <a:xfrm>
             <a:off x="3884612" y="8685213"/>
-            <a:ext cx="2971800" cy="457200"/>
+            <a:ext cx="2971799" cy="457200"/>
           </a:xfrm>
           <a:prstGeom prst="rect">
             <a:avLst/>
@@ -1392,7 +1401,7 @@
             <a:fld id="{00000000-1234-1234-1234-123412341234}" type="slidenum">
               <a:rPr lang="en-US" sz="1200">
                 <a:solidFill>
-                  <a:srgbClr val="000000"/>
+                  <a:schemeClr val="dk1"/>
                 </a:solidFill>
                 <a:latin typeface="Calibri"/>
                 <a:ea typeface="Calibri"/>
@@ -1403,7 +1412,7 @@
             </a:fld>
             <a:endParaRPr lang="en-US" sz="1200">
               <a:solidFill>
-                <a:srgbClr val="000000"/>
+                <a:schemeClr val="dk1"/>
               </a:solidFill>
               <a:latin typeface="Calibri"/>
               <a:ea typeface="Calibri"/>
@@ -1416,7 +1425,7 @@
     </p:spTree>
     <p:extLst>
       <p:ext uri="{BB962C8B-B14F-4D97-AF65-F5344CB8AC3E}">
-        <p14:creationId xmlns:p14="http://schemas.microsoft.com/office/powerpoint/2010/main" val="615565238"/>
+        <p14:creationId xmlns:p14="http://schemas.microsoft.com/office/powerpoint/2010/main" val="3623367609"/>
       </p:ext>
     </p:extLst>
   </p:cSld>
@@ -1426,7 +1435,7 @@
 </p:notes>
 </file>
 
-<file path=ppt/notesSlides/notesSlide2.xml><?xml version="1.0" encoding="utf-8"?>
+<file path=ppt/notesSlides/notesSlide14.xml><?xml version="1.0" encoding="utf-8"?>
 <p:notes xmlns:a="http://schemas.openxmlformats.org/drawingml/2006/main" xmlns:r="http://schemas.openxmlformats.org/officeDocument/2006/relationships" xmlns:p="http://schemas.openxmlformats.org/presentationml/2006/main" showMasterSp="0" showMasterPhAnim="0">
   <p:cSld>
     <p:spTree>
@@ -1591,7 +1600,7 @@
                 <a:cs typeface="Calibri"/>
                 <a:sym typeface="Calibri"/>
               </a:rPr>
-              <a:t>4</a:t>
+              <a:t>16</a:t>
             </a:fld>
             <a:endParaRPr lang="en-US" sz="1200">
               <a:solidFill>
@@ -1608,7 +1617,7 @@
     </p:spTree>
     <p:extLst>
       <p:ext uri="{BB962C8B-B14F-4D97-AF65-F5344CB8AC3E}">
-        <p14:creationId xmlns:p14="http://schemas.microsoft.com/office/powerpoint/2010/main" val="220382363"/>
+        <p14:creationId xmlns:p14="http://schemas.microsoft.com/office/powerpoint/2010/main" val="2221354236"/>
       </p:ext>
     </p:extLst>
   </p:cSld>
@@ -1618,7 +1627,7 @@
 </p:notes>
 </file>
 
-<file path=ppt/notesSlides/notesSlide3.xml><?xml version="1.0" encoding="utf-8"?>
+<file path=ppt/notesSlides/notesSlide15.xml><?xml version="1.0" encoding="utf-8"?>
 <p:notes xmlns:a="http://schemas.openxmlformats.org/drawingml/2006/main" xmlns:r="http://schemas.openxmlformats.org/officeDocument/2006/relationships" xmlns:p="http://schemas.openxmlformats.org/presentationml/2006/main" showMasterSp="0" showMasterPhAnim="0">
   <p:cSld>
     <p:spTree>
@@ -1783,7 +1792,7 @@
                 <a:cs typeface="Calibri"/>
                 <a:sym typeface="Calibri"/>
               </a:rPr>
-              <a:t>5</a:t>
+              <a:t>17</a:t>
             </a:fld>
             <a:endParaRPr lang="en-US" sz="1200">
               <a:solidFill>
@@ -1800,7 +1809,7 @@
     </p:spTree>
     <p:extLst>
       <p:ext uri="{BB962C8B-B14F-4D97-AF65-F5344CB8AC3E}">
-        <p14:creationId xmlns:p14="http://schemas.microsoft.com/office/powerpoint/2010/main" val="249885131"/>
+        <p14:creationId xmlns:p14="http://schemas.microsoft.com/office/powerpoint/2010/main" val="1540292728"/>
       </p:ext>
     </p:extLst>
   </p:cSld>
@@ -1810,12 +1819,12 @@
 </p:notes>
 </file>
 
-<file path=ppt/notesSlides/notesSlide4.xml><?xml version="1.0" encoding="utf-8"?>
+<file path=ppt/notesSlides/notesSlide16.xml><?xml version="1.0" encoding="utf-8"?>
 <p:notes xmlns:a="http://schemas.openxmlformats.org/drawingml/2006/main" xmlns:r="http://schemas.openxmlformats.org/officeDocument/2006/relationships" xmlns:p="http://schemas.openxmlformats.org/presentationml/2006/main" showMasterSp="0" showMasterPhAnim="0">
   <p:cSld>
     <p:spTree>
       <p:nvGrpSpPr>
-        <p:cNvPr id="1" name="Shape 126"/>
+        <p:cNvPr id="1" name="Shape 96"/>
         <p:cNvGrpSpPr/>
         <p:nvPr/>
       </p:nvGrpSpPr>
@@ -1829,7 +1838,7 @@
       </p:grpSpPr>
       <p:sp>
         <p:nvSpPr>
-          <p:cNvPr id="127" name="Shape 127"/>
+          <p:cNvPr id="97" name="Shape 97"/>
           <p:cNvSpPr>
             <a:spLocks noGrp="1" noRot="1" noChangeAspect="1"/>
           </p:cNvSpPr>
@@ -1880,7 +1889,7 @@
       </p:sp>
       <p:sp>
         <p:nvSpPr>
-          <p:cNvPr id="128" name="Shape 128"/>
+          <p:cNvPr id="98" name="Shape 98"/>
           <p:cNvSpPr txBox="1">
             <a:spLocks noGrp="1"/>
           </p:cNvSpPr>
@@ -1891,7 +1900,7 @@
         <p:spPr>
           <a:xfrm>
             <a:off x="685800" y="4343400"/>
-            <a:ext cx="5486400" cy="4114800"/>
+            <a:ext cx="5486399" cy="4114800"/>
           </a:xfrm>
           <a:prstGeom prst="rect">
             <a:avLst/>
@@ -1914,7 +1923,70 @@
               <a:buSzPct val="25000"/>
               <a:buNone/>
             </a:pPr>
-            <a:endParaRPr sz="1200" b="0" i="0" u="none" strike="noStrike" cap="none">
+            <a:r>
+              <a:rPr lang="en-US" sz="1200" b="0" i="0" u="none" strike="noStrike" cap="none">
+                <a:solidFill>
+                  <a:schemeClr val="dk1"/>
+                </a:solidFill>
+                <a:latin typeface="Calibri"/>
+                <a:ea typeface="Calibri"/>
+                <a:cs typeface="Calibri"/>
+                <a:sym typeface="Calibri"/>
+              </a:rPr>
+              <a:t>Alternative hypothesis is usually what you’re trying to prove.</a:t>
+            </a:r>
+          </a:p>
+        </p:txBody>
+      </p:sp>
+      <p:sp>
+        <p:nvSpPr>
+          <p:cNvPr id="99" name="Shape 99"/>
+          <p:cNvSpPr txBox="1">
+            <a:spLocks noGrp="1"/>
+          </p:cNvSpPr>
+          <p:nvPr>
+            <p:ph type="sldNum" idx="12"/>
+          </p:nvPr>
+        </p:nvSpPr>
+        <p:spPr>
+          <a:xfrm>
+            <a:off x="3884612" y="8685213"/>
+            <a:ext cx="2971799" cy="457200"/>
+          </a:xfrm>
+          <a:prstGeom prst="rect">
+            <a:avLst/>
+          </a:prstGeom>
+          <a:noFill/>
+          <a:ln>
+            <a:noFill/>
+          </a:ln>
+        </p:spPr>
+        <p:txBody>
+          <a:bodyPr lIns="91425" tIns="45700" rIns="91425" bIns="45700" anchor="b" anchorCtr="0">
+            <a:noAutofit/>
+          </a:bodyPr>
+          <a:lstStyle/>
+          <a:p>
+            <a:pPr marL="0" marR="0" lvl="0" indent="0" algn="r" rtl="0">
+              <a:spcBef>
+                <a:spcPts val="0"/>
+              </a:spcBef>
+              <a:buSzPct val="25000"/>
+              <a:buNone/>
+            </a:pPr>
+            <a:fld id="{00000000-1234-1234-1234-123412341234}" type="slidenum">
+              <a:rPr lang="en-US" sz="1200">
+                <a:solidFill>
+                  <a:schemeClr val="dk1"/>
+                </a:solidFill>
+                <a:latin typeface="Calibri"/>
+                <a:ea typeface="Calibri"/>
+                <a:cs typeface="Calibri"/>
+                <a:sym typeface="Calibri"/>
+              </a:rPr>
+              <a:t>18</a:t>
+            </a:fld>
+            <a:endParaRPr lang="en-US" sz="1200">
               <a:solidFill>
                 <a:schemeClr val="dk1"/>
               </a:solidFill>
@@ -1926,67 +1998,12 @@
           </a:p>
         </p:txBody>
       </p:sp>
-      <p:sp>
-        <p:nvSpPr>
-          <p:cNvPr id="129" name="Shape 129"/>
-          <p:cNvSpPr txBox="1">
-            <a:spLocks noGrp="1"/>
-          </p:cNvSpPr>
-          <p:nvPr>
-            <p:ph type="sldNum" idx="12"/>
-          </p:nvPr>
-        </p:nvSpPr>
-        <p:spPr>
-          <a:xfrm>
-            <a:off x="3884612" y="8685213"/>
-            <a:ext cx="2971800" cy="457200"/>
-          </a:xfrm>
-          <a:prstGeom prst="rect">
-            <a:avLst/>
-          </a:prstGeom>
-          <a:noFill/>
-          <a:ln>
-            <a:noFill/>
-          </a:ln>
-        </p:spPr>
-        <p:txBody>
-          <a:bodyPr lIns="91425" tIns="45700" rIns="91425" bIns="45700" anchor="b" anchorCtr="0">
-            <a:noAutofit/>
-          </a:bodyPr>
-          <a:lstStyle/>
-          <a:p>
-            <a:pPr marL="0" marR="0" lvl="0" indent="0" algn="r" rtl="0">
-              <a:spcBef>
-                <a:spcPts val="0"/>
-              </a:spcBef>
-              <a:buSzPct val="25000"/>
-              <a:buNone/>
-            </a:pPr>
-            <a:fld id="{00000000-1234-1234-1234-123412341234}" type="slidenum">
-              <a:rPr lang="en-US" sz="1200">
-                <a:solidFill>
-                  <a:srgbClr val="000000"/>
-                </a:solidFill>
-                <a:latin typeface="Calibri"/>
-                <a:ea typeface="Calibri"/>
-                <a:cs typeface="Calibri"/>
-                <a:sym typeface="Calibri"/>
-              </a:rPr>
-              <a:t>6</a:t>
-            </a:fld>
-            <a:endParaRPr lang="en-US" sz="1200">
-              <a:solidFill>
-                <a:srgbClr val="000000"/>
-              </a:solidFill>
-              <a:latin typeface="Calibri"/>
-              <a:ea typeface="Calibri"/>
-              <a:cs typeface="Calibri"/>
-              <a:sym typeface="Calibri"/>
-            </a:endParaRPr>
-          </a:p>
-        </p:txBody>
-      </p:sp>
     </p:spTree>
+    <p:extLst>
+      <p:ext uri="{BB962C8B-B14F-4D97-AF65-F5344CB8AC3E}">
+        <p14:creationId xmlns:p14="http://schemas.microsoft.com/office/powerpoint/2010/main" val="2959812525"/>
+      </p:ext>
+    </p:extLst>
   </p:cSld>
   <p:clrMapOvr>
     <a:masterClrMapping/>
@@ -1994,12 +2011,12 @@
 </p:notes>
 </file>
 
-<file path=ppt/notesSlides/notesSlide5.xml><?xml version="1.0" encoding="utf-8"?>
+<file path=ppt/notesSlides/notesSlide17.xml><?xml version="1.0" encoding="utf-8"?>
 <p:notes xmlns:a="http://schemas.openxmlformats.org/drawingml/2006/main" xmlns:r="http://schemas.openxmlformats.org/officeDocument/2006/relationships" xmlns:p="http://schemas.openxmlformats.org/presentationml/2006/main" showMasterSp="0" showMasterPhAnim="0">
   <p:cSld>
     <p:spTree>
       <p:nvGrpSpPr>
-        <p:cNvPr id="1" name="Shape 126"/>
+        <p:cNvPr id="1" name="Shape 96"/>
         <p:cNvGrpSpPr/>
         <p:nvPr/>
       </p:nvGrpSpPr>
@@ -2013,7 +2030,7 @@
       </p:grpSpPr>
       <p:sp>
         <p:nvSpPr>
-          <p:cNvPr id="127" name="Shape 127"/>
+          <p:cNvPr id="97" name="Shape 97"/>
           <p:cNvSpPr>
             <a:spLocks noGrp="1" noRot="1" noChangeAspect="1"/>
           </p:cNvSpPr>
@@ -2064,7 +2081,7 @@
       </p:sp>
       <p:sp>
         <p:nvSpPr>
-          <p:cNvPr id="128" name="Shape 128"/>
+          <p:cNvPr id="98" name="Shape 98"/>
           <p:cNvSpPr txBox="1">
             <a:spLocks noGrp="1"/>
           </p:cNvSpPr>
@@ -2075,7 +2092,7 @@
         <p:spPr>
           <a:xfrm>
             <a:off x="685800" y="4343400"/>
-            <a:ext cx="5486400" cy="4114800"/>
+            <a:ext cx="5486399" cy="4114800"/>
           </a:xfrm>
           <a:prstGeom prst="rect">
             <a:avLst/>
@@ -2098,7 +2115,70 @@
               <a:buSzPct val="25000"/>
               <a:buNone/>
             </a:pPr>
-            <a:endParaRPr sz="1200" b="0" i="0" u="none" strike="noStrike" cap="none">
+            <a:r>
+              <a:rPr lang="en-US" sz="1200" b="0" i="0" u="none" strike="noStrike" cap="none">
+                <a:solidFill>
+                  <a:schemeClr val="dk1"/>
+                </a:solidFill>
+                <a:latin typeface="Calibri"/>
+                <a:ea typeface="Calibri"/>
+                <a:cs typeface="Calibri"/>
+                <a:sym typeface="Calibri"/>
+              </a:rPr>
+              <a:t>Alternative hypothesis is usually what you’re trying to prove.</a:t>
+            </a:r>
+          </a:p>
+        </p:txBody>
+      </p:sp>
+      <p:sp>
+        <p:nvSpPr>
+          <p:cNvPr id="99" name="Shape 99"/>
+          <p:cNvSpPr txBox="1">
+            <a:spLocks noGrp="1"/>
+          </p:cNvSpPr>
+          <p:nvPr>
+            <p:ph type="sldNum" idx="12"/>
+          </p:nvPr>
+        </p:nvSpPr>
+        <p:spPr>
+          <a:xfrm>
+            <a:off x="3884612" y="8685213"/>
+            <a:ext cx="2971799" cy="457200"/>
+          </a:xfrm>
+          <a:prstGeom prst="rect">
+            <a:avLst/>
+          </a:prstGeom>
+          <a:noFill/>
+          <a:ln>
+            <a:noFill/>
+          </a:ln>
+        </p:spPr>
+        <p:txBody>
+          <a:bodyPr lIns="91425" tIns="45700" rIns="91425" bIns="45700" anchor="b" anchorCtr="0">
+            <a:noAutofit/>
+          </a:bodyPr>
+          <a:lstStyle/>
+          <a:p>
+            <a:pPr marL="0" marR="0" lvl="0" indent="0" algn="r" rtl="0">
+              <a:spcBef>
+                <a:spcPts val="0"/>
+              </a:spcBef>
+              <a:buSzPct val="25000"/>
+              <a:buNone/>
+            </a:pPr>
+            <a:fld id="{00000000-1234-1234-1234-123412341234}" type="slidenum">
+              <a:rPr lang="en-US" sz="1200">
+                <a:solidFill>
+                  <a:schemeClr val="dk1"/>
+                </a:solidFill>
+                <a:latin typeface="Calibri"/>
+                <a:ea typeface="Calibri"/>
+                <a:cs typeface="Calibri"/>
+                <a:sym typeface="Calibri"/>
+              </a:rPr>
+              <a:t>19</a:t>
+            </a:fld>
+            <a:endParaRPr lang="en-US" sz="1200">
               <a:solidFill>
                 <a:schemeClr val="dk1"/>
               </a:solidFill>
@@ -2110,70 +2190,10 @@
           </a:p>
         </p:txBody>
       </p:sp>
-      <p:sp>
-        <p:nvSpPr>
-          <p:cNvPr id="129" name="Shape 129"/>
-          <p:cNvSpPr txBox="1">
-            <a:spLocks noGrp="1"/>
-          </p:cNvSpPr>
-          <p:nvPr>
-            <p:ph type="sldNum" idx="12"/>
-          </p:nvPr>
-        </p:nvSpPr>
-        <p:spPr>
-          <a:xfrm>
-            <a:off x="3884612" y="8685213"/>
-            <a:ext cx="2971800" cy="457200"/>
-          </a:xfrm>
-          <a:prstGeom prst="rect">
-            <a:avLst/>
-          </a:prstGeom>
-          <a:noFill/>
-          <a:ln>
-            <a:noFill/>
-          </a:ln>
-        </p:spPr>
-        <p:txBody>
-          <a:bodyPr lIns="91425" tIns="45700" rIns="91425" bIns="45700" anchor="b" anchorCtr="0">
-            <a:noAutofit/>
-          </a:bodyPr>
-          <a:lstStyle/>
-          <a:p>
-            <a:pPr marL="0" marR="0" lvl="0" indent="0" algn="r" rtl="0">
-              <a:spcBef>
-                <a:spcPts val="0"/>
-              </a:spcBef>
-              <a:buSzPct val="25000"/>
-              <a:buNone/>
-            </a:pPr>
-            <a:fld id="{00000000-1234-1234-1234-123412341234}" type="slidenum">
-              <a:rPr lang="en-US" sz="1200">
-                <a:solidFill>
-                  <a:srgbClr val="000000"/>
-                </a:solidFill>
-                <a:latin typeface="Calibri"/>
-                <a:ea typeface="Calibri"/>
-                <a:cs typeface="Calibri"/>
-                <a:sym typeface="Calibri"/>
-              </a:rPr>
-              <a:t>7</a:t>
-            </a:fld>
-            <a:endParaRPr lang="en-US" sz="1200">
-              <a:solidFill>
-                <a:srgbClr val="000000"/>
-              </a:solidFill>
-              <a:latin typeface="Calibri"/>
-              <a:ea typeface="Calibri"/>
-              <a:cs typeface="Calibri"/>
-              <a:sym typeface="Calibri"/>
-            </a:endParaRPr>
-          </a:p>
-        </p:txBody>
-      </p:sp>
     </p:spTree>
     <p:extLst>
       <p:ext uri="{BB962C8B-B14F-4D97-AF65-F5344CB8AC3E}">
-        <p14:creationId xmlns:p14="http://schemas.microsoft.com/office/powerpoint/2010/main" val="1463331857"/>
+        <p14:creationId xmlns:p14="http://schemas.microsoft.com/office/powerpoint/2010/main" val="1659953355"/>
       </p:ext>
     </p:extLst>
   </p:cSld>
@@ -2183,12 +2203,12 @@
 </p:notes>
 </file>
 
-<file path=ppt/notesSlides/notesSlide6.xml><?xml version="1.0" encoding="utf-8"?>
+<file path=ppt/notesSlides/notesSlide18.xml><?xml version="1.0" encoding="utf-8"?>
 <p:notes xmlns:a="http://schemas.openxmlformats.org/drawingml/2006/main" xmlns:r="http://schemas.openxmlformats.org/officeDocument/2006/relationships" xmlns:p="http://schemas.openxmlformats.org/presentationml/2006/main" showMasterSp="0" showMasterPhAnim="0">
   <p:cSld>
     <p:spTree>
       <p:nvGrpSpPr>
-        <p:cNvPr id="1" name="Shape 126"/>
+        <p:cNvPr id="1" name="Shape 96"/>
         <p:cNvGrpSpPr/>
         <p:nvPr/>
       </p:nvGrpSpPr>
@@ -2202,7 +2222,7 @@
       </p:grpSpPr>
       <p:sp>
         <p:nvSpPr>
-          <p:cNvPr id="127" name="Shape 127"/>
+          <p:cNvPr id="97" name="Shape 97"/>
           <p:cNvSpPr>
             <a:spLocks noGrp="1" noRot="1" noChangeAspect="1"/>
           </p:cNvSpPr>
@@ -2253,7 +2273,7 @@
       </p:sp>
       <p:sp>
         <p:nvSpPr>
-          <p:cNvPr id="128" name="Shape 128"/>
+          <p:cNvPr id="98" name="Shape 98"/>
           <p:cNvSpPr txBox="1">
             <a:spLocks noGrp="1"/>
           </p:cNvSpPr>
@@ -2264,7 +2284,7 @@
         <p:spPr>
           <a:xfrm>
             <a:off x="685800" y="4343400"/>
-            <a:ext cx="5486400" cy="4114800"/>
+            <a:ext cx="5486399" cy="4114800"/>
           </a:xfrm>
           <a:prstGeom prst="rect">
             <a:avLst/>
@@ -2287,7 +2307,70 @@
               <a:buSzPct val="25000"/>
               <a:buNone/>
             </a:pPr>
-            <a:endParaRPr sz="1200" b="0" i="0" u="none" strike="noStrike" cap="none">
+            <a:r>
+              <a:rPr lang="en-US" sz="1200" b="0" i="0" u="none" strike="noStrike" cap="none">
+                <a:solidFill>
+                  <a:schemeClr val="dk1"/>
+                </a:solidFill>
+                <a:latin typeface="Calibri"/>
+                <a:ea typeface="Calibri"/>
+                <a:cs typeface="Calibri"/>
+                <a:sym typeface="Calibri"/>
+              </a:rPr>
+              <a:t>Alternative hypothesis is usually what you’re trying to prove.</a:t>
+            </a:r>
+          </a:p>
+        </p:txBody>
+      </p:sp>
+      <p:sp>
+        <p:nvSpPr>
+          <p:cNvPr id="99" name="Shape 99"/>
+          <p:cNvSpPr txBox="1">
+            <a:spLocks noGrp="1"/>
+          </p:cNvSpPr>
+          <p:nvPr>
+            <p:ph type="sldNum" idx="12"/>
+          </p:nvPr>
+        </p:nvSpPr>
+        <p:spPr>
+          <a:xfrm>
+            <a:off x="3884612" y="8685213"/>
+            <a:ext cx="2971799" cy="457200"/>
+          </a:xfrm>
+          <a:prstGeom prst="rect">
+            <a:avLst/>
+          </a:prstGeom>
+          <a:noFill/>
+          <a:ln>
+            <a:noFill/>
+          </a:ln>
+        </p:spPr>
+        <p:txBody>
+          <a:bodyPr lIns="91425" tIns="45700" rIns="91425" bIns="45700" anchor="b" anchorCtr="0">
+            <a:noAutofit/>
+          </a:bodyPr>
+          <a:lstStyle/>
+          <a:p>
+            <a:pPr marL="0" marR="0" lvl="0" indent="0" algn="r" rtl="0">
+              <a:spcBef>
+                <a:spcPts val="0"/>
+              </a:spcBef>
+              <a:buSzPct val="25000"/>
+              <a:buNone/>
+            </a:pPr>
+            <a:fld id="{00000000-1234-1234-1234-123412341234}" type="slidenum">
+              <a:rPr lang="en-US" sz="1200">
+                <a:solidFill>
+                  <a:schemeClr val="dk1"/>
+                </a:solidFill>
+                <a:latin typeface="Calibri"/>
+                <a:ea typeface="Calibri"/>
+                <a:cs typeface="Calibri"/>
+                <a:sym typeface="Calibri"/>
+              </a:rPr>
+              <a:t>20</a:t>
+            </a:fld>
+            <a:endParaRPr lang="en-US" sz="1200">
               <a:solidFill>
                 <a:schemeClr val="dk1"/>
               </a:solidFill>
@@ -2299,70 +2382,10 @@
           </a:p>
         </p:txBody>
       </p:sp>
-      <p:sp>
-        <p:nvSpPr>
-          <p:cNvPr id="129" name="Shape 129"/>
-          <p:cNvSpPr txBox="1">
-            <a:spLocks noGrp="1"/>
-          </p:cNvSpPr>
-          <p:nvPr>
-            <p:ph type="sldNum" idx="12"/>
-          </p:nvPr>
-        </p:nvSpPr>
-        <p:spPr>
-          <a:xfrm>
-            <a:off x="3884612" y="8685213"/>
-            <a:ext cx="2971800" cy="457200"/>
-          </a:xfrm>
-          <a:prstGeom prst="rect">
-            <a:avLst/>
-          </a:prstGeom>
-          <a:noFill/>
-          <a:ln>
-            <a:noFill/>
-          </a:ln>
-        </p:spPr>
-        <p:txBody>
-          <a:bodyPr lIns="91425" tIns="45700" rIns="91425" bIns="45700" anchor="b" anchorCtr="0">
-            <a:noAutofit/>
-          </a:bodyPr>
-          <a:lstStyle/>
-          <a:p>
-            <a:pPr marL="0" marR="0" lvl="0" indent="0" algn="r" rtl="0">
-              <a:spcBef>
-                <a:spcPts val="0"/>
-              </a:spcBef>
-              <a:buSzPct val="25000"/>
-              <a:buNone/>
-            </a:pPr>
-            <a:fld id="{00000000-1234-1234-1234-123412341234}" type="slidenum">
-              <a:rPr lang="en-US" sz="1200">
-                <a:solidFill>
-                  <a:srgbClr val="000000"/>
-                </a:solidFill>
-                <a:latin typeface="Calibri"/>
-                <a:ea typeface="Calibri"/>
-                <a:cs typeface="Calibri"/>
-                <a:sym typeface="Calibri"/>
-              </a:rPr>
-              <a:t>8</a:t>
-            </a:fld>
-            <a:endParaRPr lang="en-US" sz="1200">
-              <a:solidFill>
-                <a:srgbClr val="000000"/>
-              </a:solidFill>
-              <a:latin typeface="Calibri"/>
-              <a:ea typeface="Calibri"/>
-              <a:cs typeface="Calibri"/>
-              <a:sym typeface="Calibri"/>
-            </a:endParaRPr>
-          </a:p>
-        </p:txBody>
-      </p:sp>
     </p:spTree>
     <p:extLst>
       <p:ext uri="{BB962C8B-B14F-4D97-AF65-F5344CB8AC3E}">
-        <p14:creationId xmlns:p14="http://schemas.microsoft.com/office/powerpoint/2010/main" val="1998651347"/>
+        <p14:creationId xmlns:p14="http://schemas.microsoft.com/office/powerpoint/2010/main" val="1135169906"/>
       </p:ext>
     </p:extLst>
   </p:cSld>
@@ -2372,7 +2395,7 @@
 </p:notes>
 </file>
 
-<file path=ppt/notesSlides/notesSlide7.xml><?xml version="1.0" encoding="utf-8"?>
+<file path=ppt/notesSlides/notesSlide19.xml><?xml version="1.0" encoding="utf-8"?>
 <p:notes xmlns:a="http://schemas.openxmlformats.org/drawingml/2006/main" xmlns:r="http://schemas.openxmlformats.org/officeDocument/2006/relationships" xmlns:p="http://schemas.openxmlformats.org/presentationml/2006/main" showMasterSp="0" showMasterPhAnim="0">
   <p:cSld>
     <p:spTree>
@@ -2534,7 +2557,7 @@
                 <a:cs typeface="Calibri"/>
                 <a:sym typeface="Calibri"/>
               </a:rPr>
-              <a:t>9</a:t>
+              <a:t>21</a:t>
             </a:fld>
             <a:endParaRPr lang="en-US" sz="1200">
               <a:solidFill>
@@ -2551,7 +2574,7 @@
     </p:spTree>
     <p:extLst>
       <p:ext uri="{BB962C8B-B14F-4D97-AF65-F5344CB8AC3E}">
-        <p14:creationId xmlns:p14="http://schemas.microsoft.com/office/powerpoint/2010/main" val="189712672"/>
+        <p14:creationId xmlns:p14="http://schemas.microsoft.com/office/powerpoint/2010/main" val="615565238"/>
       </p:ext>
     </p:extLst>
   </p:cSld>
@@ -2561,12 +2584,12 @@
 </p:notes>
 </file>
 
-<file path=ppt/notesSlides/notesSlide8.xml><?xml version="1.0" encoding="utf-8"?>
+<file path=ppt/notesSlides/notesSlide2.xml><?xml version="1.0" encoding="utf-8"?>
 <p:notes xmlns:a="http://schemas.openxmlformats.org/drawingml/2006/main" xmlns:r="http://schemas.openxmlformats.org/officeDocument/2006/relationships" xmlns:p="http://schemas.openxmlformats.org/presentationml/2006/main" showMasterSp="0" showMasterPhAnim="0">
   <p:cSld>
     <p:spTree>
       <p:nvGrpSpPr>
-        <p:cNvPr id="1" name="Shape 126"/>
+        <p:cNvPr id="1" name="Shape 96"/>
         <p:cNvGrpSpPr/>
         <p:nvPr/>
       </p:nvGrpSpPr>
@@ -2580,7 +2603,7 @@
       </p:grpSpPr>
       <p:sp>
         <p:nvSpPr>
-          <p:cNvPr id="127" name="Shape 127"/>
+          <p:cNvPr id="97" name="Shape 97"/>
           <p:cNvSpPr>
             <a:spLocks noGrp="1" noRot="1" noChangeAspect="1"/>
           </p:cNvSpPr>
@@ -2631,7 +2654,7 @@
       </p:sp>
       <p:sp>
         <p:nvSpPr>
-          <p:cNvPr id="128" name="Shape 128"/>
+          <p:cNvPr id="98" name="Shape 98"/>
           <p:cNvSpPr txBox="1">
             <a:spLocks noGrp="1"/>
           </p:cNvSpPr>
@@ -2642,7 +2665,7 @@
         <p:spPr>
           <a:xfrm>
             <a:off x="685800" y="4343400"/>
-            <a:ext cx="5486400" cy="4114800"/>
+            <a:ext cx="5486399" cy="4114800"/>
           </a:xfrm>
           <a:prstGeom prst="rect">
             <a:avLst/>
@@ -2665,7 +2688,70 @@
               <a:buSzPct val="25000"/>
               <a:buNone/>
             </a:pPr>
-            <a:endParaRPr sz="1200" b="0" i="0" u="none" strike="noStrike" cap="none">
+            <a:r>
+              <a:rPr lang="en-US" sz="1200" b="0" i="0" u="none" strike="noStrike" cap="none">
+                <a:solidFill>
+                  <a:schemeClr val="dk1"/>
+                </a:solidFill>
+                <a:latin typeface="Calibri"/>
+                <a:ea typeface="Calibri"/>
+                <a:cs typeface="Calibri"/>
+                <a:sym typeface="Calibri"/>
+              </a:rPr>
+              <a:t>Alternative hypothesis is usually what you’re trying to prove.</a:t>
+            </a:r>
+          </a:p>
+        </p:txBody>
+      </p:sp>
+      <p:sp>
+        <p:nvSpPr>
+          <p:cNvPr id="99" name="Shape 99"/>
+          <p:cNvSpPr txBox="1">
+            <a:spLocks noGrp="1"/>
+          </p:cNvSpPr>
+          <p:nvPr>
+            <p:ph type="sldNum" idx="12"/>
+          </p:nvPr>
+        </p:nvSpPr>
+        <p:spPr>
+          <a:xfrm>
+            <a:off x="3884612" y="8685213"/>
+            <a:ext cx="2971799" cy="457200"/>
+          </a:xfrm>
+          <a:prstGeom prst="rect">
+            <a:avLst/>
+          </a:prstGeom>
+          <a:noFill/>
+          <a:ln>
+            <a:noFill/>
+          </a:ln>
+        </p:spPr>
+        <p:txBody>
+          <a:bodyPr lIns="91425" tIns="45700" rIns="91425" bIns="45700" anchor="b" anchorCtr="0">
+            <a:noAutofit/>
+          </a:bodyPr>
+          <a:lstStyle/>
+          <a:p>
+            <a:pPr marL="0" marR="0" lvl="0" indent="0" algn="r" rtl="0">
+              <a:spcBef>
+                <a:spcPts val="0"/>
+              </a:spcBef>
+              <a:buSzPct val="25000"/>
+              <a:buNone/>
+            </a:pPr>
+            <a:fld id="{00000000-1234-1234-1234-123412341234}" type="slidenum">
+              <a:rPr lang="en-US" sz="1200">
+                <a:solidFill>
+                  <a:schemeClr val="dk1"/>
+                </a:solidFill>
+                <a:latin typeface="Calibri"/>
+                <a:ea typeface="Calibri"/>
+                <a:cs typeface="Calibri"/>
+                <a:sym typeface="Calibri"/>
+              </a:rPr>
+              <a:t>4</a:t>
+            </a:fld>
+            <a:endParaRPr lang="en-US" sz="1200">
               <a:solidFill>
                 <a:schemeClr val="dk1"/>
               </a:solidFill>
@@ -2677,70 +2763,10 @@
           </a:p>
         </p:txBody>
       </p:sp>
-      <p:sp>
-        <p:nvSpPr>
-          <p:cNvPr id="129" name="Shape 129"/>
-          <p:cNvSpPr txBox="1">
-            <a:spLocks noGrp="1"/>
-          </p:cNvSpPr>
-          <p:nvPr>
-            <p:ph type="sldNum" idx="12"/>
-          </p:nvPr>
-        </p:nvSpPr>
-        <p:spPr>
-          <a:xfrm>
-            <a:off x="3884612" y="8685213"/>
-            <a:ext cx="2971800" cy="457200"/>
-          </a:xfrm>
-          <a:prstGeom prst="rect">
-            <a:avLst/>
-          </a:prstGeom>
-          <a:noFill/>
-          <a:ln>
-            <a:noFill/>
-          </a:ln>
-        </p:spPr>
-        <p:txBody>
-          <a:bodyPr lIns="91425" tIns="45700" rIns="91425" bIns="45700" anchor="b" anchorCtr="0">
-            <a:noAutofit/>
-          </a:bodyPr>
-          <a:lstStyle/>
-          <a:p>
-            <a:pPr marL="0" marR="0" lvl="0" indent="0" algn="r" rtl="0">
-              <a:spcBef>
-                <a:spcPts val="0"/>
-              </a:spcBef>
-              <a:buSzPct val="25000"/>
-              <a:buNone/>
-            </a:pPr>
-            <a:fld id="{00000000-1234-1234-1234-123412341234}" type="slidenum">
-              <a:rPr lang="en-US" sz="1200">
-                <a:solidFill>
-                  <a:srgbClr val="000000"/>
-                </a:solidFill>
-                <a:latin typeface="Calibri"/>
-                <a:ea typeface="Calibri"/>
-                <a:cs typeface="Calibri"/>
-                <a:sym typeface="Calibri"/>
-              </a:rPr>
-              <a:t>10</a:t>
-            </a:fld>
-            <a:endParaRPr lang="en-US" sz="1200">
-              <a:solidFill>
-                <a:srgbClr val="000000"/>
-              </a:solidFill>
-              <a:latin typeface="Calibri"/>
-              <a:ea typeface="Calibri"/>
-              <a:cs typeface="Calibri"/>
-              <a:sym typeface="Calibri"/>
-            </a:endParaRPr>
-          </a:p>
-        </p:txBody>
-      </p:sp>
     </p:spTree>
     <p:extLst>
       <p:ext uri="{BB962C8B-B14F-4D97-AF65-F5344CB8AC3E}">
-        <p14:creationId xmlns:p14="http://schemas.microsoft.com/office/powerpoint/2010/main" val="3212492397"/>
+        <p14:creationId xmlns:p14="http://schemas.microsoft.com/office/powerpoint/2010/main" val="220382363"/>
       </p:ext>
     </p:extLst>
   </p:cSld>
@@ -2750,12 +2776,12 @@
 </p:notes>
 </file>
 
-<file path=ppt/notesSlides/notesSlide9.xml><?xml version="1.0" encoding="utf-8"?>
+<file path=ppt/notesSlides/notesSlide3.xml><?xml version="1.0" encoding="utf-8"?>
 <p:notes xmlns:a="http://schemas.openxmlformats.org/drawingml/2006/main" xmlns:r="http://schemas.openxmlformats.org/officeDocument/2006/relationships" xmlns:p="http://schemas.openxmlformats.org/presentationml/2006/main" showMasterSp="0" showMasterPhAnim="0">
   <p:cSld>
     <p:spTree>
       <p:nvGrpSpPr>
-        <p:cNvPr id="1" name="Shape 126"/>
+        <p:cNvPr id="1" name="Shape 96"/>
         <p:cNvGrpSpPr/>
         <p:nvPr/>
       </p:nvGrpSpPr>
@@ -2769,7 +2795,7 @@
       </p:grpSpPr>
       <p:sp>
         <p:nvSpPr>
-          <p:cNvPr id="127" name="Shape 127"/>
+          <p:cNvPr id="97" name="Shape 97"/>
           <p:cNvSpPr>
             <a:spLocks noGrp="1" noRot="1" noChangeAspect="1"/>
           </p:cNvSpPr>
@@ -2820,6 +2846,1138 @@
       </p:sp>
       <p:sp>
         <p:nvSpPr>
+          <p:cNvPr id="98" name="Shape 98"/>
+          <p:cNvSpPr txBox="1">
+            <a:spLocks noGrp="1"/>
+          </p:cNvSpPr>
+          <p:nvPr>
+            <p:ph type="body" idx="1"/>
+          </p:nvPr>
+        </p:nvSpPr>
+        <p:spPr>
+          <a:xfrm>
+            <a:off x="685800" y="4343400"/>
+            <a:ext cx="5486399" cy="4114800"/>
+          </a:xfrm>
+          <a:prstGeom prst="rect">
+            <a:avLst/>
+          </a:prstGeom>
+          <a:noFill/>
+          <a:ln>
+            <a:noFill/>
+          </a:ln>
+        </p:spPr>
+        <p:txBody>
+          <a:bodyPr lIns="91425" tIns="45700" rIns="91425" bIns="45700" anchor="t" anchorCtr="0">
+            <a:noAutofit/>
+          </a:bodyPr>
+          <a:lstStyle/>
+          <a:p>
+            <a:pPr marL="0" marR="0" lvl="0" indent="0" algn="l" rtl="0">
+              <a:spcBef>
+                <a:spcPts val="0"/>
+              </a:spcBef>
+              <a:buSzPct val="25000"/>
+              <a:buNone/>
+            </a:pPr>
+            <a:r>
+              <a:rPr lang="en-US" sz="1200" b="0" i="0" u="none" strike="noStrike" cap="none">
+                <a:solidFill>
+                  <a:schemeClr val="dk1"/>
+                </a:solidFill>
+                <a:latin typeface="Calibri"/>
+                <a:ea typeface="Calibri"/>
+                <a:cs typeface="Calibri"/>
+                <a:sym typeface="Calibri"/>
+              </a:rPr>
+              <a:t>Alternative hypothesis is usually what you’re trying to prove.</a:t>
+            </a:r>
+          </a:p>
+        </p:txBody>
+      </p:sp>
+      <p:sp>
+        <p:nvSpPr>
+          <p:cNvPr id="99" name="Shape 99"/>
+          <p:cNvSpPr txBox="1">
+            <a:spLocks noGrp="1"/>
+          </p:cNvSpPr>
+          <p:nvPr>
+            <p:ph type="sldNum" idx="12"/>
+          </p:nvPr>
+        </p:nvSpPr>
+        <p:spPr>
+          <a:xfrm>
+            <a:off x="3884612" y="8685213"/>
+            <a:ext cx="2971799" cy="457200"/>
+          </a:xfrm>
+          <a:prstGeom prst="rect">
+            <a:avLst/>
+          </a:prstGeom>
+          <a:noFill/>
+          <a:ln>
+            <a:noFill/>
+          </a:ln>
+        </p:spPr>
+        <p:txBody>
+          <a:bodyPr lIns="91425" tIns="45700" rIns="91425" bIns="45700" anchor="b" anchorCtr="0">
+            <a:noAutofit/>
+          </a:bodyPr>
+          <a:lstStyle/>
+          <a:p>
+            <a:pPr marL="0" marR="0" lvl="0" indent="0" algn="r" rtl="0">
+              <a:spcBef>
+                <a:spcPts val="0"/>
+              </a:spcBef>
+              <a:buSzPct val="25000"/>
+              <a:buNone/>
+            </a:pPr>
+            <a:fld id="{00000000-1234-1234-1234-123412341234}" type="slidenum">
+              <a:rPr lang="en-US" sz="1200">
+                <a:solidFill>
+                  <a:schemeClr val="dk1"/>
+                </a:solidFill>
+                <a:latin typeface="Calibri"/>
+                <a:ea typeface="Calibri"/>
+                <a:cs typeface="Calibri"/>
+                <a:sym typeface="Calibri"/>
+              </a:rPr>
+              <a:t>5</a:t>
+            </a:fld>
+            <a:endParaRPr lang="en-US" sz="1200">
+              <a:solidFill>
+                <a:schemeClr val="dk1"/>
+              </a:solidFill>
+              <a:latin typeface="Calibri"/>
+              <a:ea typeface="Calibri"/>
+              <a:cs typeface="Calibri"/>
+              <a:sym typeface="Calibri"/>
+            </a:endParaRPr>
+          </a:p>
+        </p:txBody>
+      </p:sp>
+    </p:spTree>
+    <p:extLst>
+      <p:ext uri="{BB962C8B-B14F-4D97-AF65-F5344CB8AC3E}">
+        <p14:creationId xmlns:p14="http://schemas.microsoft.com/office/powerpoint/2010/main" val="249885131"/>
+      </p:ext>
+    </p:extLst>
+  </p:cSld>
+  <p:clrMapOvr>
+    <a:masterClrMapping/>
+  </p:clrMapOvr>
+</p:notes>
+</file>
+
+<file path=ppt/notesSlides/notesSlide4.xml><?xml version="1.0" encoding="utf-8"?>
+<p:notes xmlns:a="http://schemas.openxmlformats.org/drawingml/2006/main" xmlns:r="http://schemas.openxmlformats.org/officeDocument/2006/relationships" xmlns:p="http://schemas.openxmlformats.org/presentationml/2006/main" showMasterSp="0" showMasterPhAnim="0">
+  <p:cSld>
+    <p:spTree>
+      <p:nvGrpSpPr>
+        <p:cNvPr id="1" name="Shape 126"/>
+        <p:cNvGrpSpPr/>
+        <p:nvPr/>
+      </p:nvGrpSpPr>
+      <p:grpSpPr>
+        <a:xfrm>
+          <a:off x="0" y="0"/>
+          <a:ext cx="0" cy="0"/>
+          <a:chOff x="0" y="0"/>
+          <a:chExt cx="0" cy="0"/>
+        </a:xfrm>
+      </p:grpSpPr>
+      <p:sp>
+        <p:nvSpPr>
+          <p:cNvPr id="127" name="Shape 127"/>
+          <p:cNvSpPr>
+            <a:spLocks noGrp="1" noRot="1" noChangeAspect="1"/>
+          </p:cNvSpPr>
+          <p:nvPr>
+            <p:ph type="sldImg" idx="2"/>
+          </p:nvPr>
+        </p:nvSpPr>
+        <p:spPr>
+          <a:xfrm>
+            <a:off x="381000" y="685800"/>
+            <a:ext cx="6096000" cy="3429000"/>
+          </a:xfrm>
+          <a:custGeom>
+            <a:avLst/>
+            <a:gdLst/>
+            <a:ahLst/>
+            <a:cxnLst/>
+            <a:rect l="0" t="0" r="0" b="0"/>
+            <a:pathLst>
+              <a:path w="120000" h="120000" extrusionOk="0">
+                <a:moveTo>
+                  <a:pt x="0" y="0"/>
+                </a:moveTo>
+                <a:lnTo>
+                  <a:pt x="120000" y="0"/>
+                </a:lnTo>
+                <a:lnTo>
+                  <a:pt x="120000" y="120000"/>
+                </a:lnTo>
+                <a:lnTo>
+                  <a:pt x="0" y="120000"/>
+                </a:lnTo>
+                <a:close/>
+              </a:path>
+            </a:pathLst>
+          </a:custGeom>
+          <a:noFill/>
+          <a:ln w="12700" cap="flat" cmpd="sng">
+            <a:solidFill>
+              <a:srgbClr val="000000"/>
+            </a:solidFill>
+            <a:prstDash val="solid"/>
+            <a:round/>
+            <a:headEnd type="none" w="med" len="med"/>
+            <a:tailEnd type="none" w="med" len="med"/>
+          </a:ln>
+        </p:spPr>
+      </p:sp>
+      <p:sp>
+        <p:nvSpPr>
+          <p:cNvPr id="128" name="Shape 128"/>
+          <p:cNvSpPr txBox="1">
+            <a:spLocks noGrp="1"/>
+          </p:cNvSpPr>
+          <p:nvPr>
+            <p:ph type="body" idx="1"/>
+          </p:nvPr>
+        </p:nvSpPr>
+        <p:spPr>
+          <a:xfrm>
+            <a:off x="685800" y="4343400"/>
+            <a:ext cx="5486400" cy="4114800"/>
+          </a:xfrm>
+          <a:prstGeom prst="rect">
+            <a:avLst/>
+          </a:prstGeom>
+          <a:noFill/>
+          <a:ln>
+            <a:noFill/>
+          </a:ln>
+        </p:spPr>
+        <p:txBody>
+          <a:bodyPr lIns="91425" tIns="45700" rIns="91425" bIns="45700" anchor="t" anchorCtr="0">
+            <a:noAutofit/>
+          </a:bodyPr>
+          <a:lstStyle/>
+          <a:p>
+            <a:pPr marL="0" marR="0" lvl="0" indent="0" algn="l" rtl="0">
+              <a:spcBef>
+                <a:spcPts val="0"/>
+              </a:spcBef>
+              <a:buSzPct val="25000"/>
+              <a:buNone/>
+            </a:pPr>
+            <a:endParaRPr sz="1200" b="0" i="0" u="none" strike="noStrike" cap="none">
+              <a:solidFill>
+                <a:schemeClr val="dk1"/>
+              </a:solidFill>
+              <a:latin typeface="Calibri"/>
+              <a:ea typeface="Calibri"/>
+              <a:cs typeface="Calibri"/>
+              <a:sym typeface="Calibri"/>
+            </a:endParaRPr>
+          </a:p>
+        </p:txBody>
+      </p:sp>
+      <p:sp>
+        <p:nvSpPr>
+          <p:cNvPr id="129" name="Shape 129"/>
+          <p:cNvSpPr txBox="1">
+            <a:spLocks noGrp="1"/>
+          </p:cNvSpPr>
+          <p:nvPr>
+            <p:ph type="sldNum" idx="12"/>
+          </p:nvPr>
+        </p:nvSpPr>
+        <p:spPr>
+          <a:xfrm>
+            <a:off x="3884612" y="8685213"/>
+            <a:ext cx="2971800" cy="457200"/>
+          </a:xfrm>
+          <a:prstGeom prst="rect">
+            <a:avLst/>
+          </a:prstGeom>
+          <a:noFill/>
+          <a:ln>
+            <a:noFill/>
+          </a:ln>
+        </p:spPr>
+        <p:txBody>
+          <a:bodyPr lIns="91425" tIns="45700" rIns="91425" bIns="45700" anchor="b" anchorCtr="0">
+            <a:noAutofit/>
+          </a:bodyPr>
+          <a:lstStyle/>
+          <a:p>
+            <a:pPr marL="0" marR="0" lvl="0" indent="0" algn="r" rtl="0">
+              <a:spcBef>
+                <a:spcPts val="0"/>
+              </a:spcBef>
+              <a:buSzPct val="25000"/>
+              <a:buNone/>
+            </a:pPr>
+            <a:fld id="{00000000-1234-1234-1234-123412341234}" type="slidenum">
+              <a:rPr lang="en-US" sz="1200">
+                <a:solidFill>
+                  <a:srgbClr val="000000"/>
+                </a:solidFill>
+                <a:latin typeface="Calibri"/>
+                <a:ea typeface="Calibri"/>
+                <a:cs typeface="Calibri"/>
+                <a:sym typeface="Calibri"/>
+              </a:rPr>
+              <a:t>6</a:t>
+            </a:fld>
+            <a:endParaRPr lang="en-US" sz="1200">
+              <a:solidFill>
+                <a:srgbClr val="000000"/>
+              </a:solidFill>
+              <a:latin typeface="Calibri"/>
+              <a:ea typeface="Calibri"/>
+              <a:cs typeface="Calibri"/>
+              <a:sym typeface="Calibri"/>
+            </a:endParaRPr>
+          </a:p>
+        </p:txBody>
+      </p:sp>
+    </p:spTree>
+  </p:cSld>
+  <p:clrMapOvr>
+    <a:masterClrMapping/>
+  </p:clrMapOvr>
+</p:notes>
+</file>
+
+<file path=ppt/notesSlides/notesSlide5.xml><?xml version="1.0" encoding="utf-8"?>
+<p:notes xmlns:a="http://schemas.openxmlformats.org/drawingml/2006/main" xmlns:r="http://schemas.openxmlformats.org/officeDocument/2006/relationships" xmlns:p="http://schemas.openxmlformats.org/presentationml/2006/main" showMasterSp="0" showMasterPhAnim="0">
+  <p:cSld>
+    <p:spTree>
+      <p:nvGrpSpPr>
+        <p:cNvPr id="1" name="Shape 126"/>
+        <p:cNvGrpSpPr/>
+        <p:nvPr/>
+      </p:nvGrpSpPr>
+      <p:grpSpPr>
+        <a:xfrm>
+          <a:off x="0" y="0"/>
+          <a:ext cx="0" cy="0"/>
+          <a:chOff x="0" y="0"/>
+          <a:chExt cx="0" cy="0"/>
+        </a:xfrm>
+      </p:grpSpPr>
+      <p:sp>
+        <p:nvSpPr>
+          <p:cNvPr id="127" name="Shape 127"/>
+          <p:cNvSpPr>
+            <a:spLocks noGrp="1" noRot="1" noChangeAspect="1"/>
+          </p:cNvSpPr>
+          <p:nvPr>
+            <p:ph type="sldImg" idx="2"/>
+          </p:nvPr>
+        </p:nvSpPr>
+        <p:spPr>
+          <a:xfrm>
+            <a:off x="381000" y="685800"/>
+            <a:ext cx="6096000" cy="3429000"/>
+          </a:xfrm>
+          <a:custGeom>
+            <a:avLst/>
+            <a:gdLst/>
+            <a:ahLst/>
+            <a:cxnLst/>
+            <a:rect l="0" t="0" r="0" b="0"/>
+            <a:pathLst>
+              <a:path w="120000" h="120000" extrusionOk="0">
+                <a:moveTo>
+                  <a:pt x="0" y="0"/>
+                </a:moveTo>
+                <a:lnTo>
+                  <a:pt x="120000" y="0"/>
+                </a:lnTo>
+                <a:lnTo>
+                  <a:pt x="120000" y="120000"/>
+                </a:lnTo>
+                <a:lnTo>
+                  <a:pt x="0" y="120000"/>
+                </a:lnTo>
+                <a:close/>
+              </a:path>
+            </a:pathLst>
+          </a:custGeom>
+          <a:noFill/>
+          <a:ln w="12700" cap="flat" cmpd="sng">
+            <a:solidFill>
+              <a:srgbClr val="000000"/>
+            </a:solidFill>
+            <a:prstDash val="solid"/>
+            <a:round/>
+            <a:headEnd type="none" w="med" len="med"/>
+            <a:tailEnd type="none" w="med" len="med"/>
+          </a:ln>
+        </p:spPr>
+      </p:sp>
+      <p:sp>
+        <p:nvSpPr>
+          <p:cNvPr id="128" name="Shape 128"/>
+          <p:cNvSpPr txBox="1">
+            <a:spLocks noGrp="1"/>
+          </p:cNvSpPr>
+          <p:nvPr>
+            <p:ph type="body" idx="1"/>
+          </p:nvPr>
+        </p:nvSpPr>
+        <p:spPr>
+          <a:xfrm>
+            <a:off x="685800" y="4343400"/>
+            <a:ext cx="5486400" cy="4114800"/>
+          </a:xfrm>
+          <a:prstGeom prst="rect">
+            <a:avLst/>
+          </a:prstGeom>
+          <a:noFill/>
+          <a:ln>
+            <a:noFill/>
+          </a:ln>
+        </p:spPr>
+        <p:txBody>
+          <a:bodyPr lIns="91425" tIns="45700" rIns="91425" bIns="45700" anchor="t" anchorCtr="0">
+            <a:noAutofit/>
+          </a:bodyPr>
+          <a:lstStyle/>
+          <a:p>
+            <a:pPr marL="0" marR="0" lvl="0" indent="0" algn="l" rtl="0">
+              <a:spcBef>
+                <a:spcPts val="0"/>
+              </a:spcBef>
+              <a:buSzPct val="25000"/>
+              <a:buNone/>
+            </a:pPr>
+            <a:endParaRPr sz="1200" b="0" i="0" u="none" strike="noStrike" cap="none">
+              <a:solidFill>
+                <a:schemeClr val="dk1"/>
+              </a:solidFill>
+              <a:latin typeface="Calibri"/>
+              <a:ea typeface="Calibri"/>
+              <a:cs typeface="Calibri"/>
+              <a:sym typeface="Calibri"/>
+            </a:endParaRPr>
+          </a:p>
+        </p:txBody>
+      </p:sp>
+      <p:sp>
+        <p:nvSpPr>
+          <p:cNvPr id="129" name="Shape 129"/>
+          <p:cNvSpPr txBox="1">
+            <a:spLocks noGrp="1"/>
+          </p:cNvSpPr>
+          <p:nvPr>
+            <p:ph type="sldNum" idx="12"/>
+          </p:nvPr>
+        </p:nvSpPr>
+        <p:spPr>
+          <a:xfrm>
+            <a:off x="3884612" y="8685213"/>
+            <a:ext cx="2971800" cy="457200"/>
+          </a:xfrm>
+          <a:prstGeom prst="rect">
+            <a:avLst/>
+          </a:prstGeom>
+          <a:noFill/>
+          <a:ln>
+            <a:noFill/>
+          </a:ln>
+        </p:spPr>
+        <p:txBody>
+          <a:bodyPr lIns="91425" tIns="45700" rIns="91425" bIns="45700" anchor="b" anchorCtr="0">
+            <a:noAutofit/>
+          </a:bodyPr>
+          <a:lstStyle/>
+          <a:p>
+            <a:pPr marL="0" marR="0" lvl="0" indent="0" algn="r" rtl="0">
+              <a:spcBef>
+                <a:spcPts val="0"/>
+              </a:spcBef>
+              <a:buSzPct val="25000"/>
+              <a:buNone/>
+            </a:pPr>
+            <a:fld id="{00000000-1234-1234-1234-123412341234}" type="slidenum">
+              <a:rPr lang="en-US" sz="1200">
+                <a:solidFill>
+                  <a:srgbClr val="000000"/>
+                </a:solidFill>
+                <a:latin typeface="Calibri"/>
+                <a:ea typeface="Calibri"/>
+                <a:cs typeface="Calibri"/>
+                <a:sym typeface="Calibri"/>
+              </a:rPr>
+              <a:t>7</a:t>
+            </a:fld>
+            <a:endParaRPr lang="en-US" sz="1200">
+              <a:solidFill>
+                <a:srgbClr val="000000"/>
+              </a:solidFill>
+              <a:latin typeface="Calibri"/>
+              <a:ea typeface="Calibri"/>
+              <a:cs typeface="Calibri"/>
+              <a:sym typeface="Calibri"/>
+            </a:endParaRPr>
+          </a:p>
+        </p:txBody>
+      </p:sp>
+    </p:spTree>
+    <p:extLst>
+      <p:ext uri="{BB962C8B-B14F-4D97-AF65-F5344CB8AC3E}">
+        <p14:creationId xmlns:p14="http://schemas.microsoft.com/office/powerpoint/2010/main" val="1463331857"/>
+      </p:ext>
+    </p:extLst>
+  </p:cSld>
+  <p:clrMapOvr>
+    <a:masterClrMapping/>
+  </p:clrMapOvr>
+</p:notes>
+</file>
+
+<file path=ppt/notesSlides/notesSlide6.xml><?xml version="1.0" encoding="utf-8"?>
+<p:notes xmlns:a="http://schemas.openxmlformats.org/drawingml/2006/main" xmlns:r="http://schemas.openxmlformats.org/officeDocument/2006/relationships" xmlns:p="http://schemas.openxmlformats.org/presentationml/2006/main" showMasterSp="0" showMasterPhAnim="0">
+  <p:cSld>
+    <p:spTree>
+      <p:nvGrpSpPr>
+        <p:cNvPr id="1" name="Shape 126"/>
+        <p:cNvGrpSpPr/>
+        <p:nvPr/>
+      </p:nvGrpSpPr>
+      <p:grpSpPr>
+        <a:xfrm>
+          <a:off x="0" y="0"/>
+          <a:ext cx="0" cy="0"/>
+          <a:chOff x="0" y="0"/>
+          <a:chExt cx="0" cy="0"/>
+        </a:xfrm>
+      </p:grpSpPr>
+      <p:sp>
+        <p:nvSpPr>
+          <p:cNvPr id="127" name="Shape 127"/>
+          <p:cNvSpPr>
+            <a:spLocks noGrp="1" noRot="1" noChangeAspect="1"/>
+          </p:cNvSpPr>
+          <p:nvPr>
+            <p:ph type="sldImg" idx="2"/>
+          </p:nvPr>
+        </p:nvSpPr>
+        <p:spPr>
+          <a:xfrm>
+            <a:off x="381000" y="685800"/>
+            <a:ext cx="6096000" cy="3429000"/>
+          </a:xfrm>
+          <a:custGeom>
+            <a:avLst/>
+            <a:gdLst/>
+            <a:ahLst/>
+            <a:cxnLst/>
+            <a:rect l="0" t="0" r="0" b="0"/>
+            <a:pathLst>
+              <a:path w="120000" h="120000" extrusionOk="0">
+                <a:moveTo>
+                  <a:pt x="0" y="0"/>
+                </a:moveTo>
+                <a:lnTo>
+                  <a:pt x="120000" y="0"/>
+                </a:lnTo>
+                <a:lnTo>
+                  <a:pt x="120000" y="120000"/>
+                </a:lnTo>
+                <a:lnTo>
+                  <a:pt x="0" y="120000"/>
+                </a:lnTo>
+                <a:close/>
+              </a:path>
+            </a:pathLst>
+          </a:custGeom>
+          <a:noFill/>
+          <a:ln w="12700" cap="flat" cmpd="sng">
+            <a:solidFill>
+              <a:srgbClr val="000000"/>
+            </a:solidFill>
+            <a:prstDash val="solid"/>
+            <a:round/>
+            <a:headEnd type="none" w="med" len="med"/>
+            <a:tailEnd type="none" w="med" len="med"/>
+          </a:ln>
+        </p:spPr>
+      </p:sp>
+      <p:sp>
+        <p:nvSpPr>
+          <p:cNvPr id="128" name="Shape 128"/>
+          <p:cNvSpPr txBox="1">
+            <a:spLocks noGrp="1"/>
+          </p:cNvSpPr>
+          <p:nvPr>
+            <p:ph type="body" idx="1"/>
+          </p:nvPr>
+        </p:nvSpPr>
+        <p:spPr>
+          <a:xfrm>
+            <a:off x="685800" y="4343400"/>
+            <a:ext cx="5486400" cy="4114800"/>
+          </a:xfrm>
+          <a:prstGeom prst="rect">
+            <a:avLst/>
+          </a:prstGeom>
+          <a:noFill/>
+          <a:ln>
+            <a:noFill/>
+          </a:ln>
+        </p:spPr>
+        <p:txBody>
+          <a:bodyPr lIns="91425" tIns="45700" rIns="91425" bIns="45700" anchor="t" anchorCtr="0">
+            <a:noAutofit/>
+          </a:bodyPr>
+          <a:lstStyle/>
+          <a:p>
+            <a:pPr marL="0" marR="0" lvl="0" indent="0" algn="l" rtl="0">
+              <a:spcBef>
+                <a:spcPts val="0"/>
+              </a:spcBef>
+              <a:buSzPct val="25000"/>
+              <a:buNone/>
+            </a:pPr>
+            <a:endParaRPr sz="1200" b="0" i="0" u="none" strike="noStrike" cap="none">
+              <a:solidFill>
+                <a:schemeClr val="dk1"/>
+              </a:solidFill>
+              <a:latin typeface="Calibri"/>
+              <a:ea typeface="Calibri"/>
+              <a:cs typeface="Calibri"/>
+              <a:sym typeface="Calibri"/>
+            </a:endParaRPr>
+          </a:p>
+        </p:txBody>
+      </p:sp>
+      <p:sp>
+        <p:nvSpPr>
+          <p:cNvPr id="129" name="Shape 129"/>
+          <p:cNvSpPr txBox="1">
+            <a:spLocks noGrp="1"/>
+          </p:cNvSpPr>
+          <p:nvPr>
+            <p:ph type="sldNum" idx="12"/>
+          </p:nvPr>
+        </p:nvSpPr>
+        <p:spPr>
+          <a:xfrm>
+            <a:off x="3884612" y="8685213"/>
+            <a:ext cx="2971800" cy="457200"/>
+          </a:xfrm>
+          <a:prstGeom prst="rect">
+            <a:avLst/>
+          </a:prstGeom>
+          <a:noFill/>
+          <a:ln>
+            <a:noFill/>
+          </a:ln>
+        </p:spPr>
+        <p:txBody>
+          <a:bodyPr lIns="91425" tIns="45700" rIns="91425" bIns="45700" anchor="b" anchorCtr="0">
+            <a:noAutofit/>
+          </a:bodyPr>
+          <a:lstStyle/>
+          <a:p>
+            <a:pPr marL="0" marR="0" lvl="0" indent="0" algn="r" rtl="0">
+              <a:spcBef>
+                <a:spcPts val="0"/>
+              </a:spcBef>
+              <a:buSzPct val="25000"/>
+              <a:buNone/>
+            </a:pPr>
+            <a:fld id="{00000000-1234-1234-1234-123412341234}" type="slidenum">
+              <a:rPr lang="en-US" sz="1200">
+                <a:solidFill>
+                  <a:srgbClr val="000000"/>
+                </a:solidFill>
+                <a:latin typeface="Calibri"/>
+                <a:ea typeface="Calibri"/>
+                <a:cs typeface="Calibri"/>
+                <a:sym typeface="Calibri"/>
+              </a:rPr>
+              <a:t>8</a:t>
+            </a:fld>
+            <a:endParaRPr lang="en-US" sz="1200">
+              <a:solidFill>
+                <a:srgbClr val="000000"/>
+              </a:solidFill>
+              <a:latin typeface="Calibri"/>
+              <a:ea typeface="Calibri"/>
+              <a:cs typeface="Calibri"/>
+              <a:sym typeface="Calibri"/>
+            </a:endParaRPr>
+          </a:p>
+        </p:txBody>
+      </p:sp>
+    </p:spTree>
+    <p:extLst>
+      <p:ext uri="{BB962C8B-B14F-4D97-AF65-F5344CB8AC3E}">
+        <p14:creationId xmlns:p14="http://schemas.microsoft.com/office/powerpoint/2010/main" val="1998651347"/>
+      </p:ext>
+    </p:extLst>
+  </p:cSld>
+  <p:clrMapOvr>
+    <a:masterClrMapping/>
+  </p:clrMapOvr>
+</p:notes>
+</file>
+
+<file path=ppt/notesSlides/notesSlide7.xml><?xml version="1.0" encoding="utf-8"?>
+<p:notes xmlns:a="http://schemas.openxmlformats.org/drawingml/2006/main" xmlns:r="http://schemas.openxmlformats.org/officeDocument/2006/relationships" xmlns:p="http://schemas.openxmlformats.org/presentationml/2006/main" showMasterSp="0" showMasterPhAnim="0">
+  <p:cSld>
+    <p:spTree>
+      <p:nvGrpSpPr>
+        <p:cNvPr id="1" name="Shape 126"/>
+        <p:cNvGrpSpPr/>
+        <p:nvPr/>
+      </p:nvGrpSpPr>
+      <p:grpSpPr>
+        <a:xfrm>
+          <a:off x="0" y="0"/>
+          <a:ext cx="0" cy="0"/>
+          <a:chOff x="0" y="0"/>
+          <a:chExt cx="0" cy="0"/>
+        </a:xfrm>
+      </p:grpSpPr>
+      <p:sp>
+        <p:nvSpPr>
+          <p:cNvPr id="127" name="Shape 127"/>
+          <p:cNvSpPr>
+            <a:spLocks noGrp="1" noRot="1" noChangeAspect="1"/>
+          </p:cNvSpPr>
+          <p:nvPr>
+            <p:ph type="sldImg" idx="2"/>
+          </p:nvPr>
+        </p:nvSpPr>
+        <p:spPr>
+          <a:xfrm>
+            <a:off x="381000" y="685800"/>
+            <a:ext cx="6096000" cy="3429000"/>
+          </a:xfrm>
+          <a:custGeom>
+            <a:avLst/>
+            <a:gdLst/>
+            <a:ahLst/>
+            <a:cxnLst/>
+            <a:rect l="0" t="0" r="0" b="0"/>
+            <a:pathLst>
+              <a:path w="120000" h="120000" extrusionOk="0">
+                <a:moveTo>
+                  <a:pt x="0" y="0"/>
+                </a:moveTo>
+                <a:lnTo>
+                  <a:pt x="120000" y="0"/>
+                </a:lnTo>
+                <a:lnTo>
+                  <a:pt x="120000" y="120000"/>
+                </a:lnTo>
+                <a:lnTo>
+                  <a:pt x="0" y="120000"/>
+                </a:lnTo>
+                <a:close/>
+              </a:path>
+            </a:pathLst>
+          </a:custGeom>
+          <a:noFill/>
+          <a:ln w="12700" cap="flat" cmpd="sng">
+            <a:solidFill>
+              <a:srgbClr val="000000"/>
+            </a:solidFill>
+            <a:prstDash val="solid"/>
+            <a:round/>
+            <a:headEnd type="none" w="med" len="med"/>
+            <a:tailEnd type="none" w="med" len="med"/>
+          </a:ln>
+        </p:spPr>
+      </p:sp>
+      <p:sp>
+        <p:nvSpPr>
+          <p:cNvPr id="128" name="Shape 128"/>
+          <p:cNvSpPr txBox="1">
+            <a:spLocks noGrp="1"/>
+          </p:cNvSpPr>
+          <p:nvPr>
+            <p:ph type="body" idx="1"/>
+          </p:nvPr>
+        </p:nvSpPr>
+        <p:spPr>
+          <a:xfrm>
+            <a:off x="685800" y="4343400"/>
+            <a:ext cx="5486400" cy="4114800"/>
+          </a:xfrm>
+          <a:prstGeom prst="rect">
+            <a:avLst/>
+          </a:prstGeom>
+          <a:noFill/>
+          <a:ln>
+            <a:noFill/>
+          </a:ln>
+        </p:spPr>
+        <p:txBody>
+          <a:bodyPr lIns="91425" tIns="45700" rIns="91425" bIns="45700" anchor="t" anchorCtr="0">
+            <a:noAutofit/>
+          </a:bodyPr>
+          <a:lstStyle/>
+          <a:p>
+            <a:pPr marL="0" marR="0" lvl="0" indent="0" algn="l" rtl="0">
+              <a:spcBef>
+                <a:spcPts val="0"/>
+              </a:spcBef>
+              <a:buSzPct val="25000"/>
+              <a:buNone/>
+            </a:pPr>
+            <a:endParaRPr sz="1200" b="0" i="0" u="none" strike="noStrike" cap="none">
+              <a:solidFill>
+                <a:schemeClr val="dk1"/>
+              </a:solidFill>
+              <a:latin typeface="Calibri"/>
+              <a:ea typeface="Calibri"/>
+              <a:cs typeface="Calibri"/>
+              <a:sym typeface="Calibri"/>
+            </a:endParaRPr>
+          </a:p>
+        </p:txBody>
+      </p:sp>
+      <p:sp>
+        <p:nvSpPr>
+          <p:cNvPr id="129" name="Shape 129"/>
+          <p:cNvSpPr txBox="1">
+            <a:spLocks noGrp="1"/>
+          </p:cNvSpPr>
+          <p:nvPr>
+            <p:ph type="sldNum" idx="12"/>
+          </p:nvPr>
+        </p:nvSpPr>
+        <p:spPr>
+          <a:xfrm>
+            <a:off x="3884612" y="8685213"/>
+            <a:ext cx="2971800" cy="457200"/>
+          </a:xfrm>
+          <a:prstGeom prst="rect">
+            <a:avLst/>
+          </a:prstGeom>
+          <a:noFill/>
+          <a:ln>
+            <a:noFill/>
+          </a:ln>
+        </p:spPr>
+        <p:txBody>
+          <a:bodyPr lIns="91425" tIns="45700" rIns="91425" bIns="45700" anchor="b" anchorCtr="0">
+            <a:noAutofit/>
+          </a:bodyPr>
+          <a:lstStyle/>
+          <a:p>
+            <a:pPr marL="0" marR="0" lvl="0" indent="0" algn="r" rtl="0">
+              <a:spcBef>
+                <a:spcPts val="0"/>
+              </a:spcBef>
+              <a:buSzPct val="25000"/>
+              <a:buNone/>
+            </a:pPr>
+            <a:fld id="{00000000-1234-1234-1234-123412341234}" type="slidenum">
+              <a:rPr lang="en-US" sz="1200">
+                <a:solidFill>
+                  <a:srgbClr val="000000"/>
+                </a:solidFill>
+                <a:latin typeface="Calibri"/>
+                <a:ea typeface="Calibri"/>
+                <a:cs typeface="Calibri"/>
+                <a:sym typeface="Calibri"/>
+              </a:rPr>
+              <a:t>9</a:t>
+            </a:fld>
+            <a:endParaRPr lang="en-US" sz="1200">
+              <a:solidFill>
+                <a:srgbClr val="000000"/>
+              </a:solidFill>
+              <a:latin typeface="Calibri"/>
+              <a:ea typeface="Calibri"/>
+              <a:cs typeface="Calibri"/>
+              <a:sym typeface="Calibri"/>
+            </a:endParaRPr>
+          </a:p>
+        </p:txBody>
+      </p:sp>
+    </p:spTree>
+    <p:extLst>
+      <p:ext uri="{BB962C8B-B14F-4D97-AF65-F5344CB8AC3E}">
+        <p14:creationId xmlns:p14="http://schemas.microsoft.com/office/powerpoint/2010/main" val="189712672"/>
+      </p:ext>
+    </p:extLst>
+  </p:cSld>
+  <p:clrMapOvr>
+    <a:masterClrMapping/>
+  </p:clrMapOvr>
+</p:notes>
+</file>
+
+<file path=ppt/notesSlides/notesSlide8.xml><?xml version="1.0" encoding="utf-8"?>
+<p:notes xmlns:a="http://schemas.openxmlformats.org/drawingml/2006/main" xmlns:r="http://schemas.openxmlformats.org/officeDocument/2006/relationships" xmlns:p="http://schemas.openxmlformats.org/presentationml/2006/main" showMasterSp="0" showMasterPhAnim="0">
+  <p:cSld>
+    <p:spTree>
+      <p:nvGrpSpPr>
+        <p:cNvPr id="1" name="Shape 126"/>
+        <p:cNvGrpSpPr/>
+        <p:nvPr/>
+      </p:nvGrpSpPr>
+      <p:grpSpPr>
+        <a:xfrm>
+          <a:off x="0" y="0"/>
+          <a:ext cx="0" cy="0"/>
+          <a:chOff x="0" y="0"/>
+          <a:chExt cx="0" cy="0"/>
+        </a:xfrm>
+      </p:grpSpPr>
+      <p:sp>
+        <p:nvSpPr>
+          <p:cNvPr id="127" name="Shape 127"/>
+          <p:cNvSpPr>
+            <a:spLocks noGrp="1" noRot="1" noChangeAspect="1"/>
+          </p:cNvSpPr>
+          <p:nvPr>
+            <p:ph type="sldImg" idx="2"/>
+          </p:nvPr>
+        </p:nvSpPr>
+        <p:spPr>
+          <a:xfrm>
+            <a:off x="381000" y="685800"/>
+            <a:ext cx="6096000" cy="3429000"/>
+          </a:xfrm>
+          <a:custGeom>
+            <a:avLst/>
+            <a:gdLst/>
+            <a:ahLst/>
+            <a:cxnLst/>
+            <a:rect l="0" t="0" r="0" b="0"/>
+            <a:pathLst>
+              <a:path w="120000" h="120000" extrusionOk="0">
+                <a:moveTo>
+                  <a:pt x="0" y="0"/>
+                </a:moveTo>
+                <a:lnTo>
+                  <a:pt x="120000" y="0"/>
+                </a:lnTo>
+                <a:lnTo>
+                  <a:pt x="120000" y="120000"/>
+                </a:lnTo>
+                <a:lnTo>
+                  <a:pt x="0" y="120000"/>
+                </a:lnTo>
+                <a:close/>
+              </a:path>
+            </a:pathLst>
+          </a:custGeom>
+          <a:noFill/>
+          <a:ln w="12700" cap="flat" cmpd="sng">
+            <a:solidFill>
+              <a:srgbClr val="000000"/>
+            </a:solidFill>
+            <a:prstDash val="solid"/>
+            <a:round/>
+            <a:headEnd type="none" w="med" len="med"/>
+            <a:tailEnd type="none" w="med" len="med"/>
+          </a:ln>
+        </p:spPr>
+      </p:sp>
+      <p:sp>
+        <p:nvSpPr>
+          <p:cNvPr id="128" name="Shape 128"/>
+          <p:cNvSpPr txBox="1">
+            <a:spLocks noGrp="1"/>
+          </p:cNvSpPr>
+          <p:nvPr>
+            <p:ph type="body" idx="1"/>
+          </p:nvPr>
+        </p:nvSpPr>
+        <p:spPr>
+          <a:xfrm>
+            <a:off x="685800" y="4343400"/>
+            <a:ext cx="5486400" cy="4114800"/>
+          </a:xfrm>
+          <a:prstGeom prst="rect">
+            <a:avLst/>
+          </a:prstGeom>
+          <a:noFill/>
+          <a:ln>
+            <a:noFill/>
+          </a:ln>
+        </p:spPr>
+        <p:txBody>
+          <a:bodyPr lIns="91425" tIns="45700" rIns="91425" bIns="45700" anchor="t" anchorCtr="0">
+            <a:noAutofit/>
+          </a:bodyPr>
+          <a:lstStyle/>
+          <a:p>
+            <a:pPr marL="0" marR="0" lvl="0" indent="0" algn="l" rtl="0">
+              <a:spcBef>
+                <a:spcPts val="0"/>
+              </a:spcBef>
+              <a:buSzPct val="25000"/>
+              <a:buNone/>
+            </a:pPr>
+            <a:endParaRPr sz="1200" b="0" i="0" u="none" strike="noStrike" cap="none">
+              <a:solidFill>
+                <a:schemeClr val="dk1"/>
+              </a:solidFill>
+              <a:latin typeface="Calibri"/>
+              <a:ea typeface="Calibri"/>
+              <a:cs typeface="Calibri"/>
+              <a:sym typeface="Calibri"/>
+            </a:endParaRPr>
+          </a:p>
+        </p:txBody>
+      </p:sp>
+      <p:sp>
+        <p:nvSpPr>
+          <p:cNvPr id="129" name="Shape 129"/>
+          <p:cNvSpPr txBox="1">
+            <a:spLocks noGrp="1"/>
+          </p:cNvSpPr>
+          <p:nvPr>
+            <p:ph type="sldNum" idx="12"/>
+          </p:nvPr>
+        </p:nvSpPr>
+        <p:spPr>
+          <a:xfrm>
+            <a:off x="3884612" y="8685213"/>
+            <a:ext cx="2971800" cy="457200"/>
+          </a:xfrm>
+          <a:prstGeom prst="rect">
+            <a:avLst/>
+          </a:prstGeom>
+          <a:noFill/>
+          <a:ln>
+            <a:noFill/>
+          </a:ln>
+        </p:spPr>
+        <p:txBody>
+          <a:bodyPr lIns="91425" tIns="45700" rIns="91425" bIns="45700" anchor="b" anchorCtr="0">
+            <a:noAutofit/>
+          </a:bodyPr>
+          <a:lstStyle/>
+          <a:p>
+            <a:pPr marL="0" marR="0" lvl="0" indent="0" algn="r" rtl="0">
+              <a:spcBef>
+                <a:spcPts val="0"/>
+              </a:spcBef>
+              <a:buSzPct val="25000"/>
+              <a:buNone/>
+            </a:pPr>
+            <a:fld id="{00000000-1234-1234-1234-123412341234}" type="slidenum">
+              <a:rPr lang="en-US" sz="1200">
+                <a:solidFill>
+                  <a:srgbClr val="000000"/>
+                </a:solidFill>
+                <a:latin typeface="Calibri"/>
+                <a:ea typeface="Calibri"/>
+                <a:cs typeface="Calibri"/>
+                <a:sym typeface="Calibri"/>
+              </a:rPr>
+              <a:t>10</a:t>
+            </a:fld>
+            <a:endParaRPr lang="en-US" sz="1200">
+              <a:solidFill>
+                <a:srgbClr val="000000"/>
+              </a:solidFill>
+              <a:latin typeface="Calibri"/>
+              <a:ea typeface="Calibri"/>
+              <a:cs typeface="Calibri"/>
+              <a:sym typeface="Calibri"/>
+            </a:endParaRPr>
+          </a:p>
+        </p:txBody>
+      </p:sp>
+    </p:spTree>
+    <p:extLst>
+      <p:ext uri="{BB962C8B-B14F-4D97-AF65-F5344CB8AC3E}">
+        <p14:creationId xmlns:p14="http://schemas.microsoft.com/office/powerpoint/2010/main" val="3212492397"/>
+      </p:ext>
+    </p:extLst>
+  </p:cSld>
+  <p:clrMapOvr>
+    <a:masterClrMapping/>
+  </p:clrMapOvr>
+</p:notes>
+</file>
+
+<file path=ppt/notesSlides/notesSlide9.xml><?xml version="1.0" encoding="utf-8"?>
+<p:notes xmlns:a="http://schemas.openxmlformats.org/drawingml/2006/main" xmlns:r="http://schemas.openxmlformats.org/officeDocument/2006/relationships" xmlns:p="http://schemas.openxmlformats.org/presentationml/2006/main" showMasterSp="0" showMasterPhAnim="0">
+  <p:cSld>
+    <p:spTree>
+      <p:nvGrpSpPr>
+        <p:cNvPr id="1" name="Shape 126"/>
+        <p:cNvGrpSpPr/>
+        <p:nvPr/>
+      </p:nvGrpSpPr>
+      <p:grpSpPr>
+        <a:xfrm>
+          <a:off x="0" y="0"/>
+          <a:ext cx="0" cy="0"/>
+          <a:chOff x="0" y="0"/>
+          <a:chExt cx="0" cy="0"/>
+        </a:xfrm>
+      </p:grpSpPr>
+      <p:sp>
+        <p:nvSpPr>
+          <p:cNvPr id="127" name="Shape 127"/>
+          <p:cNvSpPr>
+            <a:spLocks noGrp="1" noRot="1" noChangeAspect="1"/>
+          </p:cNvSpPr>
+          <p:nvPr>
+            <p:ph type="sldImg" idx="2"/>
+          </p:nvPr>
+        </p:nvSpPr>
+        <p:spPr>
+          <a:xfrm>
+            <a:off x="381000" y="685800"/>
+            <a:ext cx="6096000" cy="3429000"/>
+          </a:xfrm>
+          <a:custGeom>
+            <a:avLst/>
+            <a:gdLst/>
+            <a:ahLst/>
+            <a:cxnLst/>
+            <a:rect l="0" t="0" r="0" b="0"/>
+            <a:pathLst>
+              <a:path w="120000" h="120000" extrusionOk="0">
+                <a:moveTo>
+                  <a:pt x="0" y="0"/>
+                </a:moveTo>
+                <a:lnTo>
+                  <a:pt x="120000" y="0"/>
+                </a:lnTo>
+                <a:lnTo>
+                  <a:pt x="120000" y="120000"/>
+                </a:lnTo>
+                <a:lnTo>
+                  <a:pt x="0" y="120000"/>
+                </a:lnTo>
+                <a:close/>
+              </a:path>
+            </a:pathLst>
+          </a:custGeom>
+          <a:noFill/>
+          <a:ln w="12700" cap="flat" cmpd="sng">
+            <a:solidFill>
+              <a:srgbClr val="000000"/>
+            </a:solidFill>
+            <a:prstDash val="solid"/>
+            <a:round/>
+            <a:headEnd type="none" w="med" len="med"/>
+            <a:tailEnd type="none" w="med" len="med"/>
+          </a:ln>
+        </p:spPr>
+      </p:sp>
+      <p:sp>
+        <p:nvSpPr>
           <p:cNvPr id="128" name="Shape 128"/>
           <p:cNvSpPr txBox="1">
             <a:spLocks noGrp="1"/>
@@ -3124,7 +4282,7 @@
           <a:p>
             <a:fld id="{93C8B963-0F36-48FC-991E-AA63861DA924}" type="datetimeFigureOut">
               <a:rPr lang="en-US" smtClean="0"/>
-              <a:t>10/11/2022</a:t>
+              <a:t>10/10/2023</a:t>
             </a:fld>
             <a:endParaRPr lang="en-US"/>
           </a:p>
@@ -3422,7 +4580,7 @@
           <a:p>
             <a:fld id="{93C8B963-0F36-48FC-991E-AA63861DA924}" type="datetimeFigureOut">
               <a:rPr lang="en-US" smtClean="0"/>
-              <a:t>10/11/2022</a:t>
+              <a:t>10/10/2023</a:t>
             </a:fld>
             <a:endParaRPr lang="en-US"/>
           </a:p>
@@ -3614,7 +4772,7 @@
           <a:p>
             <a:fld id="{93C8B963-0F36-48FC-991E-AA63861DA924}" type="datetimeFigureOut">
               <a:rPr lang="en-US" smtClean="0"/>
-              <a:t>10/11/2022</a:t>
+              <a:t>10/10/2023</a:t>
             </a:fld>
             <a:endParaRPr lang="en-US"/>
           </a:p>
@@ -3875,7 +5033,7 @@
           <a:p>
             <a:fld id="{93C8B963-0F36-48FC-991E-AA63861DA924}" type="datetimeFigureOut">
               <a:rPr lang="en-US" smtClean="0"/>
-              <a:t>10/11/2022</a:t>
+              <a:t>10/10/2023</a:t>
             </a:fld>
             <a:endParaRPr lang="en-US"/>
           </a:p>
@@ -4299,7 +5457,7 @@
           <a:p>
             <a:fld id="{93C8B963-0F36-48FC-991E-AA63861DA924}" type="datetimeFigureOut">
               <a:rPr lang="en-US" smtClean="0"/>
-              <a:t>10/11/2022</a:t>
+              <a:t>10/10/2023</a:t>
             </a:fld>
             <a:endParaRPr lang="en-US"/>
           </a:p>
@@ -4836,7 +5994,7 @@
           <a:p>
             <a:fld id="{93C8B963-0F36-48FC-991E-AA63861DA924}" type="datetimeFigureOut">
               <a:rPr lang="en-US" smtClean="0"/>
-              <a:t>10/11/2022</a:t>
+              <a:t>10/10/2023</a:t>
             </a:fld>
             <a:endParaRPr lang="en-US"/>
           </a:p>
@@ -5700,7 +6858,7 @@
           <a:p>
             <a:fld id="{93C8B963-0F36-48FC-991E-AA63861DA924}" type="datetimeFigureOut">
               <a:rPr lang="en-US" smtClean="0"/>
-              <a:t>10/11/2022</a:t>
+              <a:t>10/10/2023</a:t>
             </a:fld>
             <a:endParaRPr lang="en-US"/>
           </a:p>
@@ -5870,7 +7028,7 @@
           <a:p>
             <a:fld id="{93C8B963-0F36-48FC-991E-AA63861DA924}" type="datetimeFigureOut">
               <a:rPr lang="en-US" smtClean="0"/>
-              <a:t>10/11/2022</a:t>
+              <a:t>10/10/2023</a:t>
             </a:fld>
             <a:endParaRPr lang="en-US"/>
           </a:p>
@@ -6054,7 +7212,7 @@
           <a:p>
             <a:fld id="{93C8B963-0F36-48FC-991E-AA63861DA924}" type="datetimeFigureOut">
               <a:rPr lang="en-US" smtClean="0"/>
-              <a:t>10/11/2022</a:t>
+              <a:t>10/10/2023</a:t>
             </a:fld>
             <a:endParaRPr lang="en-US"/>
           </a:p>
@@ -6224,7 +7382,7 @@
           <a:p>
             <a:fld id="{93C8B963-0F36-48FC-991E-AA63861DA924}" type="datetimeFigureOut">
               <a:rPr lang="en-US" smtClean="0"/>
-              <a:t>10/11/2022</a:t>
+              <a:t>10/10/2023</a:t>
             </a:fld>
             <a:endParaRPr lang="en-US"/>
           </a:p>
@@ -6468,7 +7626,7 @@
           <a:p>
             <a:fld id="{93C8B963-0F36-48FC-991E-AA63861DA924}" type="datetimeFigureOut">
               <a:rPr lang="en-US" smtClean="0"/>
-              <a:t>10/11/2022</a:t>
+              <a:t>10/10/2023</a:t>
             </a:fld>
             <a:endParaRPr lang="en-US"/>
           </a:p>
@@ -6704,7 +7862,7 @@
           <a:p>
             <a:fld id="{93C8B963-0F36-48FC-991E-AA63861DA924}" type="datetimeFigureOut">
               <a:rPr lang="en-US" smtClean="0"/>
-              <a:t>10/11/2022</a:t>
+              <a:t>10/10/2023</a:t>
             </a:fld>
             <a:endParaRPr lang="en-US"/>
           </a:p>
@@ -7170,7 +8328,7 @@
           <a:p>
             <a:fld id="{93C8B963-0F36-48FC-991E-AA63861DA924}" type="datetimeFigureOut">
               <a:rPr lang="en-US" smtClean="0"/>
-              <a:t>10/11/2022</a:t>
+              <a:t>10/10/2023</a:t>
             </a:fld>
             <a:endParaRPr lang="en-US"/>
           </a:p>
@@ -7288,7 +8446,7 @@
           <a:p>
             <a:fld id="{93C8B963-0F36-48FC-991E-AA63861DA924}" type="datetimeFigureOut">
               <a:rPr lang="en-US" smtClean="0"/>
-              <a:t>10/11/2022</a:t>
+              <a:t>10/10/2023</a:t>
             </a:fld>
             <a:endParaRPr lang="en-US"/>
           </a:p>
@@ -7383,7 +8541,7 @@
           <a:p>
             <a:fld id="{93C8B963-0F36-48FC-991E-AA63861DA924}" type="datetimeFigureOut">
               <a:rPr lang="en-US" smtClean="0"/>
-              <a:t>10/11/2022</a:t>
+              <a:t>10/10/2023</a:t>
             </a:fld>
             <a:endParaRPr lang="en-US"/>
           </a:p>
@@ -7638,7 +8796,7 @@
           <a:p>
             <a:fld id="{93C8B963-0F36-48FC-991E-AA63861DA924}" type="datetimeFigureOut">
               <a:rPr lang="en-US" smtClean="0"/>
-              <a:t>10/11/2022</a:t>
+              <a:t>10/10/2023</a:t>
             </a:fld>
             <a:endParaRPr lang="en-US"/>
           </a:p>
@@ -7938,7 +9096,7 @@
           <a:p>
             <a:fld id="{93C8B963-0F36-48FC-991E-AA63861DA924}" type="datetimeFigureOut">
               <a:rPr lang="en-US" smtClean="0"/>
-              <a:t>10/11/2022</a:t>
+              <a:t>10/10/2023</a:t>
             </a:fld>
             <a:endParaRPr lang="en-US"/>
           </a:p>
@@ -8172,7 +9330,7 @@
           <a:p>
             <a:fld id="{93C8B963-0F36-48FC-991E-AA63861DA924}" type="datetimeFigureOut">
               <a:rPr lang="en-US" smtClean="0"/>
-              <a:t>10/11/2022</a:t>
+              <a:t>10/10/2023</a:t>
             </a:fld>
             <a:endParaRPr lang="en-US"/>
           </a:p>
@@ -10542,7 +11700,7 @@
   <p:cSld>
     <p:spTree>
       <p:nvGrpSpPr>
-        <p:cNvPr id="1" name="Shape 130"/>
+        <p:cNvPr id="1" name="Shape 100"/>
         <p:cNvGrpSpPr/>
         <p:nvPr/>
       </p:nvGrpSpPr>
@@ -10556,10 +11714,365 @@
       </p:grpSpPr>
       <p:sp>
         <p:nvSpPr>
-          <p:cNvPr id="3" name="Rectangle 2">
+          <p:cNvPr id="101" name="Shape 101"/>
+          <p:cNvSpPr txBox="1"/>
+          <p:nvPr/>
+        </p:nvSpPr>
+        <p:spPr>
+          <a:xfrm>
+            <a:off x="536895" y="253767"/>
+            <a:ext cx="9455243" cy="584700"/>
+          </a:xfrm>
+          <a:prstGeom prst="rect">
+            <a:avLst/>
+          </a:prstGeom>
+          <a:noFill/>
+          <a:ln>
+            <a:noFill/>
+          </a:ln>
+        </p:spPr>
+        <p:txBody>
+          <a:bodyPr lIns="91425" tIns="45700" rIns="91425" bIns="45700" anchor="t" anchorCtr="0">
+            <a:noAutofit/>
+          </a:bodyPr>
+          <a:lstStyle/>
+          <a:p>
+            <a:pPr>
+              <a:buSzPct val="25000"/>
+            </a:pPr>
+            <a:r>
+              <a:rPr lang="en-US" sz="4000" b="1" dirty="0">
+                <a:latin typeface="+mj-lt"/>
+                <a:ea typeface="Gill Sans MT"/>
+                <a:cs typeface="Gill Sans MT"/>
+                <a:sym typeface="Gill Sans MT"/>
+              </a:rPr>
+              <a:t>Two sample t-tests</a:t>
+            </a:r>
+          </a:p>
+        </p:txBody>
+      </p:sp>
+      <p:sp>
+        <p:nvSpPr>
+          <p:cNvPr id="2" name="TextBox 1">
             <a:extLst>
               <a:ext uri="{FF2B5EF4-FFF2-40B4-BE49-F238E27FC236}">
-                <a16:creationId xmlns:a16="http://schemas.microsoft.com/office/drawing/2014/main" id="{606DAFA2-681F-4AFC-A065-CDB4A8A21AC1}"/>
+                <a16:creationId xmlns:a16="http://schemas.microsoft.com/office/drawing/2014/main" id="{EEC95634-62FF-47A0-9DE6-64D178990E6A}"/>
+              </a:ext>
+            </a:extLst>
+          </p:cNvPr>
+          <p:cNvSpPr txBox="1"/>
+          <p:nvPr/>
+        </p:nvSpPr>
+        <p:spPr>
+          <a:xfrm>
+            <a:off x="695922" y="991725"/>
+            <a:ext cx="10488912" cy="1077218"/>
+          </a:xfrm>
+          <a:prstGeom prst="rect">
+            <a:avLst/>
+          </a:prstGeom>
+          <a:noFill/>
+        </p:spPr>
+        <p:txBody>
+          <a:bodyPr wrap="square" rtlCol="0">
+            <a:spAutoFit/>
+          </a:bodyPr>
+          <a:lstStyle/>
+          <a:p>
+            <a:r>
+              <a:rPr lang="en-US" sz="3200" dirty="0"/>
+              <a:t>Instead of comparing one sample against a predetermined mean, identifying difference between two samples</a:t>
+            </a:r>
+          </a:p>
+        </p:txBody>
+      </p:sp>
+      <p:pic>
+        <p:nvPicPr>
+          <p:cNvPr id="3" name="Picture 2">
+            <a:extLst>
+              <a:ext uri="{FF2B5EF4-FFF2-40B4-BE49-F238E27FC236}">
+                <a16:creationId xmlns:a16="http://schemas.microsoft.com/office/drawing/2014/main" id="{307CBBC7-4D61-25A5-1ECB-8936DB90429F}"/>
+              </a:ext>
+            </a:extLst>
+          </p:cNvPr>
+          <p:cNvPicPr>
+            <a:picLocks noChangeAspect="1"/>
+          </p:cNvPicPr>
+          <p:nvPr/>
+        </p:nvPicPr>
+        <p:blipFill>
+          <a:blip r:embed="rId3">
+            <a:extLst>
+              <a:ext uri="{28A0092B-C50C-407E-A947-70E740481C1C}">
+                <a14:useLocalDpi xmlns:a14="http://schemas.microsoft.com/office/drawing/2010/main" val="0"/>
+              </a:ext>
+            </a:extLst>
+          </a:blip>
+          <a:stretch>
+            <a:fillRect/>
+          </a:stretch>
+        </p:blipFill>
+        <p:spPr>
+          <a:xfrm>
+            <a:off x="3746852" y="2364513"/>
+            <a:ext cx="8051578" cy="4239720"/>
+          </a:xfrm>
+          <a:prstGeom prst="rect">
+            <a:avLst/>
+          </a:prstGeom>
+        </p:spPr>
+      </p:pic>
+      <p:pic>
+        <p:nvPicPr>
+          <p:cNvPr id="5" name="Shape 150">
+            <a:extLst>
+              <a:ext uri="{FF2B5EF4-FFF2-40B4-BE49-F238E27FC236}">
+                <a16:creationId xmlns:a16="http://schemas.microsoft.com/office/drawing/2014/main" id="{D83ACFD0-E781-9CCC-8F9B-44A0857A2B4D}"/>
+              </a:ext>
+            </a:extLst>
+          </p:cNvPr>
+          <p:cNvPicPr preferRelativeResize="0"/>
+          <p:nvPr/>
+        </p:nvPicPr>
+        <p:blipFill rotWithShape="1">
+          <a:blip r:embed="rId4">
+            <a:alphaModFix/>
+          </a:blip>
+          <a:srcRect/>
+          <a:stretch/>
+        </p:blipFill>
+        <p:spPr>
+          <a:xfrm>
+            <a:off x="371443" y="3531873"/>
+            <a:ext cx="3089275" cy="1904999"/>
+          </a:xfrm>
+          <a:prstGeom prst="rect">
+            <a:avLst/>
+          </a:prstGeom>
+          <a:solidFill>
+            <a:schemeClr val="lt1"/>
+          </a:solidFill>
+          <a:ln>
+            <a:noFill/>
+          </a:ln>
+        </p:spPr>
+      </p:pic>
+    </p:spTree>
+    <p:extLst>
+      <p:ext uri="{BB962C8B-B14F-4D97-AF65-F5344CB8AC3E}">
+        <p14:creationId xmlns:p14="http://schemas.microsoft.com/office/powerpoint/2010/main" val="4028004336"/>
+      </p:ext>
+    </p:extLst>
+  </p:cSld>
+  <p:clrMapOvr>
+    <a:masterClrMapping/>
+  </p:clrMapOvr>
+</p:sld>
+</file>
+
+<file path=ppt/slides/slide16.xml><?xml version="1.0" encoding="utf-8"?>
+<p:sld xmlns:a="http://schemas.openxmlformats.org/drawingml/2006/main" xmlns:r="http://schemas.openxmlformats.org/officeDocument/2006/relationships" xmlns:p="http://schemas.openxmlformats.org/presentationml/2006/main">
+  <p:cSld>
+    <p:spTree>
+      <p:nvGrpSpPr>
+        <p:cNvPr id="1" name="Shape 100"/>
+        <p:cNvGrpSpPr/>
+        <p:nvPr/>
+      </p:nvGrpSpPr>
+      <p:grpSpPr>
+        <a:xfrm>
+          <a:off x="0" y="0"/>
+          <a:ext cx="0" cy="0"/>
+          <a:chOff x="0" y="0"/>
+          <a:chExt cx="0" cy="0"/>
+        </a:xfrm>
+      </p:grpSpPr>
+      <p:sp>
+        <p:nvSpPr>
+          <p:cNvPr id="101" name="Shape 101"/>
+          <p:cNvSpPr txBox="1"/>
+          <p:nvPr/>
+        </p:nvSpPr>
+        <p:spPr>
+          <a:xfrm>
+            <a:off x="536895" y="253767"/>
+            <a:ext cx="9455243" cy="584700"/>
+          </a:xfrm>
+          <a:prstGeom prst="rect">
+            <a:avLst/>
+          </a:prstGeom>
+          <a:noFill/>
+          <a:ln>
+            <a:noFill/>
+          </a:ln>
+        </p:spPr>
+        <p:txBody>
+          <a:bodyPr lIns="91425" tIns="45700" rIns="91425" bIns="45700" anchor="t" anchorCtr="0">
+            <a:noAutofit/>
+          </a:bodyPr>
+          <a:lstStyle/>
+          <a:p>
+            <a:pPr>
+              <a:buSzPct val="25000"/>
+            </a:pPr>
+            <a:r>
+              <a:rPr lang="en-US" sz="4000" b="1" dirty="0">
+                <a:latin typeface="+mj-lt"/>
+                <a:ea typeface="Gill Sans MT"/>
+                <a:cs typeface="Gill Sans MT"/>
+                <a:sym typeface="Gill Sans MT"/>
+              </a:rPr>
+              <a:t>Two sample t-tests</a:t>
+            </a:r>
+          </a:p>
+        </p:txBody>
+      </p:sp>
+      <p:sp>
+        <p:nvSpPr>
+          <p:cNvPr id="2" name="TextBox 1">
+            <a:extLst>
+              <a:ext uri="{FF2B5EF4-FFF2-40B4-BE49-F238E27FC236}">
+                <a16:creationId xmlns:a16="http://schemas.microsoft.com/office/drawing/2014/main" id="{EEC95634-62FF-47A0-9DE6-64D178990E6A}"/>
+              </a:ext>
+            </a:extLst>
+          </p:cNvPr>
+          <p:cNvSpPr txBox="1"/>
+          <p:nvPr/>
+        </p:nvSpPr>
+        <p:spPr>
+          <a:xfrm>
+            <a:off x="695922" y="991725"/>
+            <a:ext cx="10488912" cy="1077218"/>
+          </a:xfrm>
+          <a:prstGeom prst="rect">
+            <a:avLst/>
+          </a:prstGeom>
+          <a:noFill/>
+        </p:spPr>
+        <p:txBody>
+          <a:bodyPr wrap="square" rtlCol="0">
+            <a:spAutoFit/>
+          </a:bodyPr>
+          <a:lstStyle/>
+          <a:p>
+            <a:r>
+              <a:rPr lang="en-US" sz="3200" dirty="0"/>
+              <a:t>Key question #1: Is the variance in both samples </a:t>
+            </a:r>
+            <a:r>
+              <a:rPr lang="en-US" sz="3200" b="1" i="1" dirty="0">
+                <a:solidFill>
+                  <a:srgbClr val="FFC000"/>
+                </a:solidFill>
+              </a:rPr>
+              <a:t>even</a:t>
+            </a:r>
+            <a:r>
+              <a:rPr lang="en-US" sz="3200" b="1" dirty="0"/>
+              <a:t> </a:t>
+            </a:r>
+            <a:r>
+              <a:rPr lang="en-US" sz="3200" dirty="0"/>
+              <a:t>or</a:t>
+            </a:r>
+            <a:r>
+              <a:rPr lang="en-US" sz="3200" b="1" dirty="0"/>
+              <a:t> </a:t>
+            </a:r>
+            <a:r>
+              <a:rPr lang="en-US" sz="3200" b="1" i="1" dirty="0">
+                <a:solidFill>
+                  <a:srgbClr val="FFC000"/>
+                </a:solidFill>
+              </a:rPr>
+              <a:t>uneven</a:t>
+            </a:r>
+            <a:r>
+              <a:rPr lang="en-US" sz="3200" b="1" i="1" dirty="0"/>
+              <a:t>?</a:t>
+            </a:r>
+            <a:endParaRPr lang="en-US" sz="3200" dirty="0"/>
+          </a:p>
+        </p:txBody>
+      </p:sp>
+      <p:pic>
+        <p:nvPicPr>
+          <p:cNvPr id="5" name="Shape 150">
+            <a:extLst>
+              <a:ext uri="{FF2B5EF4-FFF2-40B4-BE49-F238E27FC236}">
+                <a16:creationId xmlns:a16="http://schemas.microsoft.com/office/drawing/2014/main" id="{D83ACFD0-E781-9CCC-8F9B-44A0857A2B4D}"/>
+              </a:ext>
+            </a:extLst>
+          </p:cNvPr>
+          <p:cNvPicPr preferRelativeResize="0"/>
+          <p:nvPr/>
+        </p:nvPicPr>
+        <p:blipFill rotWithShape="1">
+          <a:blip r:embed="rId3">
+            <a:alphaModFix/>
+          </a:blip>
+          <a:srcRect/>
+          <a:stretch/>
+        </p:blipFill>
+        <p:spPr>
+          <a:xfrm>
+            <a:off x="695922" y="2454655"/>
+            <a:ext cx="3089275" cy="1904999"/>
+          </a:xfrm>
+          <a:prstGeom prst="rect">
+            <a:avLst/>
+          </a:prstGeom>
+          <a:solidFill>
+            <a:schemeClr val="lt1"/>
+          </a:solidFill>
+          <a:ln>
+            <a:noFill/>
+          </a:ln>
+        </p:spPr>
+      </p:pic>
+      <p:pic>
+        <p:nvPicPr>
+          <p:cNvPr id="6" name="Picture 5" descr="Chart, histogram">
+            <a:extLst>
+              <a:ext uri="{FF2B5EF4-FFF2-40B4-BE49-F238E27FC236}">
+                <a16:creationId xmlns:a16="http://schemas.microsoft.com/office/drawing/2014/main" id="{D8849F51-31C1-5AF6-FE25-A0ECDBE1A1C7}"/>
+              </a:ext>
+            </a:extLst>
+          </p:cNvPr>
+          <p:cNvPicPr>
+            <a:picLocks noChangeAspect="1"/>
+          </p:cNvPicPr>
+          <p:nvPr/>
+        </p:nvPicPr>
+        <p:blipFill>
+          <a:blip r:embed="rId4">
+            <a:extLst>
+              <a:ext uri="{28A0092B-C50C-407E-A947-70E740481C1C}">
+                <a14:useLocalDpi xmlns:a14="http://schemas.microsoft.com/office/drawing/2010/main" val="0"/>
+              </a:ext>
+            </a:extLst>
+          </a:blip>
+          <a:stretch>
+            <a:fillRect/>
+          </a:stretch>
+        </p:blipFill>
+        <p:spPr>
+          <a:xfrm>
+            <a:off x="4985982" y="1907274"/>
+            <a:ext cx="6600968" cy="4950726"/>
+          </a:xfrm>
+          <a:prstGeom prst="rect">
+            <a:avLst/>
+          </a:prstGeom>
+        </p:spPr>
+      </p:pic>
+      <p:sp>
+        <p:nvSpPr>
+          <p:cNvPr id="7" name="Rectangle 6">
+            <a:extLst>
+              <a:ext uri="{FF2B5EF4-FFF2-40B4-BE49-F238E27FC236}">
+                <a16:creationId xmlns:a16="http://schemas.microsoft.com/office/drawing/2014/main" id="{89FC2A6E-AAB8-F6F6-4775-13209DC4D873}"/>
               </a:ext>
             </a:extLst>
           </p:cNvPr>
@@ -10568,179 +12081,462 @@
         </p:nvSpPr>
         <p:spPr>
           <a:xfrm>
-            <a:off x="346409" y="217048"/>
-            <a:ext cx="4048544" cy="646331"/>
+            <a:off x="1616765" y="3429000"/>
+            <a:ext cx="2001078" cy="930654"/>
           </a:xfrm>
           <a:prstGeom prst="rect">
             <a:avLst/>
           </a:prstGeom>
-        </p:spPr>
-        <p:txBody>
-          <a:bodyPr wrap="none">
+          <a:solidFill>
+            <a:srgbClr val="BC451B">
+              <a:alpha val="9020"/>
+            </a:srgbClr>
+          </a:solidFill>
+          <a:ln w="28575"/>
+        </p:spPr>
+        <p:style>
+          <a:lnRef idx="2">
+            <a:schemeClr val="accent1">
+              <a:shade val="50000"/>
+            </a:schemeClr>
+          </a:lnRef>
+          <a:fillRef idx="1">
+            <a:schemeClr val="accent1"/>
+          </a:fillRef>
+          <a:effectRef idx="0">
+            <a:schemeClr val="accent1"/>
+          </a:effectRef>
+          <a:fontRef idx="minor">
+            <a:schemeClr val="lt1"/>
+          </a:fontRef>
+        </p:style>
+        <p:txBody>
+          <a:bodyPr rtlCol="0" anchor="ctr"/>
+          <a:lstStyle/>
+          <a:p>
+            <a:pPr algn="ctr"/>
+            <a:endParaRPr lang="en-US"/>
+          </a:p>
+        </p:txBody>
+      </p:sp>
+    </p:spTree>
+    <p:extLst>
+      <p:ext uri="{BB962C8B-B14F-4D97-AF65-F5344CB8AC3E}">
+        <p14:creationId xmlns:p14="http://schemas.microsoft.com/office/powerpoint/2010/main" val="353817671"/>
+      </p:ext>
+    </p:extLst>
+  </p:cSld>
+  <p:clrMapOvr>
+    <a:masterClrMapping/>
+  </p:clrMapOvr>
+</p:sld>
+</file>
+
+<file path=ppt/slides/slide17.xml><?xml version="1.0" encoding="utf-8"?>
+<p:sld xmlns:a="http://schemas.openxmlformats.org/drawingml/2006/main" xmlns:r="http://schemas.openxmlformats.org/officeDocument/2006/relationships" xmlns:p="http://schemas.openxmlformats.org/presentationml/2006/main">
+  <p:cSld>
+    <p:spTree>
+      <p:nvGrpSpPr>
+        <p:cNvPr id="1" name="Shape 100"/>
+        <p:cNvGrpSpPr/>
+        <p:nvPr/>
+      </p:nvGrpSpPr>
+      <p:grpSpPr>
+        <a:xfrm>
+          <a:off x="0" y="0"/>
+          <a:ext cx="0" cy="0"/>
+          <a:chOff x="0" y="0"/>
+          <a:chExt cx="0" cy="0"/>
+        </a:xfrm>
+      </p:grpSpPr>
+      <p:sp>
+        <p:nvSpPr>
+          <p:cNvPr id="2" name="TextBox 1">
+            <a:extLst>
+              <a:ext uri="{FF2B5EF4-FFF2-40B4-BE49-F238E27FC236}">
+                <a16:creationId xmlns:a16="http://schemas.microsoft.com/office/drawing/2014/main" id="{EEC95634-62FF-47A0-9DE6-64D178990E6A}"/>
+              </a:ext>
+            </a:extLst>
+          </p:cNvPr>
+          <p:cNvSpPr txBox="1"/>
+          <p:nvPr/>
+        </p:nvSpPr>
+        <p:spPr>
+          <a:xfrm>
+            <a:off x="442250" y="384091"/>
+            <a:ext cx="10488912" cy="4031873"/>
+          </a:xfrm>
+          <a:prstGeom prst="rect">
+            <a:avLst/>
+          </a:prstGeom>
+          <a:noFill/>
+        </p:spPr>
+        <p:txBody>
+          <a:bodyPr wrap="square" rtlCol="0">
             <a:spAutoFit/>
           </a:bodyPr>
           <a:lstStyle/>
           <a:p>
+            <a:r>
+              <a:rPr lang="en-US" sz="3200" dirty="0"/>
+              <a:t>Key question #1: Is the variance in both samples </a:t>
+            </a:r>
+            <a:r>
+              <a:rPr lang="en-US" sz="3200" b="1" i="1" dirty="0">
+                <a:solidFill>
+                  <a:srgbClr val="FFC000"/>
+                </a:solidFill>
+              </a:rPr>
+              <a:t>even</a:t>
+            </a:r>
+            <a:r>
+              <a:rPr lang="en-US" sz="3200" b="1" dirty="0"/>
+              <a:t> </a:t>
+            </a:r>
+            <a:r>
+              <a:rPr lang="en-US" sz="3200" dirty="0"/>
+              <a:t>or</a:t>
+            </a:r>
+            <a:r>
+              <a:rPr lang="en-US" sz="3200" b="1" dirty="0"/>
+              <a:t> </a:t>
+            </a:r>
+            <a:r>
+              <a:rPr lang="en-US" sz="3200" b="1" i="1" dirty="0">
+                <a:solidFill>
+                  <a:srgbClr val="FFC000"/>
+                </a:solidFill>
+              </a:rPr>
+              <a:t>uneven</a:t>
+            </a:r>
+            <a:r>
+              <a:rPr lang="en-US" sz="3200" b="1" i="1" dirty="0"/>
+              <a:t>?</a:t>
+            </a:r>
+          </a:p>
+          <a:p>
+            <a:endParaRPr lang="en-US" sz="3200" b="1" i="1" dirty="0"/>
+          </a:p>
+          <a:p>
+            <a:r>
+              <a:rPr lang="en-US" sz="3200" dirty="0"/>
+              <a:t>Look at the 2019 census data and compute the standard deviation for two categories of racial classification. How do those compare?</a:t>
+            </a:r>
+          </a:p>
+          <a:p>
+            <a:endParaRPr lang="en-US" sz="3200" dirty="0"/>
+          </a:p>
+          <a:p>
+            <a:r>
+              <a:rPr lang="en-US" sz="3200" dirty="0"/>
+              <a:t>Variance = Standard deviation^2</a:t>
+            </a:r>
+          </a:p>
+        </p:txBody>
+      </p:sp>
+    </p:spTree>
+    <p:extLst>
+      <p:ext uri="{BB962C8B-B14F-4D97-AF65-F5344CB8AC3E}">
+        <p14:creationId xmlns:p14="http://schemas.microsoft.com/office/powerpoint/2010/main" val="3750489126"/>
+      </p:ext>
+    </p:extLst>
+  </p:cSld>
+  <p:clrMapOvr>
+    <a:masterClrMapping/>
+  </p:clrMapOvr>
+</p:sld>
+</file>
+
+<file path=ppt/slides/slide18.xml><?xml version="1.0" encoding="utf-8"?>
+<p:sld xmlns:a="http://schemas.openxmlformats.org/drawingml/2006/main" xmlns:r="http://schemas.openxmlformats.org/officeDocument/2006/relationships" xmlns:p="http://schemas.openxmlformats.org/presentationml/2006/main">
+  <p:cSld>
+    <p:spTree>
+      <p:nvGrpSpPr>
+        <p:cNvPr id="1" name="Shape 100"/>
+        <p:cNvGrpSpPr/>
+        <p:nvPr/>
+      </p:nvGrpSpPr>
+      <p:grpSpPr>
+        <a:xfrm>
+          <a:off x="0" y="0"/>
+          <a:ext cx="0" cy="0"/>
+          <a:chOff x="0" y="0"/>
+          <a:chExt cx="0" cy="0"/>
+        </a:xfrm>
+      </p:grpSpPr>
+      <p:sp>
+        <p:nvSpPr>
+          <p:cNvPr id="101" name="Shape 101"/>
+          <p:cNvSpPr txBox="1"/>
+          <p:nvPr/>
+        </p:nvSpPr>
+        <p:spPr>
+          <a:xfrm>
+            <a:off x="536895" y="253767"/>
+            <a:ext cx="9455243" cy="584700"/>
+          </a:xfrm>
+          <a:prstGeom prst="rect">
+            <a:avLst/>
+          </a:prstGeom>
+          <a:noFill/>
+          <a:ln>
+            <a:noFill/>
+          </a:ln>
+        </p:spPr>
+        <p:txBody>
+          <a:bodyPr lIns="91425" tIns="45700" rIns="91425" bIns="45700" anchor="t" anchorCtr="0">
+            <a:noAutofit/>
+          </a:bodyPr>
+          <a:lstStyle/>
+          <a:p>
             <a:pPr>
-              <a:spcBef>
-                <a:spcPts val="560"/>
-              </a:spcBef>
-              <a:buClr>
-                <a:srgbClr val="FFFF66"/>
-              </a:buClr>
               <a:buSzPct val="25000"/>
             </a:pPr>
             <a:r>
-              <a:rPr lang="en-US" sz="3600" b="1" dirty="0">
+              <a:rPr lang="en-US" sz="4000" b="1" dirty="0">
+                <a:latin typeface="+mj-lt"/>
                 <a:ea typeface="Gill Sans MT"/>
                 <a:cs typeface="Gill Sans MT"/>
                 <a:sym typeface="Gill Sans MT"/>
               </a:rPr>
-              <a:t>Midterm reflection</a:t>
-            </a:r>
-          </a:p>
-        </p:txBody>
-      </p:sp>
-      <p:sp>
-        <p:nvSpPr>
-          <p:cNvPr id="7" name="Rectangle 6">
+              <a:t>Two sample t-tests</a:t>
+            </a:r>
+          </a:p>
+        </p:txBody>
+      </p:sp>
+      <p:sp>
+        <p:nvSpPr>
+          <p:cNvPr id="2" name="TextBox 1">
             <a:extLst>
               <a:ext uri="{FF2B5EF4-FFF2-40B4-BE49-F238E27FC236}">
-                <a16:creationId xmlns:a16="http://schemas.microsoft.com/office/drawing/2014/main" id="{723EC99C-11A5-42CE-89E8-A7932E31ABC6}"/>
+                <a16:creationId xmlns:a16="http://schemas.microsoft.com/office/drawing/2014/main" id="{EEC95634-62FF-47A0-9DE6-64D178990E6A}"/>
               </a:ext>
             </a:extLst>
           </p:cNvPr>
-          <p:cNvSpPr/>
+          <p:cNvSpPr txBox="1"/>
           <p:nvPr/>
         </p:nvSpPr>
         <p:spPr>
           <a:xfrm>
-            <a:off x="552257" y="861861"/>
-            <a:ext cx="11439445" cy="4832092"/>
+            <a:off x="695922" y="1004977"/>
+            <a:ext cx="10488912" cy="584775"/>
           </a:xfrm>
           <a:prstGeom prst="rect">
             <a:avLst/>
           </a:prstGeom>
-        </p:spPr>
-        <p:txBody>
-          <a:bodyPr wrap="square">
+          <a:noFill/>
+        </p:spPr>
+        <p:txBody>
+          <a:bodyPr wrap="square" rtlCol="0">
             <a:spAutoFit/>
           </a:bodyPr>
           <a:lstStyle/>
           <a:p>
-            <a:pPr marL="914400" indent="-457200" rtl="0" fontAlgn="base">
-              <a:spcBef>
-                <a:spcPts val="0"/>
-              </a:spcBef>
-              <a:spcAft>
-                <a:spcPts val="0"/>
-              </a:spcAft>
-              <a:buFont typeface="+mj-lt"/>
-              <a:buAutoNum type="arabicPeriod"/>
-            </a:pPr>
-            <a:r>
-              <a:rPr lang="en-US" sz="2800" b="0" i="0" u="none" strike="noStrike" dirty="0">
-                <a:effectLst/>
+            <a:r>
+              <a:rPr lang="en-US" sz="3200" dirty="0"/>
+              <a:t>Key question #2: Are the samples </a:t>
+            </a:r>
+            <a:r>
+              <a:rPr lang="en-US" sz="3200" b="1" i="1" dirty="0">
+                <a:solidFill>
+                  <a:srgbClr val="FFC000"/>
+                </a:solidFill>
               </a:rPr>
-              <a:t>How often have you watched the online videos?</a:t>
-            </a:r>
-          </a:p>
-          <a:p>
-            <a:pPr marL="914400" indent="-457200" rtl="0" fontAlgn="base">
-              <a:spcBef>
-                <a:spcPts val="0"/>
-              </a:spcBef>
-              <a:spcAft>
-                <a:spcPts val="0"/>
-              </a:spcAft>
-              <a:buFont typeface="+mj-lt"/>
-              <a:buAutoNum type="arabicPeriod"/>
-            </a:pPr>
-            <a:r>
-              <a:rPr lang="en-US" sz="2800" b="0" i="0" u="none" strike="noStrike" dirty="0">
-                <a:effectLst/>
+              <a:t>independent</a:t>
+            </a:r>
+            <a:r>
+              <a:rPr lang="en-US" sz="3200" dirty="0"/>
+              <a:t> or </a:t>
+            </a:r>
+            <a:r>
+              <a:rPr lang="en-US" sz="3200" b="1" i="1" dirty="0">
+                <a:solidFill>
+                  <a:srgbClr val="FFC000"/>
+                </a:solidFill>
               </a:rPr>
-              <a:t>How often have you submitted assignments on time (or nearly on time)?</a:t>
-            </a:r>
-          </a:p>
-          <a:p>
-            <a:pPr marL="914400" indent="-457200" rtl="0" fontAlgn="base">
-              <a:spcBef>
-                <a:spcPts val="0"/>
-              </a:spcBef>
-              <a:spcAft>
-                <a:spcPts val="0"/>
-              </a:spcAft>
-              <a:buFont typeface="+mj-lt"/>
-              <a:buAutoNum type="arabicPeriod"/>
-            </a:pPr>
-            <a:r>
-              <a:rPr lang="en-US" sz="2800" dirty="0"/>
-              <a:t>What are two things you have learned about data science and quantitative analysis that are NOT about learning R/coding?</a:t>
-            </a:r>
-          </a:p>
-          <a:p>
-            <a:pPr marL="914400" indent="-457200" rtl="0" fontAlgn="base">
-              <a:spcBef>
-                <a:spcPts val="0"/>
-              </a:spcBef>
-              <a:spcAft>
-                <a:spcPts val="0"/>
-              </a:spcAft>
-              <a:buFont typeface="+mj-lt"/>
-              <a:buAutoNum type="arabicPeriod"/>
-            </a:pPr>
-            <a:r>
-              <a:rPr lang="en-US" sz="2800" dirty="0"/>
-              <a:t>What is at least one thing you have found valuable about your work in R/</a:t>
-            </a:r>
-            <a:r>
-              <a:rPr lang="en-US" sz="2800" dirty="0" err="1"/>
-              <a:t>Rstudio</a:t>
-            </a:r>
-            <a:r>
-              <a:rPr lang="en-US" sz="2800" dirty="0"/>
-              <a:t>/Github?</a:t>
-            </a:r>
-          </a:p>
-          <a:p>
-            <a:pPr marL="914400" indent="-457200" rtl="0" fontAlgn="base">
-              <a:spcBef>
-                <a:spcPts val="0"/>
-              </a:spcBef>
-              <a:spcAft>
-                <a:spcPts val="0"/>
-              </a:spcAft>
-              <a:buFont typeface="+mj-lt"/>
-              <a:buAutoNum type="arabicPeriod"/>
-            </a:pPr>
-            <a:r>
-              <a:rPr lang="en-US" sz="2800" dirty="0"/>
-              <a:t>What do you want to gain or improve on as a learner from the remainder of this course? </a:t>
-            </a:r>
-          </a:p>
-          <a:p>
-            <a:pPr marL="914400" indent="-457200" rtl="0" fontAlgn="base">
-              <a:spcBef>
-                <a:spcPts val="0"/>
-              </a:spcBef>
-              <a:spcAft>
-                <a:spcPts val="0"/>
-              </a:spcAft>
-              <a:buFont typeface="+mj-lt"/>
-              <a:buAutoNum type="arabicPeriod"/>
-            </a:pPr>
-            <a:r>
-              <a:rPr lang="en-US" sz="2800" dirty="0"/>
-              <a:t>Are there any changes I could make to the course to help you as a learner?</a:t>
-            </a:r>
-          </a:p>
-        </p:txBody>
-      </p:sp>
+              <a:t>paired</a:t>
+            </a:r>
+            <a:r>
+              <a:rPr lang="en-US" sz="3200" dirty="0"/>
+              <a:t>?</a:t>
+            </a:r>
+          </a:p>
+        </p:txBody>
+      </p:sp>
+      <p:pic>
+        <p:nvPicPr>
+          <p:cNvPr id="4" name="Picture 3" descr="A picture containing chart">
+            <a:extLst>
+              <a:ext uri="{FF2B5EF4-FFF2-40B4-BE49-F238E27FC236}">
+                <a16:creationId xmlns:a16="http://schemas.microsoft.com/office/drawing/2014/main" id="{4282F5AA-98F1-AD88-95FB-BA5DC66E028A}"/>
+              </a:ext>
+            </a:extLst>
+          </p:cNvPr>
+          <p:cNvPicPr>
+            <a:picLocks noChangeAspect="1"/>
+          </p:cNvPicPr>
+          <p:nvPr/>
+        </p:nvPicPr>
+        <p:blipFill>
+          <a:blip r:embed="rId3">
+            <a:extLst>
+              <a:ext uri="{28A0092B-C50C-407E-A947-70E740481C1C}">
+                <a14:useLocalDpi xmlns:a14="http://schemas.microsoft.com/office/drawing/2010/main" val="0"/>
+              </a:ext>
+            </a:extLst>
+          </a:blip>
+          <a:stretch>
+            <a:fillRect/>
+          </a:stretch>
+        </p:blipFill>
+        <p:spPr>
+          <a:xfrm>
+            <a:off x="1590261" y="2333665"/>
+            <a:ext cx="9733539" cy="3519358"/>
+          </a:xfrm>
+          <a:prstGeom prst="rect">
+            <a:avLst/>
+          </a:prstGeom>
+        </p:spPr>
+      </p:pic>
     </p:spTree>
     <p:extLst>
       <p:ext uri="{BB962C8B-B14F-4D97-AF65-F5344CB8AC3E}">
-        <p14:creationId xmlns:p14="http://schemas.microsoft.com/office/powerpoint/2010/main" val="2658811750"/>
+        <p14:creationId xmlns:p14="http://schemas.microsoft.com/office/powerpoint/2010/main" val="3944886728"/>
+      </p:ext>
+    </p:extLst>
+  </p:cSld>
+  <p:clrMapOvr>
+    <a:masterClrMapping/>
+  </p:clrMapOvr>
+</p:sld>
+</file>
+
+<file path=ppt/slides/slide19.xml><?xml version="1.0" encoding="utf-8"?>
+<p:sld xmlns:a="http://schemas.openxmlformats.org/drawingml/2006/main" xmlns:r="http://schemas.openxmlformats.org/officeDocument/2006/relationships" xmlns:p="http://schemas.openxmlformats.org/presentationml/2006/main">
+  <p:cSld>
+    <p:spTree>
+      <p:nvGrpSpPr>
+        <p:cNvPr id="1" name="Shape 100"/>
+        <p:cNvGrpSpPr/>
+        <p:nvPr/>
+      </p:nvGrpSpPr>
+      <p:grpSpPr>
+        <a:xfrm>
+          <a:off x="0" y="0"/>
+          <a:ext cx="0" cy="0"/>
+          <a:chOff x="0" y="0"/>
+          <a:chExt cx="0" cy="0"/>
+        </a:xfrm>
+      </p:grpSpPr>
+      <p:sp>
+        <p:nvSpPr>
+          <p:cNvPr id="2" name="TextBox 1">
+            <a:extLst>
+              <a:ext uri="{FF2B5EF4-FFF2-40B4-BE49-F238E27FC236}">
+                <a16:creationId xmlns:a16="http://schemas.microsoft.com/office/drawing/2014/main" id="{EEC95634-62FF-47A0-9DE6-64D178990E6A}"/>
+              </a:ext>
+            </a:extLst>
+          </p:cNvPr>
+          <p:cNvSpPr txBox="1"/>
+          <p:nvPr/>
+        </p:nvSpPr>
+        <p:spPr>
+          <a:xfrm>
+            <a:off x="341961" y="403243"/>
+            <a:ext cx="10488912" cy="2554545"/>
+          </a:xfrm>
+          <a:prstGeom prst="rect">
+            <a:avLst/>
+          </a:prstGeom>
+          <a:noFill/>
+        </p:spPr>
+        <p:txBody>
+          <a:bodyPr wrap="square" rtlCol="0">
+            <a:spAutoFit/>
+          </a:bodyPr>
+          <a:lstStyle/>
+          <a:p>
+            <a:r>
+              <a:rPr lang="en-US" sz="3200" dirty="0"/>
+              <a:t>Key question #2: Are the samples </a:t>
+            </a:r>
+            <a:r>
+              <a:rPr lang="en-US" sz="3200" b="1" i="1" dirty="0">
+                <a:solidFill>
+                  <a:srgbClr val="FFC000"/>
+                </a:solidFill>
+              </a:rPr>
+              <a:t>independent</a:t>
+            </a:r>
+            <a:r>
+              <a:rPr lang="en-US" sz="3200" dirty="0"/>
+              <a:t> or </a:t>
+            </a:r>
+            <a:r>
+              <a:rPr lang="en-US" sz="3200" b="1" i="1" dirty="0">
+                <a:solidFill>
+                  <a:srgbClr val="FFC000"/>
+                </a:solidFill>
+              </a:rPr>
+              <a:t>paired</a:t>
+            </a:r>
+            <a:r>
+              <a:rPr lang="en-US" sz="3200" dirty="0"/>
+              <a:t>?</a:t>
+            </a:r>
+          </a:p>
+          <a:p>
+            <a:endParaRPr lang="en-US" sz="3200" dirty="0"/>
+          </a:p>
+          <a:p>
+            <a:r>
+              <a:rPr lang="en-US" sz="3200" dirty="0"/>
+              <a:t>On a sheet of paper, write down two research questions for your area of interest. One should use two independent samples and one should use a paired sample.</a:t>
+            </a:r>
+          </a:p>
+        </p:txBody>
+      </p:sp>
+      <p:pic>
+        <p:nvPicPr>
+          <p:cNvPr id="4" name="Picture 3" descr="A picture containing chart">
+            <a:extLst>
+              <a:ext uri="{FF2B5EF4-FFF2-40B4-BE49-F238E27FC236}">
+                <a16:creationId xmlns:a16="http://schemas.microsoft.com/office/drawing/2014/main" id="{4282F5AA-98F1-AD88-95FB-BA5DC66E028A}"/>
+              </a:ext>
+            </a:extLst>
+          </p:cNvPr>
+          <p:cNvPicPr>
+            <a:picLocks noChangeAspect="1"/>
+          </p:cNvPicPr>
+          <p:nvPr/>
+        </p:nvPicPr>
+        <p:blipFill>
+          <a:blip r:embed="rId3">
+            <a:extLst>
+              <a:ext uri="{28A0092B-C50C-407E-A947-70E740481C1C}">
+                <a14:useLocalDpi xmlns:a14="http://schemas.microsoft.com/office/drawing/2010/main" val="0"/>
+              </a:ext>
+            </a:extLst>
+          </a:blip>
+          <a:stretch>
+            <a:fillRect/>
+          </a:stretch>
+        </p:blipFill>
+        <p:spPr>
+          <a:xfrm>
+            <a:off x="8217801" y="5268247"/>
+            <a:ext cx="3837519" cy="1387533"/>
+          </a:xfrm>
+          <a:prstGeom prst="rect">
+            <a:avLst/>
+          </a:prstGeom>
+        </p:spPr>
+      </p:pic>
+    </p:spTree>
+    <p:extLst>
+      <p:ext uri="{BB962C8B-B14F-4D97-AF65-F5344CB8AC3E}">
+        <p14:creationId xmlns:p14="http://schemas.microsoft.com/office/powerpoint/2010/main" val="431952195"/>
       </p:ext>
     </p:extLst>
   </p:cSld>
@@ -10854,6 +12650,1519 @@
     <p:extLst>
       <p:ext uri="{BB962C8B-B14F-4D97-AF65-F5344CB8AC3E}">
         <p14:creationId xmlns:p14="http://schemas.microsoft.com/office/powerpoint/2010/main" val="3926810962"/>
+      </p:ext>
+    </p:extLst>
+  </p:cSld>
+  <p:clrMapOvr>
+    <a:masterClrMapping/>
+  </p:clrMapOvr>
+</p:sld>
+</file>
+
+<file path=ppt/slides/slide20.xml><?xml version="1.0" encoding="utf-8"?>
+<p:sld xmlns:a="http://schemas.openxmlformats.org/drawingml/2006/main" xmlns:r="http://schemas.openxmlformats.org/officeDocument/2006/relationships" xmlns:p="http://schemas.openxmlformats.org/presentationml/2006/main">
+  <p:cSld>
+    <p:spTree>
+      <p:nvGrpSpPr>
+        <p:cNvPr id="1" name="Shape 100"/>
+        <p:cNvGrpSpPr/>
+        <p:nvPr/>
+      </p:nvGrpSpPr>
+      <p:grpSpPr>
+        <a:xfrm>
+          <a:off x="0" y="0"/>
+          <a:ext cx="0" cy="0"/>
+          <a:chOff x="0" y="0"/>
+          <a:chExt cx="0" cy="0"/>
+        </a:xfrm>
+      </p:grpSpPr>
+      <p:sp>
+        <p:nvSpPr>
+          <p:cNvPr id="8" name="Shape 192">
+            <a:extLst>
+              <a:ext uri="{FF2B5EF4-FFF2-40B4-BE49-F238E27FC236}">
+                <a16:creationId xmlns:a16="http://schemas.microsoft.com/office/drawing/2014/main" id="{276FC7B9-2499-43B4-9B1E-E89D5E2DD9B8}"/>
+              </a:ext>
+            </a:extLst>
+          </p:cNvPr>
+          <p:cNvSpPr txBox="1"/>
+          <p:nvPr/>
+        </p:nvSpPr>
+        <p:spPr>
+          <a:xfrm>
+            <a:off x="8601445" y="176854"/>
+            <a:ext cx="3352799" cy="707886"/>
+          </a:xfrm>
+          <a:prstGeom prst="rect">
+            <a:avLst/>
+          </a:prstGeom>
+          <a:solidFill>
+            <a:srgbClr val="FFC000"/>
+          </a:solidFill>
+          <a:ln>
+            <a:noFill/>
+          </a:ln>
+          <a:effectLst>
+            <a:outerShdw blurRad="39999" dist="23000" dir="5400000" rotWithShape="0">
+              <a:srgbClr val="000000">
+                <a:alpha val="34901"/>
+              </a:srgbClr>
+            </a:outerShdw>
+          </a:effectLst>
+        </p:spPr>
+        <p:txBody>
+          <a:bodyPr lIns="91425" tIns="45700" rIns="91425" bIns="45700" anchor="t" anchorCtr="0">
+            <a:noAutofit/>
+          </a:bodyPr>
+          <a:lstStyle/>
+          <a:p>
+            <a:pPr marL="0" marR="0" lvl="0" indent="0" algn="l" rtl="0">
+              <a:spcBef>
+                <a:spcPts val="0"/>
+              </a:spcBef>
+              <a:buSzPct val="25000"/>
+              <a:buNone/>
+            </a:pPr>
+            <a:r>
+              <a:rPr lang="en-US" sz="2000" b="1">
+                <a:solidFill>
+                  <a:schemeClr val="dk1"/>
+                </a:solidFill>
+                <a:latin typeface="Times New Roman"/>
+                <a:ea typeface="Times New Roman"/>
+                <a:cs typeface="Times New Roman"/>
+                <a:sym typeface="Times New Roman"/>
+              </a:rPr>
+              <a:t>Number of named Atlantic tropical storms, years</a:t>
+            </a:r>
+          </a:p>
+        </p:txBody>
+      </p:sp>
+      <p:graphicFrame>
+        <p:nvGraphicFramePr>
+          <p:cNvPr id="9" name="Shape 194">
+            <a:extLst>
+              <a:ext uri="{FF2B5EF4-FFF2-40B4-BE49-F238E27FC236}">
+                <a16:creationId xmlns:a16="http://schemas.microsoft.com/office/drawing/2014/main" id="{EA5853FD-4B07-44EB-8FA8-DDF8A8F1585F}"/>
+              </a:ext>
+            </a:extLst>
+          </p:cNvPr>
+          <p:cNvGraphicFramePr/>
+          <p:nvPr/>
+        </p:nvGraphicFramePr>
+        <p:xfrm>
+          <a:off x="8366333" y="1061697"/>
+          <a:ext cx="3587912" cy="4807008"/>
+        </p:xfrm>
+        <a:graphic>
+          <a:graphicData uri="http://schemas.openxmlformats.org/drawingml/2006/table">
+            <a:tbl>
+              <a:tblPr>
+                <a:noFill/>
+              </a:tblPr>
+              <a:tblGrid>
+                <a:gridCol w="1793956">
+                  <a:extLst>
+                    <a:ext uri="{9D8B030D-6E8A-4147-A177-3AD203B41FA5}">
+                      <a16:colId xmlns:a16="http://schemas.microsoft.com/office/drawing/2014/main" val="20000"/>
+                    </a:ext>
+                  </a:extLst>
+                </a:gridCol>
+                <a:gridCol w="1793956">
+                  <a:extLst>
+                    <a:ext uri="{9D8B030D-6E8A-4147-A177-3AD203B41FA5}">
+                      <a16:colId xmlns:a16="http://schemas.microsoft.com/office/drawing/2014/main" val="20001"/>
+                    </a:ext>
+                  </a:extLst>
+                </a:gridCol>
+              </a:tblGrid>
+              <a:tr h="400584">
+                <a:tc>
+                  <a:txBody>
+                    <a:bodyPr/>
+                    <a:lstStyle/>
+                    <a:p>
+                      <a:pPr marL="0" marR="0" lvl="0" indent="0" algn="ctr" rtl="0">
+                        <a:spcBef>
+                          <a:spcPts val="0"/>
+                        </a:spcBef>
+                        <a:buSzPct val="25000"/>
+                        <a:buNone/>
+                      </a:pPr>
+                      <a:r>
+                        <a:rPr lang="en-US" sz="2400" u="none" strike="noStrike" cap="none" dirty="0">
+                          <a:solidFill>
+                            <a:schemeClr val="bg1"/>
+                          </a:solidFill>
+                        </a:rPr>
+                        <a:t>El Nino</a:t>
+                      </a:r>
+                    </a:p>
+                  </a:txBody>
+                  <a:tcPr marL="14875" marR="14875" marT="14875" marB="0" anchor="ctr">
+                    <a:solidFill>
+                      <a:srgbClr val="F2F2F2"/>
+                    </a:solidFill>
+                  </a:tcPr>
+                </a:tc>
+                <a:tc>
+                  <a:txBody>
+                    <a:bodyPr/>
+                    <a:lstStyle/>
+                    <a:p>
+                      <a:pPr marL="0" marR="0" lvl="0" indent="0" algn="ctr" rtl="0">
+                        <a:spcBef>
+                          <a:spcPts val="0"/>
+                        </a:spcBef>
+                        <a:buSzPct val="25000"/>
+                        <a:buNone/>
+                      </a:pPr>
+                      <a:r>
+                        <a:rPr lang="en-US" sz="2400" u="none" strike="noStrike" cap="none">
+                          <a:solidFill>
+                            <a:schemeClr val="bg1"/>
+                          </a:solidFill>
+                        </a:rPr>
+                        <a:t>La Nina</a:t>
+                      </a:r>
+                    </a:p>
+                  </a:txBody>
+                  <a:tcPr marL="14875" marR="14875" marT="14875" marB="0" anchor="ctr">
+                    <a:solidFill>
+                      <a:srgbClr val="F2F2F2"/>
+                    </a:solidFill>
+                  </a:tcPr>
+                </a:tc>
+                <a:extLst>
+                  <a:ext uri="{0D108BD9-81ED-4DB2-BD59-A6C34878D82A}">
+                    <a16:rowId xmlns:a16="http://schemas.microsoft.com/office/drawing/2014/main" val="10000"/>
+                  </a:ext>
+                </a:extLst>
+              </a:tr>
+              <a:tr h="400584">
+                <a:tc>
+                  <a:txBody>
+                    <a:bodyPr/>
+                    <a:lstStyle/>
+                    <a:p>
+                      <a:pPr marL="0" marR="0" lvl="0" indent="0" algn="ctr" rtl="0">
+                        <a:spcBef>
+                          <a:spcPts val="0"/>
+                        </a:spcBef>
+                        <a:buSzPct val="25000"/>
+                        <a:buNone/>
+                      </a:pPr>
+                      <a:r>
+                        <a:rPr lang="en-US" sz="2400" u="none" strike="noStrike" cap="none" dirty="0">
+                          <a:solidFill>
+                            <a:schemeClr val="bg1"/>
+                          </a:solidFill>
+                          <a:latin typeface="+mn-lt"/>
+                        </a:rPr>
+                        <a:t>0 (1.5)</a:t>
+                      </a:r>
+                    </a:p>
+                  </a:txBody>
+                  <a:tcPr marL="14875" marR="14875" marT="14875" marB="0" anchor="ctr">
+                    <a:solidFill>
+                      <a:srgbClr val="F2F2F2"/>
+                    </a:solidFill>
+                  </a:tcPr>
+                </a:tc>
+                <a:tc>
+                  <a:txBody>
+                    <a:bodyPr/>
+                    <a:lstStyle/>
+                    <a:p>
+                      <a:pPr marL="0" marR="0" lvl="0" indent="0" algn="ctr" rtl="0">
+                        <a:spcBef>
+                          <a:spcPts val="0"/>
+                        </a:spcBef>
+                        <a:buSzPct val="25000"/>
+                        <a:buNone/>
+                      </a:pPr>
+                      <a:r>
+                        <a:rPr lang="en-US" sz="2400" u="none" strike="noStrike" cap="none">
+                          <a:solidFill>
+                            <a:schemeClr val="bg1"/>
+                          </a:solidFill>
+                          <a:latin typeface="+mn-lt"/>
+                        </a:rPr>
+                        <a:t>4 (12)</a:t>
+                      </a:r>
+                    </a:p>
+                  </a:txBody>
+                  <a:tcPr marL="14875" marR="14875" marT="14875" marB="0" anchor="ctr">
+                    <a:solidFill>
+                      <a:srgbClr val="F2F2F2"/>
+                    </a:solidFill>
+                  </a:tcPr>
+                </a:tc>
+                <a:extLst>
+                  <a:ext uri="{0D108BD9-81ED-4DB2-BD59-A6C34878D82A}">
+                    <a16:rowId xmlns:a16="http://schemas.microsoft.com/office/drawing/2014/main" val="10001"/>
+                  </a:ext>
+                </a:extLst>
+              </a:tr>
+              <a:tr h="400584">
+                <a:tc>
+                  <a:txBody>
+                    <a:bodyPr/>
+                    <a:lstStyle/>
+                    <a:p>
+                      <a:pPr marL="0" marR="0" lvl="0" indent="0" algn="ctr" rtl="0">
+                        <a:spcBef>
+                          <a:spcPts val="0"/>
+                        </a:spcBef>
+                        <a:buSzPct val="25000"/>
+                        <a:buNone/>
+                      </a:pPr>
+                      <a:r>
+                        <a:rPr lang="en-US" sz="2400" b="0" i="0" u="none" strike="noStrike" cap="none" dirty="0">
+                          <a:solidFill>
+                            <a:schemeClr val="bg1"/>
+                          </a:solidFill>
+                          <a:latin typeface="+mn-lt"/>
+                          <a:ea typeface="Gill Sans MT"/>
+                          <a:cs typeface="Gill Sans MT"/>
+                          <a:sym typeface="Gill Sans MT"/>
+                        </a:rPr>
+                        <a:t>5 (15)</a:t>
+                      </a:r>
+                    </a:p>
+                  </a:txBody>
+                  <a:tcPr marL="14875" marR="14875" marT="14875" marB="0" anchor="ctr">
+                    <a:solidFill>
+                      <a:srgbClr val="F2F2F2"/>
+                    </a:solidFill>
+                  </a:tcPr>
+                </a:tc>
+                <a:tc>
+                  <a:txBody>
+                    <a:bodyPr/>
+                    <a:lstStyle/>
+                    <a:p>
+                      <a:pPr marL="0" marR="0" lvl="0" indent="0" algn="ctr" rtl="0">
+                        <a:spcBef>
+                          <a:spcPts val="0"/>
+                        </a:spcBef>
+                        <a:buSzPct val="25000"/>
+                        <a:buNone/>
+                      </a:pPr>
+                      <a:r>
+                        <a:rPr lang="en-US" sz="2400" u="none" strike="noStrike" cap="none">
+                          <a:solidFill>
+                            <a:schemeClr val="bg1"/>
+                          </a:solidFill>
+                          <a:latin typeface="+mn-lt"/>
+                        </a:rPr>
+                        <a:t>4 (12)</a:t>
+                      </a:r>
+                    </a:p>
+                  </a:txBody>
+                  <a:tcPr marL="14875" marR="14875" marT="14875" marB="0" anchor="ctr">
+                    <a:solidFill>
+                      <a:srgbClr val="F2F2F2"/>
+                    </a:solidFill>
+                  </a:tcPr>
+                </a:tc>
+                <a:extLst>
+                  <a:ext uri="{0D108BD9-81ED-4DB2-BD59-A6C34878D82A}">
+                    <a16:rowId xmlns:a16="http://schemas.microsoft.com/office/drawing/2014/main" val="10002"/>
+                  </a:ext>
+                </a:extLst>
+              </a:tr>
+              <a:tr h="400584">
+                <a:tc>
+                  <a:txBody>
+                    <a:bodyPr/>
+                    <a:lstStyle/>
+                    <a:p>
+                      <a:pPr marL="0" marR="0" lvl="0" indent="0" algn="ctr" rtl="0">
+                        <a:spcBef>
+                          <a:spcPts val="0"/>
+                        </a:spcBef>
+                        <a:buSzPct val="25000"/>
+                        <a:buNone/>
+                      </a:pPr>
+                      <a:r>
+                        <a:rPr lang="en-US" sz="2400" u="none" strike="noStrike" cap="none" dirty="0">
+                          <a:solidFill>
+                            <a:schemeClr val="bg1"/>
+                          </a:solidFill>
+                          <a:latin typeface="+mn-lt"/>
+                        </a:rPr>
+                        <a:t>1 (3.5)</a:t>
+                      </a:r>
+                    </a:p>
+                  </a:txBody>
+                  <a:tcPr marL="14875" marR="14875" marT="14875" marB="0" anchor="ctr">
+                    <a:solidFill>
+                      <a:srgbClr val="F2F2F2"/>
+                    </a:solidFill>
+                  </a:tcPr>
+                </a:tc>
+                <a:tc>
+                  <a:txBody>
+                    <a:bodyPr/>
+                    <a:lstStyle/>
+                    <a:p>
+                      <a:pPr marL="0" marR="0" lvl="0" indent="0" algn="ctr" rtl="0">
+                        <a:spcBef>
+                          <a:spcPts val="0"/>
+                        </a:spcBef>
+                        <a:buSzPct val="25000"/>
+                        <a:buNone/>
+                      </a:pPr>
+                      <a:r>
+                        <a:rPr lang="en-US" sz="2400" u="none" strike="noStrike" cap="none" dirty="0">
+                          <a:solidFill>
+                            <a:schemeClr val="bg1"/>
+                          </a:solidFill>
+                          <a:latin typeface="+mn-lt"/>
+                        </a:rPr>
+                        <a:t>12 (21)</a:t>
+                      </a:r>
+                    </a:p>
+                  </a:txBody>
+                  <a:tcPr marL="14875" marR="14875" marT="14875" marB="0" anchor="ctr">
+                    <a:solidFill>
+                      <a:srgbClr val="F2F2F2"/>
+                    </a:solidFill>
+                  </a:tcPr>
+                </a:tc>
+                <a:extLst>
+                  <a:ext uri="{0D108BD9-81ED-4DB2-BD59-A6C34878D82A}">
+                    <a16:rowId xmlns:a16="http://schemas.microsoft.com/office/drawing/2014/main" val="10003"/>
+                  </a:ext>
+                </a:extLst>
+              </a:tr>
+              <a:tr h="400584">
+                <a:tc>
+                  <a:txBody>
+                    <a:bodyPr/>
+                    <a:lstStyle/>
+                    <a:p>
+                      <a:pPr marL="0" marR="0" lvl="0" indent="0" algn="ctr" rtl="0">
+                        <a:spcBef>
+                          <a:spcPts val="0"/>
+                        </a:spcBef>
+                        <a:buSzPct val="25000"/>
+                        <a:buNone/>
+                      </a:pPr>
+                      <a:r>
+                        <a:rPr lang="en-US" sz="2400" u="none" strike="noStrike" cap="none" dirty="0">
+                          <a:solidFill>
+                            <a:schemeClr val="bg1"/>
+                          </a:solidFill>
+                          <a:latin typeface="+mn-lt"/>
+                        </a:rPr>
+                        <a:t>3 (9)</a:t>
+                      </a:r>
+                    </a:p>
+                  </a:txBody>
+                  <a:tcPr marL="14875" marR="14875" marT="14875" marB="0" anchor="ctr">
+                    <a:solidFill>
+                      <a:srgbClr val="F2F2F2"/>
+                    </a:solidFill>
+                  </a:tcPr>
+                </a:tc>
+                <a:tc>
+                  <a:txBody>
+                    <a:bodyPr/>
+                    <a:lstStyle/>
+                    <a:p>
+                      <a:pPr marL="0" marR="0" lvl="0" indent="0" algn="ctr" rtl="0">
+                        <a:spcBef>
+                          <a:spcPts val="0"/>
+                        </a:spcBef>
+                        <a:buSzPct val="25000"/>
+                        <a:buNone/>
+                      </a:pPr>
+                      <a:r>
+                        <a:rPr lang="en-US" sz="2400" u="none" strike="noStrike" cap="none" dirty="0">
+                          <a:solidFill>
+                            <a:schemeClr val="bg1"/>
+                          </a:solidFill>
+                          <a:latin typeface="+mn-lt"/>
+                        </a:rPr>
+                        <a:t>2 (6.5)</a:t>
+                      </a:r>
+                    </a:p>
+                  </a:txBody>
+                  <a:tcPr marL="14875" marR="14875" marT="14875" marB="0" anchor="ctr">
+                    <a:solidFill>
+                      <a:srgbClr val="F2F2F2"/>
+                    </a:solidFill>
+                  </a:tcPr>
+                </a:tc>
+                <a:extLst>
+                  <a:ext uri="{0D108BD9-81ED-4DB2-BD59-A6C34878D82A}">
+                    <a16:rowId xmlns:a16="http://schemas.microsoft.com/office/drawing/2014/main" val="10004"/>
+                  </a:ext>
+                </a:extLst>
+              </a:tr>
+              <a:tr h="400584">
+                <a:tc>
+                  <a:txBody>
+                    <a:bodyPr/>
+                    <a:lstStyle/>
+                    <a:p>
+                      <a:pPr marL="0" marR="0" lvl="0" indent="0" algn="ctr" rtl="0">
+                        <a:spcBef>
+                          <a:spcPts val="0"/>
+                        </a:spcBef>
+                        <a:buSzPct val="25000"/>
+                        <a:buNone/>
+                      </a:pPr>
+                      <a:r>
+                        <a:rPr lang="en-US" sz="2400" u="none" strike="noStrike" cap="none">
+                          <a:solidFill>
+                            <a:schemeClr val="bg1"/>
+                          </a:solidFill>
+                          <a:latin typeface="+mn-lt"/>
+                        </a:rPr>
+                        <a:t>4 (12)</a:t>
+                      </a:r>
+                    </a:p>
+                  </a:txBody>
+                  <a:tcPr marL="14875" marR="14875" marT="14875" marB="0" anchor="ctr">
+                    <a:solidFill>
+                      <a:srgbClr val="F2F2F2"/>
+                    </a:solidFill>
+                  </a:tcPr>
+                </a:tc>
+                <a:tc>
+                  <a:txBody>
+                    <a:bodyPr/>
+                    <a:lstStyle/>
+                    <a:p>
+                      <a:pPr marL="0" marR="0" lvl="0" indent="0" algn="ctr" rtl="0">
+                        <a:spcBef>
+                          <a:spcPts val="0"/>
+                        </a:spcBef>
+                        <a:buSzPct val="25000"/>
+                        <a:buNone/>
+                      </a:pPr>
+                      <a:r>
+                        <a:rPr lang="en-US" sz="2400" b="0" i="0" u="none" strike="noStrike" cap="none" dirty="0">
+                          <a:solidFill>
+                            <a:schemeClr val="bg1"/>
+                          </a:solidFill>
+                          <a:latin typeface="+mn-lt"/>
+                          <a:ea typeface="Gill Sans MT"/>
+                          <a:cs typeface="Gill Sans MT"/>
+                          <a:sym typeface="Gill Sans MT"/>
+                        </a:rPr>
+                        <a:t>17 (22)</a:t>
+                      </a:r>
+                    </a:p>
+                  </a:txBody>
+                  <a:tcPr marL="14875" marR="14875" marT="14875" marB="0" anchor="ctr">
+                    <a:solidFill>
+                      <a:srgbClr val="F2F2F2"/>
+                    </a:solidFill>
+                  </a:tcPr>
+                </a:tc>
+                <a:extLst>
+                  <a:ext uri="{0D108BD9-81ED-4DB2-BD59-A6C34878D82A}">
+                    <a16:rowId xmlns:a16="http://schemas.microsoft.com/office/drawing/2014/main" val="10005"/>
+                  </a:ext>
+                </a:extLst>
+              </a:tr>
+              <a:tr h="400584">
+                <a:tc>
+                  <a:txBody>
+                    <a:bodyPr/>
+                    <a:lstStyle/>
+                    <a:p>
+                      <a:pPr marL="0" marR="0" lvl="0" indent="0" algn="ctr" rtl="0">
+                        <a:spcBef>
+                          <a:spcPts val="0"/>
+                        </a:spcBef>
+                        <a:buSzPct val="25000"/>
+                        <a:buNone/>
+                      </a:pPr>
+                      <a:r>
+                        <a:rPr lang="en-US" sz="2400" u="none" strike="noStrike" cap="none">
+                          <a:solidFill>
+                            <a:schemeClr val="bg1"/>
+                          </a:solidFill>
+                          <a:latin typeface="+mn-lt"/>
+                        </a:rPr>
+                        <a:t>1 (3.5)</a:t>
+                      </a:r>
+                    </a:p>
+                  </a:txBody>
+                  <a:tcPr marL="14875" marR="14875" marT="14875" marB="0" anchor="ctr">
+                    <a:solidFill>
+                      <a:srgbClr val="F2F2F2"/>
+                    </a:solidFill>
+                  </a:tcPr>
+                </a:tc>
+                <a:tc>
+                  <a:txBody>
+                    <a:bodyPr/>
+                    <a:lstStyle/>
+                    <a:p>
+                      <a:pPr marL="0" marR="0" lvl="0" indent="0" algn="ctr" rtl="0">
+                        <a:spcBef>
+                          <a:spcPts val="0"/>
+                        </a:spcBef>
+                        <a:buSzPct val="25000"/>
+                        <a:buNone/>
+                      </a:pPr>
+                      <a:r>
+                        <a:rPr lang="en-US" sz="2400" u="none" strike="noStrike" cap="none" dirty="0">
+                          <a:solidFill>
+                            <a:schemeClr val="bg1"/>
+                          </a:solidFill>
+                          <a:latin typeface="+mn-lt"/>
+                        </a:rPr>
+                        <a:t>7 (18)</a:t>
+                      </a:r>
+                    </a:p>
+                  </a:txBody>
+                  <a:tcPr marL="14875" marR="14875" marT="14875" marB="0" anchor="ctr">
+                    <a:solidFill>
+                      <a:srgbClr val="F2F2F2"/>
+                    </a:solidFill>
+                  </a:tcPr>
+                </a:tc>
+                <a:extLst>
+                  <a:ext uri="{0D108BD9-81ED-4DB2-BD59-A6C34878D82A}">
+                    <a16:rowId xmlns:a16="http://schemas.microsoft.com/office/drawing/2014/main" val="10006"/>
+                  </a:ext>
+                </a:extLst>
+              </a:tr>
+              <a:tr h="400584">
+                <a:tc>
+                  <a:txBody>
+                    <a:bodyPr/>
+                    <a:lstStyle/>
+                    <a:p>
+                      <a:pPr marL="0" marR="0" lvl="0" indent="0" algn="ctr" rtl="0">
+                        <a:spcBef>
+                          <a:spcPts val="0"/>
+                        </a:spcBef>
+                        <a:buSzPct val="25000"/>
+                        <a:buNone/>
+                      </a:pPr>
+                      <a:r>
+                        <a:rPr lang="en-US" sz="2400" u="none" strike="noStrike" cap="none">
+                          <a:solidFill>
+                            <a:schemeClr val="bg1"/>
+                          </a:solidFill>
+                          <a:latin typeface="+mn-lt"/>
+                        </a:rPr>
+                        <a:t>2 (6.5)</a:t>
+                      </a:r>
+                    </a:p>
+                  </a:txBody>
+                  <a:tcPr marL="14875" marR="14875" marT="14875" marB="0" anchor="ctr">
+                    <a:solidFill>
+                      <a:srgbClr val="F2F2F2"/>
+                    </a:solidFill>
+                  </a:tcPr>
+                </a:tc>
+                <a:tc>
+                  <a:txBody>
+                    <a:bodyPr/>
+                    <a:lstStyle/>
+                    <a:p>
+                      <a:pPr marL="0" marR="0" lvl="0" indent="0" algn="ctr" rtl="0">
+                        <a:spcBef>
+                          <a:spcPts val="0"/>
+                        </a:spcBef>
+                        <a:buSzPct val="25000"/>
+                        <a:buNone/>
+                      </a:pPr>
+                      <a:r>
+                        <a:rPr lang="en-US" sz="2400" u="none" strike="noStrike" cap="none" dirty="0">
+                          <a:solidFill>
+                            <a:schemeClr val="bg1"/>
+                          </a:solidFill>
+                          <a:latin typeface="+mn-lt"/>
+                        </a:rPr>
+                        <a:t>6 (16.5)</a:t>
+                      </a:r>
+                    </a:p>
+                  </a:txBody>
+                  <a:tcPr marL="14875" marR="14875" marT="14875" marB="0" anchor="ctr">
+                    <a:solidFill>
+                      <a:srgbClr val="F2F2F2"/>
+                    </a:solidFill>
+                  </a:tcPr>
+                </a:tc>
+                <a:extLst>
+                  <a:ext uri="{0D108BD9-81ED-4DB2-BD59-A6C34878D82A}">
+                    <a16:rowId xmlns:a16="http://schemas.microsoft.com/office/drawing/2014/main" val="10007"/>
+                  </a:ext>
+                </a:extLst>
+              </a:tr>
+              <a:tr h="400584">
+                <a:tc>
+                  <a:txBody>
+                    <a:bodyPr/>
+                    <a:lstStyle/>
+                    <a:p>
+                      <a:pPr marL="0" marR="0" lvl="0" indent="0" algn="ctr" rtl="0">
+                        <a:spcBef>
+                          <a:spcPts val="0"/>
+                        </a:spcBef>
+                        <a:buSzPct val="25000"/>
+                        <a:buNone/>
+                      </a:pPr>
+                      <a:r>
+                        <a:rPr lang="en-US" sz="2400" b="0" i="0" u="none" strike="noStrike" cap="none">
+                          <a:solidFill>
+                            <a:schemeClr val="bg1"/>
+                          </a:solidFill>
+                          <a:latin typeface="+mn-lt"/>
+                          <a:ea typeface="Gill Sans MT"/>
+                          <a:cs typeface="Gill Sans MT"/>
+                          <a:sym typeface="Gill Sans MT"/>
+                        </a:rPr>
+                        <a:t>2 (6.5)</a:t>
+                      </a:r>
+                    </a:p>
+                  </a:txBody>
+                  <a:tcPr marL="14875" marR="14875" marT="14875" marB="0" anchor="ctr">
+                    <a:solidFill>
+                      <a:srgbClr val="F2F2F2"/>
+                    </a:solidFill>
+                  </a:tcPr>
+                </a:tc>
+                <a:tc>
+                  <a:txBody>
+                    <a:bodyPr/>
+                    <a:lstStyle/>
+                    <a:p>
+                      <a:pPr marL="0" marR="0" lvl="0" indent="0" algn="ctr" rtl="0">
+                        <a:spcBef>
+                          <a:spcPts val="0"/>
+                        </a:spcBef>
+                        <a:buSzPct val="25000"/>
+                        <a:buNone/>
+                      </a:pPr>
+                      <a:r>
+                        <a:rPr lang="en-US" sz="2400" u="none" strike="noStrike" cap="none" dirty="0">
+                          <a:solidFill>
+                            <a:schemeClr val="bg1"/>
+                          </a:solidFill>
+                          <a:latin typeface="+mn-lt"/>
+                        </a:rPr>
+                        <a:t>10 (20)</a:t>
+                      </a:r>
+                    </a:p>
+                  </a:txBody>
+                  <a:tcPr marL="14875" marR="14875" marT="14875" marB="0" anchor="ctr">
+                    <a:solidFill>
+                      <a:srgbClr val="F2F2F2"/>
+                    </a:solidFill>
+                  </a:tcPr>
+                </a:tc>
+                <a:extLst>
+                  <a:ext uri="{0D108BD9-81ED-4DB2-BD59-A6C34878D82A}">
+                    <a16:rowId xmlns:a16="http://schemas.microsoft.com/office/drawing/2014/main" val="10008"/>
+                  </a:ext>
+                </a:extLst>
+              </a:tr>
+              <a:tr h="400584">
+                <a:tc>
+                  <a:txBody>
+                    <a:bodyPr/>
+                    <a:lstStyle/>
+                    <a:p>
+                      <a:pPr marL="0" marR="0" lvl="0" indent="0" algn="ctr" rtl="0">
+                        <a:spcBef>
+                          <a:spcPts val="0"/>
+                        </a:spcBef>
+                        <a:buSzPct val="25000"/>
+                        <a:buNone/>
+                      </a:pPr>
+                      <a:r>
+                        <a:rPr lang="en-US" sz="2400" u="none" strike="noStrike" cap="none" dirty="0">
+                          <a:solidFill>
+                            <a:schemeClr val="bg1"/>
+                          </a:solidFill>
+                          <a:latin typeface="+mn-lt"/>
+                        </a:rPr>
+                        <a:t>0 (1.5)</a:t>
+                      </a:r>
+                    </a:p>
+                  </a:txBody>
+                  <a:tcPr marL="14875" marR="14875" marT="14875" marB="0" anchor="ctr">
+                    <a:solidFill>
+                      <a:srgbClr val="F2F2F2"/>
+                    </a:solidFill>
+                  </a:tcPr>
+                </a:tc>
+                <a:tc>
+                  <a:txBody>
+                    <a:bodyPr/>
+                    <a:lstStyle/>
+                    <a:p>
+                      <a:pPr marL="0" marR="0" lvl="0" indent="0" algn="ctr" rtl="0">
+                        <a:spcBef>
+                          <a:spcPts val="0"/>
+                        </a:spcBef>
+                        <a:buSzPct val="25000"/>
+                        <a:buNone/>
+                      </a:pPr>
+                      <a:r>
+                        <a:rPr lang="en-US" sz="2400" u="none" strike="noStrike" cap="none" dirty="0">
+                          <a:solidFill>
+                            <a:schemeClr val="bg1"/>
+                          </a:solidFill>
+                          <a:latin typeface="+mn-lt"/>
+                        </a:rPr>
+                        <a:t>4 (12)</a:t>
+                      </a:r>
+                    </a:p>
+                  </a:txBody>
+                  <a:tcPr marL="14875" marR="14875" marT="14875" marB="0" anchor="ctr">
+                    <a:solidFill>
+                      <a:srgbClr val="F2F2F2"/>
+                    </a:solidFill>
+                  </a:tcPr>
+                </a:tc>
+                <a:extLst>
+                  <a:ext uri="{0D108BD9-81ED-4DB2-BD59-A6C34878D82A}">
+                    <a16:rowId xmlns:a16="http://schemas.microsoft.com/office/drawing/2014/main" val="10009"/>
+                  </a:ext>
+                </a:extLst>
+              </a:tr>
+              <a:tr h="400584">
+                <a:tc>
+                  <a:txBody>
+                    <a:bodyPr/>
+                    <a:lstStyle/>
+                    <a:p>
+                      <a:pPr marL="0" marR="0" lvl="0" indent="0" algn="ctr" rtl="0">
+                        <a:spcBef>
+                          <a:spcPts val="0"/>
+                        </a:spcBef>
+                        <a:buSzPct val="25000"/>
+                        <a:buNone/>
+                      </a:pPr>
+                      <a:r>
+                        <a:rPr lang="en-US" sz="2400" u="none" strike="noStrike" cap="none">
+                          <a:solidFill>
+                            <a:schemeClr val="bg1"/>
+                          </a:solidFill>
+                          <a:latin typeface="+mn-lt"/>
+                        </a:rPr>
+                        <a:t>2 (6.5)</a:t>
+                      </a:r>
+                    </a:p>
+                  </a:txBody>
+                  <a:tcPr marL="14875" marR="14875" marT="14875" marB="0" anchor="ctr">
+                    <a:solidFill>
+                      <a:srgbClr val="F2F2F2"/>
+                    </a:solidFill>
+                  </a:tcPr>
+                </a:tc>
+                <a:tc>
+                  <a:txBody>
+                    <a:bodyPr/>
+                    <a:lstStyle/>
+                    <a:p>
+                      <a:pPr marL="0" marR="0" lvl="0" indent="0" algn="ctr" rtl="0">
+                        <a:spcBef>
+                          <a:spcPts val="0"/>
+                        </a:spcBef>
+                        <a:buSzPct val="25000"/>
+                        <a:buNone/>
+                      </a:pPr>
+                      <a:r>
+                        <a:rPr lang="en-US" sz="2400" u="none" strike="noStrike" cap="none" dirty="0">
+                          <a:solidFill>
+                            <a:schemeClr val="bg1"/>
+                          </a:solidFill>
+                          <a:latin typeface="+mn-lt"/>
+                        </a:rPr>
+                        <a:t>8 (19)</a:t>
+                      </a:r>
+                    </a:p>
+                  </a:txBody>
+                  <a:tcPr marL="14875" marR="14875" marT="14875" marB="0" anchor="ctr">
+                    <a:solidFill>
+                      <a:srgbClr val="F2F2F2"/>
+                    </a:solidFill>
+                  </a:tcPr>
+                </a:tc>
+                <a:extLst>
+                  <a:ext uri="{0D108BD9-81ED-4DB2-BD59-A6C34878D82A}">
+                    <a16:rowId xmlns:a16="http://schemas.microsoft.com/office/drawing/2014/main" val="10010"/>
+                  </a:ext>
+                </a:extLst>
+              </a:tr>
+              <a:tr h="400584">
+                <a:tc>
+                  <a:txBody>
+                    <a:bodyPr/>
+                    <a:lstStyle/>
+                    <a:p>
+                      <a:pPr marL="0" marR="0" lvl="0" indent="0" algn="ctr" rtl="0">
+                        <a:spcBef>
+                          <a:spcPts val="0"/>
+                        </a:spcBef>
+                        <a:buSzPct val="25000"/>
+                        <a:buNone/>
+                      </a:pPr>
+                      <a:r>
+                        <a:rPr lang="en-US" sz="2400" u="none" strike="noStrike" cap="none">
+                          <a:solidFill>
+                            <a:schemeClr val="bg1"/>
+                          </a:solidFill>
+                          <a:latin typeface="+mn-lt"/>
+                        </a:rPr>
+                        <a:t>4 (12)</a:t>
+                      </a:r>
+                    </a:p>
+                  </a:txBody>
+                  <a:tcPr marL="14875" marR="14875" marT="14875" marB="0" anchor="ctr">
+                    <a:solidFill>
+                      <a:srgbClr val="F2F2F2"/>
+                    </a:solidFill>
+                  </a:tcPr>
+                </a:tc>
+                <a:tc>
+                  <a:txBody>
+                    <a:bodyPr/>
+                    <a:lstStyle/>
+                    <a:p>
+                      <a:pPr marL="0" marR="0" lvl="0" indent="0" algn="ctr" rtl="0">
+                        <a:spcBef>
+                          <a:spcPts val="0"/>
+                        </a:spcBef>
+                        <a:buSzPct val="25000"/>
+                        <a:buNone/>
+                      </a:pPr>
+                      <a:r>
+                        <a:rPr lang="en-US" sz="2400" u="none" strike="noStrike" cap="none" dirty="0">
+                          <a:solidFill>
+                            <a:schemeClr val="bg1"/>
+                          </a:solidFill>
+                          <a:latin typeface="+mn-lt"/>
+                        </a:rPr>
+                        <a:t>6 (16.5)</a:t>
+                      </a:r>
+                    </a:p>
+                  </a:txBody>
+                  <a:tcPr marL="14875" marR="14875" marT="14875" marB="0" anchor="ctr">
+                    <a:solidFill>
+                      <a:srgbClr val="F2F2F2"/>
+                    </a:solidFill>
+                  </a:tcPr>
+                </a:tc>
+                <a:extLst>
+                  <a:ext uri="{0D108BD9-81ED-4DB2-BD59-A6C34878D82A}">
+                    <a16:rowId xmlns:a16="http://schemas.microsoft.com/office/drawing/2014/main" val="10011"/>
+                  </a:ext>
+                </a:extLst>
+              </a:tr>
+            </a:tbl>
+          </a:graphicData>
+        </a:graphic>
+      </p:graphicFrame>
+      <p:sp>
+        <p:nvSpPr>
+          <p:cNvPr id="10" name="Shape 195">
+            <a:extLst>
+              <a:ext uri="{FF2B5EF4-FFF2-40B4-BE49-F238E27FC236}">
+                <a16:creationId xmlns:a16="http://schemas.microsoft.com/office/drawing/2014/main" id="{7AF296E4-9EC1-4EE8-B99B-7EC2EFC070B8}"/>
+              </a:ext>
+            </a:extLst>
+          </p:cNvPr>
+          <p:cNvSpPr/>
+          <p:nvPr/>
+        </p:nvSpPr>
+        <p:spPr>
+          <a:xfrm>
+            <a:off x="9068990" y="1441157"/>
+            <a:ext cx="698853" cy="4427548"/>
+          </a:xfrm>
+          <a:prstGeom prst="rect">
+            <a:avLst/>
+          </a:prstGeom>
+          <a:noFill/>
+          <a:ln w="38100" cap="flat" cmpd="sng">
+            <a:solidFill>
+              <a:srgbClr val="FF0000"/>
+            </a:solidFill>
+            <a:prstDash val="solid"/>
+            <a:round/>
+            <a:headEnd type="none" w="med" len="med"/>
+            <a:tailEnd type="none" w="med" len="med"/>
+          </a:ln>
+        </p:spPr>
+        <p:txBody>
+          <a:bodyPr lIns="91425" tIns="45700" rIns="91425" bIns="45700" anchor="ctr" anchorCtr="0">
+            <a:noAutofit/>
+          </a:bodyPr>
+          <a:lstStyle/>
+          <a:p>
+            <a:pPr marL="0" marR="0" lvl="0" indent="0" algn="ctr" rtl="0">
+              <a:spcBef>
+                <a:spcPts val="0"/>
+              </a:spcBef>
+              <a:buNone/>
+            </a:pPr>
+            <a:endParaRPr sz="1800">
+              <a:solidFill>
+                <a:schemeClr val="lt1"/>
+              </a:solidFill>
+              <a:latin typeface="Gill Sans MT"/>
+              <a:ea typeface="Gill Sans MT"/>
+              <a:cs typeface="Gill Sans MT"/>
+              <a:sym typeface="Gill Sans MT"/>
+            </a:endParaRPr>
+          </a:p>
+        </p:txBody>
+      </p:sp>
+      <p:sp>
+        <p:nvSpPr>
+          <p:cNvPr id="11" name="Shape 196">
+            <a:extLst>
+              <a:ext uri="{FF2B5EF4-FFF2-40B4-BE49-F238E27FC236}">
+                <a16:creationId xmlns:a16="http://schemas.microsoft.com/office/drawing/2014/main" id="{66210E4B-1BD8-423A-8BBB-673B4573A5B6}"/>
+              </a:ext>
+            </a:extLst>
+          </p:cNvPr>
+          <p:cNvSpPr/>
+          <p:nvPr/>
+        </p:nvSpPr>
+        <p:spPr>
+          <a:xfrm>
+            <a:off x="10850004" y="1446621"/>
+            <a:ext cx="782246" cy="4422084"/>
+          </a:xfrm>
+          <a:prstGeom prst="rect">
+            <a:avLst/>
+          </a:prstGeom>
+          <a:noFill/>
+          <a:ln w="38100" cap="flat" cmpd="sng">
+            <a:solidFill>
+              <a:srgbClr val="FF0000"/>
+            </a:solidFill>
+            <a:prstDash val="solid"/>
+            <a:round/>
+            <a:headEnd type="none" w="med" len="med"/>
+            <a:tailEnd type="none" w="med" len="med"/>
+          </a:ln>
+        </p:spPr>
+        <p:txBody>
+          <a:bodyPr lIns="91425" tIns="45700" rIns="91425" bIns="45700" anchor="ctr" anchorCtr="0">
+            <a:noAutofit/>
+          </a:bodyPr>
+          <a:lstStyle/>
+          <a:p>
+            <a:pPr marL="0" marR="0" lvl="0" indent="0" algn="ctr" rtl="0">
+              <a:spcBef>
+                <a:spcPts val="0"/>
+              </a:spcBef>
+              <a:buNone/>
+            </a:pPr>
+            <a:endParaRPr sz="1800">
+              <a:solidFill>
+                <a:schemeClr val="lt1"/>
+              </a:solidFill>
+              <a:latin typeface="Gill Sans MT"/>
+              <a:ea typeface="Gill Sans MT"/>
+              <a:cs typeface="Gill Sans MT"/>
+              <a:sym typeface="Gill Sans MT"/>
+            </a:endParaRPr>
+          </a:p>
+        </p:txBody>
+      </p:sp>
+      <p:sp>
+        <p:nvSpPr>
+          <p:cNvPr id="12" name="Shape 197">
+            <a:extLst>
+              <a:ext uri="{FF2B5EF4-FFF2-40B4-BE49-F238E27FC236}">
+                <a16:creationId xmlns:a16="http://schemas.microsoft.com/office/drawing/2014/main" id="{66DAE1EE-8FA4-4F73-A19E-158C99F9364A}"/>
+              </a:ext>
+            </a:extLst>
+          </p:cNvPr>
+          <p:cNvSpPr txBox="1"/>
+          <p:nvPr/>
+        </p:nvSpPr>
+        <p:spPr>
+          <a:xfrm>
+            <a:off x="8674389" y="6180124"/>
+            <a:ext cx="2971799" cy="400109"/>
+          </a:xfrm>
+          <a:prstGeom prst="rect">
+            <a:avLst/>
+          </a:prstGeom>
+          <a:solidFill>
+            <a:schemeClr val="lt1"/>
+          </a:solidFill>
+          <a:ln>
+            <a:noFill/>
+          </a:ln>
+          <a:effectLst>
+            <a:outerShdw blurRad="39999" dist="23000" dir="5400000" rotWithShape="0">
+              <a:srgbClr val="000000">
+                <a:alpha val="34901"/>
+              </a:srgbClr>
+            </a:outerShdw>
+          </a:effectLst>
+        </p:spPr>
+        <p:txBody>
+          <a:bodyPr lIns="91425" tIns="45700" rIns="91425" bIns="45700" anchor="t" anchorCtr="0">
+            <a:noAutofit/>
+          </a:bodyPr>
+          <a:lstStyle/>
+          <a:p>
+            <a:pPr marL="0" marR="0" lvl="0" indent="0" algn="ctr" rtl="0">
+              <a:spcBef>
+                <a:spcPts val="0"/>
+              </a:spcBef>
+              <a:buSzPct val="25000"/>
+              <a:buNone/>
+            </a:pPr>
+            <a:r>
+              <a:rPr lang="en-US" sz="2000">
+                <a:solidFill>
+                  <a:schemeClr val="dk1"/>
+                </a:solidFill>
+                <a:latin typeface="Gill Sans MT"/>
+                <a:ea typeface="Gill Sans MT"/>
+                <a:cs typeface="Gill Sans MT"/>
+                <a:sym typeface="Gill Sans MT"/>
+              </a:rPr>
+              <a:t>W</a:t>
+            </a:r>
+            <a:r>
+              <a:rPr lang="en-US" sz="2000" baseline="-25000">
+                <a:solidFill>
+                  <a:schemeClr val="dk1"/>
+                </a:solidFill>
+                <a:latin typeface="Gill Sans MT"/>
+                <a:ea typeface="Gill Sans MT"/>
+                <a:cs typeface="Gill Sans MT"/>
+                <a:sym typeface="Gill Sans MT"/>
+              </a:rPr>
+              <a:t>1</a:t>
+            </a:r>
+            <a:r>
+              <a:rPr lang="en-US" sz="2000">
+                <a:solidFill>
+                  <a:schemeClr val="dk1"/>
+                </a:solidFill>
+                <a:latin typeface="Gill Sans MT"/>
+                <a:ea typeface="Gill Sans MT"/>
+                <a:cs typeface="Gill Sans MT"/>
+                <a:sym typeface="Gill Sans MT"/>
+              </a:rPr>
+              <a:t> = 77.5       W</a:t>
+            </a:r>
+            <a:r>
+              <a:rPr lang="en-US" sz="2000" baseline="-25000">
+                <a:solidFill>
+                  <a:schemeClr val="dk1"/>
+                </a:solidFill>
+                <a:latin typeface="Gill Sans MT"/>
+                <a:ea typeface="Gill Sans MT"/>
+                <a:cs typeface="Gill Sans MT"/>
+                <a:sym typeface="Gill Sans MT"/>
+              </a:rPr>
+              <a:t>2</a:t>
+            </a:r>
+            <a:r>
+              <a:rPr lang="en-US" sz="2000">
+                <a:solidFill>
+                  <a:schemeClr val="dk1"/>
+                </a:solidFill>
+                <a:latin typeface="Gill Sans MT"/>
+                <a:ea typeface="Gill Sans MT"/>
+                <a:cs typeface="Gill Sans MT"/>
+                <a:sym typeface="Gill Sans MT"/>
+              </a:rPr>
+              <a:t> = 175.5</a:t>
+            </a:r>
+          </a:p>
+        </p:txBody>
+      </p:sp>
+      <p:sp>
+        <p:nvSpPr>
+          <p:cNvPr id="4" name="Shape 101">
+            <a:extLst>
+              <a:ext uri="{FF2B5EF4-FFF2-40B4-BE49-F238E27FC236}">
+                <a16:creationId xmlns:a16="http://schemas.microsoft.com/office/drawing/2014/main" id="{432C8125-4C54-E7FD-FF3F-95EA976D241B}"/>
+              </a:ext>
+            </a:extLst>
+          </p:cNvPr>
+          <p:cNvSpPr txBox="1"/>
+          <p:nvPr/>
+        </p:nvSpPr>
+        <p:spPr>
+          <a:xfrm>
+            <a:off x="536895" y="253767"/>
+            <a:ext cx="6624239" cy="584700"/>
+          </a:xfrm>
+          <a:prstGeom prst="rect">
+            <a:avLst/>
+          </a:prstGeom>
+          <a:noFill/>
+          <a:ln>
+            <a:noFill/>
+          </a:ln>
+        </p:spPr>
+        <p:txBody>
+          <a:bodyPr lIns="91425" tIns="45700" rIns="91425" bIns="45700" anchor="t" anchorCtr="0">
+            <a:noAutofit/>
+          </a:bodyPr>
+          <a:lstStyle/>
+          <a:p>
+            <a:pPr>
+              <a:buSzPct val="25000"/>
+            </a:pPr>
+            <a:r>
+              <a:rPr lang="en-US" sz="4000" b="1" dirty="0">
+                <a:latin typeface="+mj-lt"/>
+                <a:ea typeface="Gill Sans MT"/>
+                <a:cs typeface="Gill Sans MT"/>
+                <a:sym typeface="Gill Sans MT"/>
+              </a:rPr>
+              <a:t>Two sample t-tests</a:t>
+            </a:r>
+          </a:p>
+        </p:txBody>
+      </p:sp>
+      <p:sp>
+        <p:nvSpPr>
+          <p:cNvPr id="5" name="TextBox 4">
+            <a:extLst>
+              <a:ext uri="{FF2B5EF4-FFF2-40B4-BE49-F238E27FC236}">
+                <a16:creationId xmlns:a16="http://schemas.microsoft.com/office/drawing/2014/main" id="{8A8455B8-8E53-C962-3A6B-CF4E5A68D96E}"/>
+              </a:ext>
+            </a:extLst>
+          </p:cNvPr>
+          <p:cNvSpPr txBox="1"/>
+          <p:nvPr/>
+        </p:nvSpPr>
+        <p:spPr>
+          <a:xfrm>
+            <a:off x="695922" y="1004977"/>
+            <a:ext cx="7348416" cy="1077218"/>
+          </a:xfrm>
+          <a:prstGeom prst="rect">
+            <a:avLst/>
+          </a:prstGeom>
+          <a:noFill/>
+        </p:spPr>
+        <p:txBody>
+          <a:bodyPr wrap="square" rtlCol="0">
+            <a:spAutoFit/>
+          </a:bodyPr>
+          <a:lstStyle/>
+          <a:p>
+            <a:r>
+              <a:rPr lang="en-US" sz="3200" dirty="0"/>
+              <a:t>Key question #3: Are the samples </a:t>
+            </a:r>
+            <a:r>
+              <a:rPr lang="en-US" sz="3200" b="1" i="1" dirty="0">
+                <a:solidFill>
+                  <a:srgbClr val="FFC000"/>
+                </a:solidFill>
+              </a:rPr>
+              <a:t>parametric (normal)</a:t>
+            </a:r>
+            <a:r>
+              <a:rPr lang="en-US" sz="3200" dirty="0"/>
+              <a:t> or </a:t>
+            </a:r>
+            <a:r>
+              <a:rPr lang="en-US" sz="3200" b="1" i="1" dirty="0">
+                <a:solidFill>
+                  <a:srgbClr val="FFC000"/>
+                </a:solidFill>
+              </a:rPr>
+              <a:t>non-parametric</a:t>
+            </a:r>
+            <a:r>
+              <a:rPr lang="en-US" sz="3200" dirty="0"/>
+              <a:t>?</a:t>
+            </a:r>
+          </a:p>
+        </p:txBody>
+      </p:sp>
+      <p:pic>
+        <p:nvPicPr>
+          <p:cNvPr id="13" name="Picture 12" descr="Chart, bar chart, histogram&#10;&#10;Description automatically generated">
+            <a:extLst>
+              <a:ext uri="{FF2B5EF4-FFF2-40B4-BE49-F238E27FC236}">
+                <a16:creationId xmlns:a16="http://schemas.microsoft.com/office/drawing/2014/main" id="{C5ADD4AD-5FFD-CA89-CF5B-1B5EE3D632AB}"/>
+              </a:ext>
+            </a:extLst>
+          </p:cNvPr>
+          <p:cNvPicPr>
+            <a:picLocks noChangeAspect="1"/>
+          </p:cNvPicPr>
+          <p:nvPr/>
+        </p:nvPicPr>
+        <p:blipFill>
+          <a:blip r:embed="rId3">
+            <a:extLst>
+              <a:ext uri="{28A0092B-C50C-407E-A947-70E740481C1C}">
+                <a14:useLocalDpi xmlns:a14="http://schemas.microsoft.com/office/drawing/2010/main" val="0"/>
+              </a:ext>
+            </a:extLst>
+          </a:blip>
+          <a:stretch>
+            <a:fillRect/>
+          </a:stretch>
+        </p:blipFill>
+        <p:spPr>
+          <a:xfrm>
+            <a:off x="1334845" y="2248705"/>
+            <a:ext cx="5153142" cy="4318107"/>
+          </a:xfrm>
+          <a:prstGeom prst="rect">
+            <a:avLst/>
+          </a:prstGeom>
+        </p:spPr>
+      </p:pic>
+    </p:spTree>
+    <p:extLst>
+      <p:ext uri="{BB962C8B-B14F-4D97-AF65-F5344CB8AC3E}">
+        <p14:creationId xmlns:p14="http://schemas.microsoft.com/office/powerpoint/2010/main" val="3746001954"/>
+      </p:ext>
+    </p:extLst>
+  </p:cSld>
+  <p:clrMapOvr>
+    <a:masterClrMapping/>
+  </p:clrMapOvr>
+</p:sld>
+</file>
+
+<file path=ppt/slides/slide21.xml><?xml version="1.0" encoding="utf-8"?>
+<p:sld xmlns:a="http://schemas.openxmlformats.org/drawingml/2006/main" xmlns:r="http://schemas.openxmlformats.org/officeDocument/2006/relationships" xmlns:p="http://schemas.openxmlformats.org/presentationml/2006/main">
+  <p:cSld>
+    <p:spTree>
+      <p:nvGrpSpPr>
+        <p:cNvPr id="1" name="Shape 130"/>
+        <p:cNvGrpSpPr/>
+        <p:nvPr/>
+      </p:nvGrpSpPr>
+      <p:grpSpPr>
+        <a:xfrm>
+          <a:off x="0" y="0"/>
+          <a:ext cx="0" cy="0"/>
+          <a:chOff x="0" y="0"/>
+          <a:chExt cx="0" cy="0"/>
+        </a:xfrm>
+      </p:grpSpPr>
+      <p:sp>
+        <p:nvSpPr>
+          <p:cNvPr id="3" name="Rectangle 2">
+            <a:extLst>
+              <a:ext uri="{FF2B5EF4-FFF2-40B4-BE49-F238E27FC236}">
+                <a16:creationId xmlns:a16="http://schemas.microsoft.com/office/drawing/2014/main" id="{606DAFA2-681F-4AFC-A065-CDB4A8A21AC1}"/>
+              </a:ext>
+            </a:extLst>
+          </p:cNvPr>
+          <p:cNvSpPr/>
+          <p:nvPr/>
+        </p:nvSpPr>
+        <p:spPr>
+          <a:xfrm>
+            <a:off x="346409" y="217048"/>
+            <a:ext cx="4048544" cy="646331"/>
+          </a:xfrm>
+          <a:prstGeom prst="rect">
+            <a:avLst/>
+          </a:prstGeom>
+        </p:spPr>
+        <p:txBody>
+          <a:bodyPr wrap="none">
+            <a:spAutoFit/>
+          </a:bodyPr>
+          <a:lstStyle/>
+          <a:p>
+            <a:pPr>
+              <a:spcBef>
+                <a:spcPts val="560"/>
+              </a:spcBef>
+              <a:buClr>
+                <a:srgbClr val="FFFF66"/>
+              </a:buClr>
+              <a:buSzPct val="25000"/>
+            </a:pPr>
+            <a:r>
+              <a:rPr lang="en-US" sz="3600" b="1" dirty="0">
+                <a:ea typeface="Gill Sans MT"/>
+                <a:cs typeface="Gill Sans MT"/>
+                <a:sym typeface="Gill Sans MT"/>
+              </a:rPr>
+              <a:t>Midterm reflection</a:t>
+            </a:r>
+          </a:p>
+        </p:txBody>
+      </p:sp>
+      <p:sp>
+        <p:nvSpPr>
+          <p:cNvPr id="7" name="Rectangle 6">
+            <a:extLst>
+              <a:ext uri="{FF2B5EF4-FFF2-40B4-BE49-F238E27FC236}">
+                <a16:creationId xmlns:a16="http://schemas.microsoft.com/office/drawing/2014/main" id="{723EC99C-11A5-42CE-89E8-A7932E31ABC6}"/>
+              </a:ext>
+            </a:extLst>
+          </p:cNvPr>
+          <p:cNvSpPr/>
+          <p:nvPr/>
+        </p:nvSpPr>
+        <p:spPr>
+          <a:xfrm>
+            <a:off x="552257" y="861861"/>
+            <a:ext cx="11439445" cy="5693866"/>
+          </a:xfrm>
+          <a:prstGeom prst="rect">
+            <a:avLst/>
+          </a:prstGeom>
+        </p:spPr>
+        <p:txBody>
+          <a:bodyPr wrap="square">
+            <a:spAutoFit/>
+          </a:bodyPr>
+          <a:lstStyle/>
+          <a:p>
+            <a:pPr marL="914400" indent="-457200" rtl="0" fontAlgn="base">
+              <a:spcBef>
+                <a:spcPts val="0"/>
+              </a:spcBef>
+              <a:spcAft>
+                <a:spcPts val="0"/>
+              </a:spcAft>
+              <a:buFont typeface="+mj-lt"/>
+              <a:buAutoNum type="arabicPeriod"/>
+            </a:pPr>
+            <a:r>
+              <a:rPr lang="en-US" sz="2800" b="0" i="0" u="none" strike="noStrike" dirty="0">
+                <a:effectLst/>
+              </a:rPr>
+              <a:t>How often have you watched the online videos?</a:t>
+            </a:r>
+          </a:p>
+          <a:p>
+            <a:pPr marL="914400" indent="-457200" rtl="0" fontAlgn="base">
+              <a:spcBef>
+                <a:spcPts val="0"/>
+              </a:spcBef>
+              <a:spcAft>
+                <a:spcPts val="0"/>
+              </a:spcAft>
+              <a:buFont typeface="+mj-lt"/>
+              <a:buAutoNum type="arabicPeriod"/>
+            </a:pPr>
+            <a:r>
+              <a:rPr lang="en-US" sz="2800" b="0" i="0" u="none" strike="noStrike" dirty="0">
+                <a:effectLst/>
+              </a:rPr>
+              <a:t>How often have you submitted assignments on time (or nearly on time)?</a:t>
+            </a:r>
+          </a:p>
+          <a:p>
+            <a:pPr marL="914400" indent="-457200" rtl="0" fontAlgn="base">
+              <a:spcBef>
+                <a:spcPts val="0"/>
+              </a:spcBef>
+              <a:spcAft>
+                <a:spcPts val="0"/>
+              </a:spcAft>
+              <a:buFont typeface="+mj-lt"/>
+              <a:buAutoNum type="arabicPeriod"/>
+            </a:pPr>
+            <a:r>
+              <a:rPr lang="en-US" sz="2800" dirty="0"/>
+              <a:t>What are two things you have learned about data science and quantitative analysis that are NOT about learning R/coding?</a:t>
+            </a:r>
+          </a:p>
+          <a:p>
+            <a:pPr marL="914400" indent="-457200" rtl="0" fontAlgn="base">
+              <a:spcBef>
+                <a:spcPts val="0"/>
+              </a:spcBef>
+              <a:spcAft>
+                <a:spcPts val="0"/>
+              </a:spcAft>
+              <a:buFont typeface="+mj-lt"/>
+              <a:buAutoNum type="arabicPeriod"/>
+            </a:pPr>
+            <a:r>
+              <a:rPr lang="en-US" sz="2800" dirty="0"/>
+              <a:t>What is at least one thing you have found valuable about your work in R/</a:t>
+            </a:r>
+            <a:r>
+              <a:rPr lang="en-US" sz="2800" dirty="0" err="1"/>
+              <a:t>Rstudio</a:t>
+            </a:r>
+            <a:r>
+              <a:rPr lang="en-US" sz="2800" dirty="0"/>
+              <a:t>/Github?</a:t>
+            </a:r>
+          </a:p>
+          <a:p>
+            <a:pPr marL="914400" indent="-457200" rtl="0" fontAlgn="base">
+              <a:spcBef>
+                <a:spcPts val="0"/>
+              </a:spcBef>
+              <a:spcAft>
+                <a:spcPts val="0"/>
+              </a:spcAft>
+              <a:buFont typeface="+mj-lt"/>
+              <a:buAutoNum type="arabicPeriod"/>
+            </a:pPr>
+            <a:r>
+              <a:rPr lang="en-US" sz="2800" dirty="0"/>
+              <a:t>What do you want to gain or improve on as a learner from the remainder of this course? </a:t>
+            </a:r>
+          </a:p>
+          <a:p>
+            <a:pPr marL="914400" indent="-457200" rtl="0" fontAlgn="base">
+              <a:spcBef>
+                <a:spcPts val="0"/>
+              </a:spcBef>
+              <a:spcAft>
+                <a:spcPts val="0"/>
+              </a:spcAft>
+              <a:buFont typeface="+mj-lt"/>
+              <a:buAutoNum type="arabicPeriod"/>
+            </a:pPr>
+            <a:r>
+              <a:rPr lang="en-US" sz="2800" dirty="0"/>
+              <a:t>Are there any changes I could make to the course to help you as a learner?</a:t>
+            </a:r>
+            <a:br>
+              <a:rPr lang="en-US" sz="2800" dirty="0"/>
+            </a:br>
+            <a:endParaRPr lang="en-US" sz="2800" dirty="0"/>
+          </a:p>
+          <a:p>
+            <a:pPr marL="457200" rtl="0" fontAlgn="base">
+              <a:spcBef>
+                <a:spcPts val="0"/>
+              </a:spcBef>
+              <a:spcAft>
+                <a:spcPts val="0"/>
+              </a:spcAft>
+            </a:pPr>
+            <a:r>
+              <a:rPr lang="en-US" sz="2800" dirty="0"/>
+              <a:t>Submit via the ELC Assignments tool</a:t>
+            </a:r>
+          </a:p>
+        </p:txBody>
+      </p:sp>
+    </p:spTree>
+    <p:extLst>
+      <p:ext uri="{BB962C8B-B14F-4D97-AF65-F5344CB8AC3E}">
+        <p14:creationId xmlns:p14="http://schemas.microsoft.com/office/powerpoint/2010/main" val="2658811750"/>
       </p:ext>
     </p:extLst>
   </p:cSld>
@@ -11620,7 +14929,7 @@
         <p:spPr>
           <a:xfrm>
             <a:off x="552257" y="861861"/>
-            <a:ext cx="10164169" cy="3970318"/>
+            <a:ext cx="10164169" cy="3539430"/>
           </a:xfrm>
           <a:prstGeom prst="rect">
             <a:avLst/>
@@ -11657,7 +14966,7 @@
             </a:pPr>
             <a:r>
               <a:rPr lang="en-US" sz="2800" dirty="0"/>
-              <a:t>Two sample t-test with equal variance</a:t>
+              <a:t>Two sample t-test </a:t>
             </a:r>
           </a:p>
           <a:p>
@@ -11667,7 +14976,15 @@
             </a:pPr>
             <a:r>
               <a:rPr lang="en-US" sz="2800" dirty="0"/>
-              <a:t>Two sample t-test with unequal variance</a:t>
+              <a:t>Two sample </a:t>
+            </a:r>
+            <a:r>
+              <a:rPr lang="en-US" sz="2800" u="sng" dirty="0"/>
+              <a:t>paired</a:t>
+            </a:r>
+            <a:r>
+              <a:rPr lang="en-US" sz="2800" dirty="0"/>
+              <a:t> t-test</a:t>
             </a:r>
           </a:p>
           <a:p>
@@ -11677,7 +14994,7 @@
             </a:pPr>
             <a:r>
               <a:rPr lang="en-US" sz="2800" dirty="0"/>
-              <a:t>Two sample paired t-test</a:t>
+              <a:t>Non-parametric (Wilcoxon) t-test</a:t>
             </a:r>
           </a:p>
           <a:p>
@@ -11687,17 +15004,7 @@
             </a:pPr>
             <a:r>
               <a:rPr lang="en-US" sz="2800" dirty="0"/>
-              <a:t>Non-parametric (Wilcoxon) t-test</a:t>
-            </a:r>
-          </a:p>
-          <a:p>
-            <a:pPr marL="457200" indent="-457200">
-              <a:buFont typeface="Arial" panose="020B0604020202020204" pitchFamily="34" charset="0"/>
-              <a:buChar char="•"/>
-            </a:pPr>
-            <a:r>
-              <a:rPr lang="en-US" sz="2800" dirty="0"/>
-              <a:t>Difference between two proportions</a:t>
+              <a:t>Difference test between two proportions</a:t>
             </a:r>
           </a:p>
         </p:txBody>

--- a/in_class_slides/geog4300_W08-1 Hypotheses and one sample tests.pptx
+++ b/in_class_slides/geog4300_W08-1 Hypotheses and one sample tests.pptx
@@ -220,7 +220,7 @@
           <a:p>
             <a:fld id="{F1C23026-85D4-48E8-9219-18000F688023}" type="datetimeFigureOut">
               <a:rPr lang="en-US" smtClean="0"/>
-              <a:t>10/9/2024</a:t>
+              <a:t>10/15/2024</a:t>
             </a:fld>
             <a:endParaRPr lang="en-US"/>
           </a:p>
@@ -4852,7 +4852,7 @@
           <a:p>
             <a:fld id="{93C8B963-0F36-48FC-991E-AA63861DA924}" type="datetimeFigureOut">
               <a:rPr lang="en-US" smtClean="0"/>
-              <a:t>10/9/2024</a:t>
+              <a:t>10/15/2024</a:t>
             </a:fld>
             <a:endParaRPr lang="en-US"/>
           </a:p>
@@ -5150,7 +5150,7 @@
           <a:p>
             <a:fld id="{93C8B963-0F36-48FC-991E-AA63861DA924}" type="datetimeFigureOut">
               <a:rPr lang="en-US" smtClean="0"/>
-              <a:t>10/9/2024</a:t>
+              <a:t>10/15/2024</a:t>
             </a:fld>
             <a:endParaRPr lang="en-US"/>
           </a:p>
@@ -5342,7 +5342,7 @@
           <a:p>
             <a:fld id="{93C8B963-0F36-48FC-991E-AA63861DA924}" type="datetimeFigureOut">
               <a:rPr lang="en-US" smtClean="0"/>
-              <a:t>10/9/2024</a:t>
+              <a:t>10/15/2024</a:t>
             </a:fld>
             <a:endParaRPr lang="en-US"/>
           </a:p>
@@ -5603,7 +5603,7 @@
           <a:p>
             <a:fld id="{93C8B963-0F36-48FC-991E-AA63861DA924}" type="datetimeFigureOut">
               <a:rPr lang="en-US" smtClean="0"/>
-              <a:t>10/9/2024</a:t>
+              <a:t>10/15/2024</a:t>
             </a:fld>
             <a:endParaRPr lang="en-US"/>
           </a:p>
@@ -6027,7 +6027,7 @@
           <a:p>
             <a:fld id="{93C8B963-0F36-48FC-991E-AA63861DA924}" type="datetimeFigureOut">
               <a:rPr lang="en-US" smtClean="0"/>
-              <a:t>10/9/2024</a:t>
+              <a:t>10/15/2024</a:t>
             </a:fld>
             <a:endParaRPr lang="en-US"/>
           </a:p>
@@ -6564,7 +6564,7 @@
           <a:p>
             <a:fld id="{93C8B963-0F36-48FC-991E-AA63861DA924}" type="datetimeFigureOut">
               <a:rPr lang="en-US" smtClean="0"/>
-              <a:t>10/9/2024</a:t>
+              <a:t>10/15/2024</a:t>
             </a:fld>
             <a:endParaRPr lang="en-US"/>
           </a:p>
@@ -7428,7 +7428,7 @@
           <a:p>
             <a:fld id="{93C8B963-0F36-48FC-991E-AA63861DA924}" type="datetimeFigureOut">
               <a:rPr lang="en-US" smtClean="0"/>
-              <a:t>10/9/2024</a:t>
+              <a:t>10/15/2024</a:t>
             </a:fld>
             <a:endParaRPr lang="en-US"/>
           </a:p>
@@ -7598,7 +7598,7 @@
           <a:p>
             <a:fld id="{93C8B963-0F36-48FC-991E-AA63861DA924}" type="datetimeFigureOut">
               <a:rPr lang="en-US" smtClean="0"/>
-              <a:t>10/9/2024</a:t>
+              <a:t>10/15/2024</a:t>
             </a:fld>
             <a:endParaRPr lang="en-US"/>
           </a:p>
@@ -7782,7 +7782,7 @@
           <a:p>
             <a:fld id="{93C8B963-0F36-48FC-991E-AA63861DA924}" type="datetimeFigureOut">
               <a:rPr lang="en-US" smtClean="0"/>
-              <a:t>10/9/2024</a:t>
+              <a:t>10/15/2024</a:t>
             </a:fld>
             <a:endParaRPr lang="en-US"/>
           </a:p>
@@ -7952,7 +7952,7 @@
           <a:p>
             <a:fld id="{93C8B963-0F36-48FC-991E-AA63861DA924}" type="datetimeFigureOut">
               <a:rPr lang="en-US" smtClean="0"/>
-              <a:t>10/9/2024</a:t>
+              <a:t>10/15/2024</a:t>
             </a:fld>
             <a:endParaRPr lang="en-US"/>
           </a:p>
@@ -8196,7 +8196,7 @@
           <a:p>
             <a:fld id="{93C8B963-0F36-48FC-991E-AA63861DA924}" type="datetimeFigureOut">
               <a:rPr lang="en-US" smtClean="0"/>
-              <a:t>10/9/2024</a:t>
+              <a:t>10/15/2024</a:t>
             </a:fld>
             <a:endParaRPr lang="en-US"/>
           </a:p>
@@ -8432,7 +8432,7 @@
           <a:p>
             <a:fld id="{93C8B963-0F36-48FC-991E-AA63861DA924}" type="datetimeFigureOut">
               <a:rPr lang="en-US" smtClean="0"/>
-              <a:t>10/9/2024</a:t>
+              <a:t>10/15/2024</a:t>
             </a:fld>
             <a:endParaRPr lang="en-US"/>
           </a:p>
@@ -8898,7 +8898,7 @@
           <a:p>
             <a:fld id="{93C8B963-0F36-48FC-991E-AA63861DA924}" type="datetimeFigureOut">
               <a:rPr lang="en-US" smtClean="0"/>
-              <a:t>10/9/2024</a:t>
+              <a:t>10/15/2024</a:t>
             </a:fld>
             <a:endParaRPr lang="en-US"/>
           </a:p>
@@ -9016,7 +9016,7 @@
           <a:p>
             <a:fld id="{93C8B963-0F36-48FC-991E-AA63861DA924}" type="datetimeFigureOut">
               <a:rPr lang="en-US" smtClean="0"/>
-              <a:t>10/9/2024</a:t>
+              <a:t>10/15/2024</a:t>
             </a:fld>
             <a:endParaRPr lang="en-US"/>
           </a:p>
@@ -9111,7 +9111,7 @@
           <a:p>
             <a:fld id="{93C8B963-0F36-48FC-991E-AA63861DA924}" type="datetimeFigureOut">
               <a:rPr lang="en-US" smtClean="0"/>
-              <a:t>10/9/2024</a:t>
+              <a:t>10/15/2024</a:t>
             </a:fld>
             <a:endParaRPr lang="en-US"/>
           </a:p>
@@ -9366,7 +9366,7 @@
           <a:p>
             <a:fld id="{93C8B963-0F36-48FC-991E-AA63861DA924}" type="datetimeFigureOut">
               <a:rPr lang="en-US" smtClean="0"/>
-              <a:t>10/9/2024</a:t>
+              <a:t>10/15/2024</a:t>
             </a:fld>
             <a:endParaRPr lang="en-US"/>
           </a:p>
@@ -9666,7 +9666,7 @@
           <a:p>
             <a:fld id="{93C8B963-0F36-48FC-991E-AA63861DA924}" type="datetimeFigureOut">
               <a:rPr lang="en-US" smtClean="0"/>
-              <a:t>10/9/2024</a:t>
+              <a:t>10/15/2024</a:t>
             </a:fld>
             <a:endParaRPr lang="en-US"/>
           </a:p>
@@ -9900,7 +9900,7 @@
           <a:p>
             <a:fld id="{93C8B963-0F36-48FC-991E-AA63861DA924}" type="datetimeFigureOut">
               <a:rPr lang="en-US" smtClean="0"/>
-              <a:t>10/9/2024</a:t>
+              <a:t>10/15/2024</a:t>
             </a:fld>
             <a:endParaRPr lang="en-US"/>
           </a:p>
@@ -11665,6 +11665,191 @@
           </a:prstGeom>
         </p:spPr>
       </p:pic>
+      <mc:AlternateContent xmlns:mc="http://schemas.openxmlformats.org/markup-compatibility/2006">
+        <mc:Choice xmlns:a14="http://schemas.microsoft.com/office/drawing/2010/main" Requires="a14">
+          <p:sp>
+            <p:nvSpPr>
+              <p:cNvPr id="5" name="TextBox 4">
+                <a:extLst>
+                  <a:ext uri="{FF2B5EF4-FFF2-40B4-BE49-F238E27FC236}">
+                    <a16:creationId xmlns:a16="http://schemas.microsoft.com/office/drawing/2014/main" id="{D409706E-F3C8-431C-B32E-81656C315846}"/>
+                  </a:ext>
+                </a:extLst>
+              </p:cNvPr>
+              <p:cNvSpPr txBox="1"/>
+              <p:nvPr/>
+            </p:nvSpPr>
+            <p:spPr>
+              <a:xfrm>
+                <a:off x="3436807" y="5141323"/>
+                <a:ext cx="2431884" cy="1533112"/>
+              </a:xfrm>
+              <a:prstGeom prst="rect">
+                <a:avLst/>
+              </a:prstGeom>
+              <a:noFill/>
+            </p:spPr>
+            <p:txBody>
+              <a:bodyPr wrap="none" lIns="0" tIns="0" rIns="0" bIns="0" rtlCol="0">
+                <a:spAutoFit/>
+              </a:bodyPr>
+              <a:lstStyle/>
+              <a:p>
+                <a:pPr/>
+                <a14:m>
+                  <m:oMathPara xmlns:m="http://schemas.openxmlformats.org/officeDocument/2006/math">
+                    <m:oMathParaPr>
+                      <m:jc m:val="centerGroup"/>
+                    </m:oMathParaPr>
+                    <m:oMath xmlns:m="http://schemas.openxmlformats.org/officeDocument/2006/math">
+                      <m:r>
+                        <a:rPr lang="en-US" sz="4000" b="0" i="1" smtClean="0">
+                          <a:latin typeface="Cambria Math" panose="02040503050406030204" pitchFamily="18" charset="0"/>
+                        </a:rPr>
+                        <m:t>𝑡</m:t>
+                      </m:r>
+                      <m:r>
+                        <a:rPr lang="en-US" sz="4000" b="0" i="1" smtClean="0">
+                          <a:latin typeface="Cambria Math" panose="02040503050406030204" pitchFamily="18" charset="0"/>
+                        </a:rPr>
+                        <m:t>=</m:t>
+                      </m:r>
+                      <m:f>
+                        <m:fPr>
+                          <m:ctrlPr>
+                            <a:rPr lang="en-US" sz="4000" b="0" i="1" smtClean="0">
+                              <a:latin typeface="Cambria Math" panose="02040503050406030204" pitchFamily="18" charset="0"/>
+                            </a:rPr>
+                          </m:ctrlPr>
+                        </m:fPr>
+                        <m:num>
+                          <m:acc>
+                            <m:accPr>
+                              <m:chr m:val="̅"/>
+                              <m:ctrlPr>
+                                <a:rPr lang="en-US" sz="4000" b="0" i="1" smtClean="0">
+                                  <a:latin typeface="Cambria Math" panose="02040503050406030204" pitchFamily="18" charset="0"/>
+                                </a:rPr>
+                              </m:ctrlPr>
+                            </m:accPr>
+                            <m:e>
+                              <m:r>
+                                <a:rPr lang="en-US" sz="4000" b="0" i="1" smtClean="0">
+                                  <a:latin typeface="Cambria Math" panose="02040503050406030204" pitchFamily="18" charset="0"/>
+                                </a:rPr>
+                                <m:t>𝑥</m:t>
+                              </m:r>
+                            </m:e>
+                          </m:acc>
+                          <m:r>
+                            <a:rPr lang="en-US" sz="4000" b="0" i="1" smtClean="0">
+                              <a:latin typeface="Cambria Math" panose="02040503050406030204" pitchFamily="18" charset="0"/>
+                            </a:rPr>
+                            <m:t> − </m:t>
+                          </m:r>
+                          <m:r>
+                            <a:rPr lang="en-US" sz="4000" b="0" i="1" smtClean="0">
+                              <a:latin typeface="Cambria Math" panose="02040503050406030204" pitchFamily="18" charset="0"/>
+                              <a:ea typeface="Cambria Math" panose="02040503050406030204" pitchFamily="18" charset="0"/>
+                            </a:rPr>
+                            <m:t>𝜇</m:t>
+                          </m:r>
+                        </m:num>
+                        <m:den>
+                          <m:f>
+                            <m:fPr>
+                              <m:type m:val="skw"/>
+                              <m:ctrlPr>
+                                <a:rPr lang="en-US" sz="4000" b="0" i="1" smtClean="0">
+                                  <a:latin typeface="Cambria Math" panose="02040503050406030204" pitchFamily="18" charset="0"/>
+                                </a:rPr>
+                              </m:ctrlPr>
+                            </m:fPr>
+                            <m:num>
+                              <m:r>
+                                <a:rPr lang="en-US" sz="4000" b="0" i="1" smtClean="0">
+                                  <a:latin typeface="Cambria Math" panose="02040503050406030204" pitchFamily="18" charset="0"/>
+                                </a:rPr>
+                                <m:t>𝑠</m:t>
+                              </m:r>
+                            </m:num>
+                            <m:den>
+                              <m:rad>
+                                <m:radPr>
+                                  <m:degHide m:val="on"/>
+                                  <m:ctrlPr>
+                                    <a:rPr lang="en-US" sz="4000" b="0" i="1" smtClean="0">
+                                      <a:latin typeface="Cambria Math" panose="02040503050406030204" pitchFamily="18" charset="0"/>
+                                    </a:rPr>
+                                  </m:ctrlPr>
+                                </m:radPr>
+                                <m:deg/>
+                                <m:e>
+                                  <m:r>
+                                    <a:rPr lang="en-US" sz="4000" b="0" i="1" smtClean="0">
+                                      <a:latin typeface="Cambria Math" panose="02040503050406030204" pitchFamily="18" charset="0"/>
+                                    </a:rPr>
+                                    <m:t>𝑛</m:t>
+                                  </m:r>
+                                </m:e>
+                              </m:rad>
+                            </m:den>
+                          </m:f>
+                        </m:den>
+                      </m:f>
+                    </m:oMath>
+                  </m:oMathPara>
+                </a14:m>
+                <a:endParaRPr lang="en-US" sz="4000" dirty="0"/>
+              </a:p>
+            </p:txBody>
+          </p:sp>
+        </mc:Choice>
+        <mc:Fallback>
+          <p:sp>
+            <p:nvSpPr>
+              <p:cNvPr id="5" name="TextBox 4">
+                <a:extLst>
+                  <a:ext uri="{FF2B5EF4-FFF2-40B4-BE49-F238E27FC236}">
+                    <a16:creationId xmlns:a16="http://schemas.microsoft.com/office/drawing/2014/main" id="{D409706E-F3C8-431C-B32E-81656C315846}"/>
+                  </a:ext>
+                </a:extLst>
+              </p:cNvPr>
+              <p:cNvSpPr txBox="1">
+                <a:spLocks noRot="1" noChangeAspect="1" noMove="1" noResize="1" noEditPoints="1" noAdjustHandles="1" noChangeArrowheads="1" noChangeShapeType="1" noTextEdit="1"/>
+              </p:cNvSpPr>
+              <p:nvPr/>
+            </p:nvSpPr>
+            <p:spPr>
+              <a:xfrm>
+                <a:off x="3436807" y="5141323"/>
+                <a:ext cx="2431884" cy="1533112"/>
+              </a:xfrm>
+              <a:prstGeom prst="rect">
+                <a:avLst/>
+              </a:prstGeom>
+              <a:blipFill>
+                <a:blip r:embed="rId4"/>
+                <a:stretch>
+                  <a:fillRect/>
+                </a:stretch>
+              </a:blipFill>
+            </p:spPr>
+            <p:txBody>
+              <a:bodyPr/>
+              <a:lstStyle/>
+              <a:p>
+                <a:r>
+                  <a:rPr lang="en-US">
+                    <a:noFill/>
+                  </a:rPr>
+                  <a:t> </a:t>
+                </a:r>
+              </a:p>
+            </p:txBody>
+          </p:sp>
+        </mc:Fallback>
+      </mc:AlternateContent>
     </p:spTree>
     <p:extLst>
       <p:ext uri="{BB962C8B-B14F-4D97-AF65-F5344CB8AC3E}">
@@ -24322,7 +24507,7 @@
               <a:buSzPct val="25000"/>
             </a:pPr>
             <a:r>
-              <a:rPr lang="en-US" sz="4000" b="1">
+              <a:rPr lang="en-US" sz="4000" b="1" dirty="0">
                 <a:ea typeface="Gill Sans MT"/>
                 <a:cs typeface="Gill Sans MT"/>
                 <a:sym typeface="Gill Sans MT"/>
@@ -24372,197 +24557,12 @@
           </a:p>
         </p:txBody>
       </p:sp>
-      <mc:AlternateContent xmlns:mc="http://schemas.openxmlformats.org/markup-compatibility/2006">
-        <mc:Choice xmlns:a14="http://schemas.microsoft.com/office/drawing/2010/main" Requires="a14">
-          <p:sp>
-            <p:nvSpPr>
-              <p:cNvPr id="6" name="TextBox 5">
-                <a:extLst>
-                  <a:ext uri="{FF2B5EF4-FFF2-40B4-BE49-F238E27FC236}">
-                    <a16:creationId xmlns:a16="http://schemas.microsoft.com/office/drawing/2014/main" id="{C8BFE09F-04DE-4037-8FA2-046977E0F2F6}"/>
-                  </a:ext>
-                </a:extLst>
-              </p:cNvPr>
-              <p:cNvSpPr txBox="1"/>
-              <p:nvPr/>
-            </p:nvSpPr>
-            <p:spPr>
-              <a:xfrm>
-                <a:off x="769894" y="1867244"/>
-                <a:ext cx="2431884" cy="1533112"/>
-              </a:xfrm>
-              <a:prstGeom prst="rect">
-                <a:avLst/>
-              </a:prstGeom>
-              <a:noFill/>
-            </p:spPr>
-            <p:txBody>
-              <a:bodyPr wrap="none" lIns="0" tIns="0" rIns="0" bIns="0" rtlCol="0">
-                <a:spAutoFit/>
-              </a:bodyPr>
-              <a:lstStyle/>
-              <a:p>
-                <a:pPr/>
-                <a14:m>
-                  <m:oMathPara xmlns:m="http://schemas.openxmlformats.org/officeDocument/2006/math">
-                    <m:oMathParaPr>
-                      <m:jc m:val="centerGroup"/>
-                    </m:oMathParaPr>
-                    <m:oMath xmlns:m="http://schemas.openxmlformats.org/officeDocument/2006/math">
-                      <m:r>
-                        <a:rPr lang="en-US" sz="4000" b="0" i="1" smtClean="0">
-                          <a:latin typeface="Cambria Math" panose="02040503050406030204" pitchFamily="18" charset="0"/>
-                        </a:rPr>
-                        <m:t>𝑡</m:t>
-                      </m:r>
-                      <m:r>
-                        <a:rPr lang="en-US" sz="4000" b="0" i="1" smtClean="0">
-                          <a:latin typeface="Cambria Math" panose="02040503050406030204" pitchFamily="18" charset="0"/>
-                        </a:rPr>
-                        <m:t>=</m:t>
-                      </m:r>
-                      <m:f>
-                        <m:fPr>
-                          <m:ctrlPr>
-                            <a:rPr lang="en-US" sz="4000" b="0" i="1" smtClean="0">
-                              <a:latin typeface="Cambria Math" panose="02040503050406030204" pitchFamily="18" charset="0"/>
-                            </a:rPr>
-                          </m:ctrlPr>
-                        </m:fPr>
-                        <m:num>
-                          <m:acc>
-                            <m:accPr>
-                              <m:chr m:val="̅"/>
-                              <m:ctrlPr>
-                                <a:rPr lang="en-US" sz="4000" b="0" i="1" smtClean="0">
-                                  <a:latin typeface="Cambria Math" panose="02040503050406030204" pitchFamily="18" charset="0"/>
-                                </a:rPr>
-                              </m:ctrlPr>
-                            </m:accPr>
-                            <m:e>
-                              <m:r>
-                                <a:rPr lang="en-US" sz="4000" b="0" i="1" smtClean="0">
-                                  <a:latin typeface="Cambria Math" panose="02040503050406030204" pitchFamily="18" charset="0"/>
-                                </a:rPr>
-                                <m:t>𝑥</m:t>
-                              </m:r>
-                            </m:e>
-                          </m:acc>
-                          <m:r>
-                            <a:rPr lang="en-US" sz="4000" b="0" i="1" smtClean="0">
-                              <a:latin typeface="Cambria Math" panose="02040503050406030204" pitchFamily="18" charset="0"/>
-                            </a:rPr>
-                            <m:t> − </m:t>
-                          </m:r>
-                          <m:r>
-                            <a:rPr lang="en-US" sz="4000" b="0" i="1" smtClean="0">
-                              <a:latin typeface="Cambria Math" panose="02040503050406030204" pitchFamily="18" charset="0"/>
-                              <a:ea typeface="Cambria Math" panose="02040503050406030204" pitchFamily="18" charset="0"/>
-                            </a:rPr>
-                            <m:t>𝜇</m:t>
-                          </m:r>
-                        </m:num>
-                        <m:den>
-                          <m:f>
-                            <m:fPr>
-                              <m:type m:val="skw"/>
-                              <m:ctrlPr>
-                                <a:rPr lang="en-US" sz="4000" b="0" i="1" smtClean="0">
-                                  <a:latin typeface="Cambria Math" panose="02040503050406030204" pitchFamily="18" charset="0"/>
-                                </a:rPr>
-                              </m:ctrlPr>
-                            </m:fPr>
-                            <m:num>
-                              <m:r>
-                                <a:rPr lang="en-US" sz="4000" b="0" i="1" smtClean="0">
-                                  <a:latin typeface="Cambria Math" panose="02040503050406030204" pitchFamily="18" charset="0"/>
-                                </a:rPr>
-                                <m:t>𝑠</m:t>
-                              </m:r>
-                            </m:num>
-                            <m:den>
-                              <m:rad>
-                                <m:radPr>
-                                  <m:degHide m:val="on"/>
-                                  <m:ctrlPr>
-                                    <a:rPr lang="en-US" sz="4000" b="0" i="1" smtClean="0">
-                                      <a:latin typeface="Cambria Math" panose="02040503050406030204" pitchFamily="18" charset="0"/>
-                                    </a:rPr>
-                                  </m:ctrlPr>
-                                </m:radPr>
-                                <m:deg/>
-                                <m:e>
-                                  <m:r>
-                                    <a:rPr lang="en-US" sz="4000" b="0" i="1" smtClean="0">
-                                      <a:latin typeface="Cambria Math" panose="02040503050406030204" pitchFamily="18" charset="0"/>
-                                    </a:rPr>
-                                    <m:t>𝑛</m:t>
-                                  </m:r>
-                                </m:e>
-                              </m:rad>
-                            </m:den>
-                          </m:f>
-                        </m:den>
-                      </m:f>
-                    </m:oMath>
-                  </m:oMathPara>
-                </a14:m>
-                <a:endParaRPr lang="en-US" sz="4000" dirty="0"/>
-              </a:p>
-            </p:txBody>
-          </p:sp>
-        </mc:Choice>
-        <mc:Fallback>
-          <p:sp>
-            <p:nvSpPr>
-              <p:cNvPr id="6" name="TextBox 5">
-                <a:extLst>
-                  <a:ext uri="{FF2B5EF4-FFF2-40B4-BE49-F238E27FC236}">
-                    <a16:creationId xmlns:a16="http://schemas.microsoft.com/office/drawing/2014/main" id="{C8BFE09F-04DE-4037-8FA2-046977E0F2F6}"/>
-                  </a:ext>
-                </a:extLst>
-              </p:cNvPr>
-              <p:cNvSpPr txBox="1">
-                <a:spLocks noRot="1" noChangeAspect="1" noMove="1" noResize="1" noEditPoints="1" noAdjustHandles="1" noChangeArrowheads="1" noChangeShapeType="1" noTextEdit="1"/>
-              </p:cNvSpPr>
-              <p:nvPr/>
-            </p:nvSpPr>
-            <p:spPr>
-              <a:xfrm>
-                <a:off x="769894" y="1867244"/>
-                <a:ext cx="2431884" cy="1533112"/>
-              </a:xfrm>
-              <a:prstGeom prst="rect">
-                <a:avLst/>
-              </a:prstGeom>
-              <a:blipFill>
-                <a:blip r:embed="rId3"/>
-                <a:stretch>
-                  <a:fillRect/>
-                </a:stretch>
-              </a:blipFill>
-            </p:spPr>
-            <p:txBody>
-              <a:bodyPr/>
-              <a:lstStyle/>
-              <a:p>
-                <a:r>
-                  <a:rPr lang="en-US">
-                    <a:noFill/>
-                  </a:rPr>
-                  <a:t> </a:t>
-                </a:r>
-              </a:p>
-            </p:txBody>
-          </p:sp>
-        </mc:Fallback>
-      </mc:AlternateContent>
       <p:pic>
         <p:nvPicPr>
-          <p:cNvPr id="5" name="Picture 4">
+          <p:cNvPr id="4" name="Picture 3">
             <a:extLst>
               <a:ext uri="{FF2B5EF4-FFF2-40B4-BE49-F238E27FC236}">
-                <a16:creationId xmlns:a16="http://schemas.microsoft.com/office/drawing/2014/main" id="{01815CCC-0CA6-498A-83B4-579122960DC7}"/>
+                <a16:creationId xmlns:a16="http://schemas.microsoft.com/office/drawing/2014/main" id="{8BB346CA-0C4A-4799-9F7F-E0258BF65DE9}"/>
               </a:ext>
             </a:extLst>
           </p:cNvPr>
@@ -24571,21 +24571,22 @@
           </p:cNvPicPr>
           <p:nvPr/>
         </p:nvPicPr>
-        <p:blipFill rotWithShape="1">
-          <a:blip r:embed="rId4">
+        <p:blipFill>
+          <a:blip r:embed="rId3">
             <a:extLst>
               <a:ext uri="{28A0092B-C50C-407E-A947-70E740481C1C}">
                 <a14:useLocalDpi xmlns:a14="http://schemas.microsoft.com/office/drawing/2010/main" val="0"/>
               </a:ext>
             </a:extLst>
           </a:blip>
-          <a:srcRect r="17533"/>
-          <a:stretch/>
+          <a:stretch>
+            <a:fillRect/>
+          </a:stretch>
         </p:blipFill>
         <p:spPr>
           <a:xfrm>
-            <a:off x="4238751" y="1917290"/>
-            <a:ext cx="7672048" cy="4651566"/>
+            <a:off x="1663964" y="2060033"/>
+            <a:ext cx="9166223" cy="4267940"/>
           </a:xfrm>
           <a:prstGeom prst="rect">
             <a:avLst/>
@@ -24908,8 +24909,8 @@
           </a:p>
         </p:txBody>
       </p:sp>
-      <mc:AlternateContent xmlns:mc="http://schemas.openxmlformats.org/markup-compatibility/2006">
-        <mc:Choice xmlns:a14="http://schemas.microsoft.com/office/drawing/2010/main" Requires="a14">
+      <mc:AlternateContent xmlns:mc="http://schemas.openxmlformats.org/markup-compatibility/2006" xmlns:a14="http://schemas.microsoft.com/office/drawing/2010/main">
+        <mc:Choice Requires="a14">
           <p:sp>
             <p:nvSpPr>
               <p:cNvPr id="4" name="TextBox 3">
@@ -25048,7 +25049,7 @@
             </p:txBody>
           </p:sp>
         </mc:Choice>
-        <mc:Fallback>
+        <mc:Fallback xmlns="">
           <p:sp>
             <p:nvSpPr>
               <p:cNvPr id="4" name="TextBox 3">
